--- a/tugas-sekolah/olahraga/NAPZA.pptx
+++ b/tugas-sekolah/olahraga/NAPZA.pptx
@@ -9,7 +9,19 @@
     <p:sldId id="257" r:id="rId3"/>
     <p:sldId id="258" r:id="rId4"/>
     <p:sldId id="260" r:id="rId5"/>
-    <p:sldId id="259" r:id="rId6"/>
+    <p:sldId id="261" r:id="rId6"/>
+    <p:sldId id="259" r:id="rId7"/>
+    <p:sldId id="262" r:id="rId8"/>
+    <p:sldId id="263" r:id="rId9"/>
+    <p:sldId id="264" r:id="rId10"/>
+    <p:sldId id="265" r:id="rId11"/>
+    <p:sldId id="266" r:id="rId12"/>
+    <p:sldId id="267" r:id="rId13"/>
+    <p:sldId id="269" r:id="rId14"/>
+    <p:sldId id="270" r:id="rId15"/>
+    <p:sldId id="271" r:id="rId16"/>
+    <p:sldId id="272" r:id="rId17"/>
+    <p:sldId id="273" r:id="rId18"/>
   </p:sldIdLst>
   <p:sldSz cx="12192000" cy="6858000"/>
   <p:notesSz cx="6858000" cy="9144000"/>
@@ -108,6 +120,11 @@
       </a:defRPr>
     </a:lvl9pPr>
   </p:defaultTextStyle>
+  <p:extLst>
+    <p:ext uri="{EFAFB233-063F-42B5-8137-9DF3F51BA10A}">
+      <p15:sldGuideLst xmlns:p15="http://schemas.microsoft.com/office/powerpoint/2012/main" xmlns=""/>
+    </p:ext>
+  </p:extLst>
 </p:presentation>
 </file>
 
@@ -242,7 +259,7 @@
           <a:p>
             <a:fld id="{B77E90B5-8A49-45C8-B6C3-81175A42FAD3}" type="datetimeFigureOut">
               <a:rPr lang="en-US" smtClean="0"/>
-              <a:t>11/17/2016</a:t>
+              <a:t>12/8/2016</a:t>
             </a:fld>
             <a:endParaRPr lang="en-US"/>
           </a:p>
@@ -412,7 +429,7 @@
           <a:p>
             <a:fld id="{B77E90B5-8A49-45C8-B6C3-81175A42FAD3}" type="datetimeFigureOut">
               <a:rPr lang="en-US" smtClean="0"/>
-              <a:t>11/17/2016</a:t>
+              <a:t>12/8/2016</a:t>
             </a:fld>
             <a:endParaRPr lang="en-US"/>
           </a:p>
@@ -592,7 +609,7 @@
           <a:p>
             <a:fld id="{B77E90B5-8A49-45C8-B6C3-81175A42FAD3}" type="datetimeFigureOut">
               <a:rPr lang="en-US" smtClean="0"/>
-              <a:t>11/17/2016</a:t>
+              <a:t>12/8/2016</a:t>
             </a:fld>
             <a:endParaRPr lang="en-US"/>
           </a:p>
@@ -762,7 +779,7 @@
           <a:p>
             <a:fld id="{B77E90B5-8A49-45C8-B6C3-81175A42FAD3}" type="datetimeFigureOut">
               <a:rPr lang="en-US" smtClean="0"/>
-              <a:t>11/17/2016</a:t>
+              <a:t>12/8/2016</a:t>
             </a:fld>
             <a:endParaRPr lang="en-US"/>
           </a:p>
@@ -1008,7 +1025,7 @@
           <a:p>
             <a:fld id="{B77E90B5-8A49-45C8-B6C3-81175A42FAD3}" type="datetimeFigureOut">
               <a:rPr lang="en-US" smtClean="0"/>
-              <a:t>11/17/2016</a:t>
+              <a:t>12/8/2016</a:t>
             </a:fld>
             <a:endParaRPr lang="en-US"/>
           </a:p>
@@ -1240,7 +1257,7 @@
           <a:p>
             <a:fld id="{B77E90B5-8A49-45C8-B6C3-81175A42FAD3}" type="datetimeFigureOut">
               <a:rPr lang="en-US" smtClean="0"/>
-              <a:t>11/17/2016</a:t>
+              <a:t>12/8/2016</a:t>
             </a:fld>
             <a:endParaRPr lang="en-US"/>
           </a:p>
@@ -1607,7 +1624,7 @@
           <a:p>
             <a:fld id="{B77E90B5-8A49-45C8-B6C3-81175A42FAD3}" type="datetimeFigureOut">
               <a:rPr lang="en-US" smtClean="0"/>
-              <a:t>11/17/2016</a:t>
+              <a:t>12/8/2016</a:t>
             </a:fld>
             <a:endParaRPr lang="en-US"/>
           </a:p>
@@ -1725,7 +1742,7 @@
           <a:p>
             <a:fld id="{B77E90B5-8A49-45C8-B6C3-81175A42FAD3}" type="datetimeFigureOut">
               <a:rPr lang="en-US" smtClean="0"/>
-              <a:t>11/17/2016</a:t>
+              <a:t>12/8/2016</a:t>
             </a:fld>
             <a:endParaRPr lang="en-US"/>
           </a:p>
@@ -1820,7 +1837,7 @@
           <a:p>
             <a:fld id="{B77E90B5-8A49-45C8-B6C3-81175A42FAD3}" type="datetimeFigureOut">
               <a:rPr lang="en-US" smtClean="0"/>
-              <a:t>11/17/2016</a:t>
+              <a:t>12/8/2016</a:t>
             </a:fld>
             <a:endParaRPr lang="en-US"/>
           </a:p>
@@ -2097,7 +2114,7 @@
           <a:p>
             <a:fld id="{B77E90B5-8A49-45C8-B6C3-81175A42FAD3}" type="datetimeFigureOut">
               <a:rPr lang="en-US" smtClean="0"/>
-              <a:t>11/17/2016</a:t>
+              <a:t>12/8/2016</a:t>
             </a:fld>
             <a:endParaRPr lang="en-US"/>
           </a:p>
@@ -2350,7 +2367,7 @@
           <a:p>
             <a:fld id="{B77E90B5-8A49-45C8-B6C3-81175A42FAD3}" type="datetimeFigureOut">
               <a:rPr lang="en-US" smtClean="0"/>
-              <a:t>11/17/2016</a:t>
+              <a:t>12/8/2016</a:t>
             </a:fld>
             <a:endParaRPr lang="en-US"/>
           </a:p>
@@ -2563,7 +2580,7 @@
           <a:p>
             <a:fld id="{B77E90B5-8A49-45C8-B6C3-81175A42FAD3}" type="datetimeFigureOut">
               <a:rPr lang="en-US" smtClean="0"/>
-              <a:t>11/17/2016</a:t>
+              <a:t>12/8/2016</a:t>
             </a:fld>
             <a:endParaRPr lang="en-US"/>
           </a:p>
@@ -3014,9 +3031,12 @@
           <a:p>
             <a:r>
               <a:rPr lang="id-ID" dirty="0" smtClean="0"/>
-              <a:t>Oleh Suwarna Adhi Galang</a:t>
-            </a:r>
-            <a:endParaRPr lang="en-US" dirty="0"/>
+              <a:t>Oleh Suwarna Adhi </a:t>
+            </a:r>
+            <a:r>
+              <a:rPr lang="id-ID" dirty="0" smtClean="0"/>
+              <a:t>Galang</a:t>
+            </a:r>
           </a:p>
         </p:txBody>
       </p:sp>
@@ -3030,6 +3050,4291 @@
   <p:clrMapOvr>
     <a:masterClrMapping/>
   </p:clrMapOvr>
+  <p:timing>
+    <p:tnLst>
+      <p:par>
+        <p:cTn id="1" dur="indefinite" restart="never" nodeType="tmRoot"/>
+      </p:par>
+    </p:tnLst>
+  </p:timing>
+</p:sld>
+</file>
+
+<file path=ppt/slides/slide10.xml><?xml version="1.0" encoding="utf-8"?>
+<p:sld xmlns:a="http://schemas.openxmlformats.org/drawingml/2006/main" xmlns:r="http://schemas.openxmlformats.org/officeDocument/2006/relationships" xmlns:p="http://schemas.openxmlformats.org/presentationml/2006/main">
+  <p:cSld>
+    <p:spTree>
+      <p:nvGrpSpPr>
+        <p:cNvPr id="1" name=""/>
+        <p:cNvGrpSpPr/>
+        <p:nvPr/>
+      </p:nvGrpSpPr>
+      <p:grpSpPr>
+        <a:xfrm>
+          <a:off x="0" y="0"/>
+          <a:ext cx="0" cy="0"/>
+          <a:chOff x="0" y="0"/>
+          <a:chExt cx="0" cy="0"/>
+        </a:xfrm>
+      </p:grpSpPr>
+      <p:sp>
+        <p:nvSpPr>
+          <p:cNvPr id="2" name="Title 1"/>
+          <p:cNvSpPr>
+            <a:spLocks noGrp="1"/>
+          </p:cNvSpPr>
+          <p:nvPr>
+            <p:ph type="title"/>
+          </p:nvPr>
+        </p:nvSpPr>
+        <p:spPr/>
+        <p:txBody>
+          <a:bodyPr>
+            <a:normAutofit/>
+          </a:bodyPr>
+          <a:lstStyle/>
+          <a:p>
+            <a:pPr algn="ctr"/>
+            <a:r>
+              <a:rPr lang="en-US" sz="4000" dirty="0" smtClean="0"/>
+              <a:t>Cara </a:t>
+            </a:r>
+            <a:r>
+              <a:rPr lang="en-US" sz="4000" dirty="0" err="1" smtClean="0"/>
+              <a:t>Kerja</a:t>
+            </a:r>
+            <a:r>
+              <a:rPr lang="en-US" sz="4000" dirty="0" smtClean="0"/>
+              <a:t> </a:t>
+            </a:r>
+            <a:r>
+              <a:rPr lang="en-US" sz="4000" dirty="0" err="1" smtClean="0"/>
+              <a:t>Narkoba</a:t>
+            </a:r>
+            <a:endParaRPr lang="en-US" sz="4000" dirty="0"/>
+          </a:p>
+        </p:txBody>
+      </p:sp>
+      <p:sp>
+        <p:nvSpPr>
+          <p:cNvPr id="3" name="Content Placeholder 2"/>
+          <p:cNvSpPr>
+            <a:spLocks noGrp="1"/>
+          </p:cNvSpPr>
+          <p:nvPr>
+            <p:ph idx="1"/>
+          </p:nvPr>
+        </p:nvSpPr>
+        <p:spPr/>
+        <p:txBody>
+          <a:bodyPr>
+            <a:normAutofit/>
+          </a:bodyPr>
+          <a:lstStyle/>
+          <a:p>
+            <a:r>
+              <a:rPr lang="en-US" sz="2300" dirty="0" err="1" smtClean="0"/>
+              <a:t>Narkoba</a:t>
+            </a:r>
+            <a:r>
+              <a:rPr lang="en-US" sz="2300" dirty="0" smtClean="0"/>
+              <a:t> </a:t>
+            </a:r>
+            <a:r>
+              <a:rPr lang="en-US" sz="2300" dirty="0" err="1" smtClean="0"/>
+              <a:t>berpengaruh</a:t>
+            </a:r>
+            <a:r>
+              <a:rPr lang="en-US" sz="2300" dirty="0" smtClean="0"/>
+              <a:t> </a:t>
+            </a:r>
+            <a:r>
+              <a:rPr lang="en-US" sz="2300" dirty="0" err="1" smtClean="0"/>
+              <a:t>pada</a:t>
+            </a:r>
+            <a:r>
+              <a:rPr lang="en-US" sz="2300" dirty="0" smtClean="0"/>
+              <a:t> </a:t>
+            </a:r>
+            <a:r>
+              <a:rPr lang="en-US" sz="2300" dirty="0" err="1" smtClean="0"/>
+              <a:t>bagian</a:t>
+            </a:r>
+            <a:r>
+              <a:rPr lang="en-US" sz="2300" dirty="0" smtClean="0"/>
+              <a:t> </a:t>
+            </a:r>
+            <a:r>
+              <a:rPr lang="en-US" sz="2300" dirty="0" err="1" smtClean="0"/>
+              <a:t>otak</a:t>
+            </a:r>
+            <a:r>
+              <a:rPr lang="en-US" sz="2300" dirty="0" smtClean="0"/>
+              <a:t> yang </a:t>
+            </a:r>
+            <a:r>
+              <a:rPr lang="en-US" sz="2300" dirty="0" err="1" smtClean="0"/>
+              <a:t>bertanggung</a:t>
+            </a:r>
+            <a:r>
+              <a:rPr lang="en-US" sz="2300" dirty="0" smtClean="0"/>
+              <a:t> </a:t>
+            </a:r>
+            <a:r>
+              <a:rPr lang="en-US" sz="2300" dirty="0" err="1" smtClean="0"/>
+              <a:t>jawab</a:t>
+            </a:r>
+            <a:r>
+              <a:rPr lang="en-US" sz="2300" dirty="0" smtClean="0"/>
+              <a:t> </a:t>
+            </a:r>
+            <a:r>
+              <a:rPr lang="en-US" sz="2300" dirty="0" err="1" smtClean="0"/>
+              <a:t>atas</a:t>
+            </a:r>
+            <a:r>
+              <a:rPr lang="en-US" sz="2300" dirty="0" smtClean="0"/>
+              <a:t> </a:t>
+            </a:r>
+            <a:r>
+              <a:rPr lang="en-US" sz="2300" dirty="0" err="1" smtClean="0"/>
+              <a:t>kehidupan</a:t>
+            </a:r>
+            <a:r>
+              <a:rPr lang="en-US" sz="2300" dirty="0" smtClean="0"/>
+              <a:t> </a:t>
+            </a:r>
+            <a:r>
+              <a:rPr lang="en-US" sz="2300" dirty="0" err="1" smtClean="0"/>
+              <a:t>perasaan</a:t>
+            </a:r>
+            <a:r>
+              <a:rPr lang="en-US" sz="2300" dirty="0" smtClean="0"/>
+              <a:t>, yang </a:t>
+            </a:r>
+            <a:r>
+              <a:rPr lang="en-US" sz="2300" dirty="0" err="1" smtClean="0"/>
+              <a:t>disebut</a:t>
+            </a:r>
+            <a:r>
+              <a:rPr lang="en-US" sz="2300" dirty="0" smtClean="0"/>
+              <a:t> </a:t>
+            </a:r>
+            <a:r>
+              <a:rPr lang="en-US" sz="2300" i="1" dirty="0" err="1" smtClean="0"/>
+              <a:t>sistem</a:t>
+            </a:r>
+            <a:r>
+              <a:rPr lang="en-US" sz="2300" i="1" dirty="0" smtClean="0"/>
+              <a:t> </a:t>
+            </a:r>
+            <a:r>
+              <a:rPr lang="en-US" sz="2300" i="1" dirty="0" err="1" smtClean="0"/>
+              <a:t>limbus</a:t>
+            </a:r>
+            <a:r>
+              <a:rPr lang="en-US" sz="2300" dirty="0" smtClean="0"/>
+              <a:t>. </a:t>
+            </a:r>
+            <a:r>
+              <a:rPr lang="en-US" sz="2300" i="1" dirty="0" err="1" smtClean="0"/>
+              <a:t>Hipotalamus</a:t>
+            </a:r>
+            <a:r>
+              <a:rPr lang="en-US" sz="2300" dirty="0" smtClean="0"/>
+              <a:t>, </a:t>
+            </a:r>
+            <a:r>
+              <a:rPr lang="en-US" sz="2300" dirty="0" err="1" smtClean="0"/>
+              <a:t>pusat</a:t>
+            </a:r>
+            <a:r>
+              <a:rPr lang="en-US" sz="2300" dirty="0" smtClean="0"/>
+              <a:t> </a:t>
+            </a:r>
+            <a:r>
+              <a:rPr lang="en-US" sz="2300" dirty="0" err="1" smtClean="0"/>
+              <a:t>kenikmatan</a:t>
+            </a:r>
+            <a:r>
+              <a:rPr lang="en-US" sz="2300" dirty="0" smtClean="0"/>
+              <a:t> </a:t>
+            </a:r>
+            <a:r>
+              <a:rPr lang="en-US" sz="2300" dirty="0" err="1" smtClean="0"/>
+              <a:t>pada</a:t>
+            </a:r>
+            <a:r>
+              <a:rPr lang="en-US" sz="2300" dirty="0" smtClean="0"/>
+              <a:t> </a:t>
+            </a:r>
+            <a:r>
+              <a:rPr lang="en-US" sz="2300" dirty="0" err="1" smtClean="0"/>
+              <a:t>otak</a:t>
+            </a:r>
+            <a:r>
+              <a:rPr lang="en-US" sz="2300" dirty="0" smtClean="0"/>
+              <a:t> </a:t>
+            </a:r>
+            <a:r>
+              <a:rPr lang="en-US" sz="2300" dirty="0" err="1" smtClean="0"/>
+              <a:t>adalah</a:t>
+            </a:r>
+            <a:r>
+              <a:rPr lang="en-US" sz="2300" dirty="0" smtClean="0"/>
+              <a:t> </a:t>
+            </a:r>
+            <a:r>
+              <a:rPr lang="en-US" sz="2300" dirty="0" err="1" smtClean="0"/>
+              <a:t>bahiamm</a:t>
+            </a:r>
+            <a:r>
+              <a:rPr lang="en-US" sz="2300" dirty="0" smtClean="0"/>
+              <a:t> </a:t>
+            </a:r>
+            <a:r>
+              <a:rPr lang="en-US" sz="2300" dirty="0" err="1" smtClean="0"/>
+              <a:t>dari</a:t>
+            </a:r>
+            <a:r>
+              <a:rPr lang="en-US" sz="2300" dirty="0" smtClean="0"/>
+              <a:t> </a:t>
+            </a:r>
+            <a:r>
+              <a:rPr lang="en-US" sz="2300" dirty="0" err="1" smtClean="0"/>
+              <a:t>sistem</a:t>
+            </a:r>
+            <a:r>
+              <a:rPr lang="en-US" sz="2300" dirty="0" smtClean="0"/>
+              <a:t> </a:t>
+            </a:r>
+            <a:r>
+              <a:rPr lang="en-US" sz="2300" dirty="0" err="1" smtClean="0"/>
+              <a:t>limbus</a:t>
+            </a:r>
+            <a:r>
+              <a:rPr lang="en-US" sz="2300" dirty="0" smtClean="0"/>
+              <a:t>. </a:t>
+            </a:r>
+            <a:r>
+              <a:rPr lang="en-US" sz="2300" dirty="0" err="1" smtClean="0"/>
+              <a:t>Narkoba</a:t>
+            </a:r>
+            <a:r>
+              <a:rPr lang="en-US" sz="2300" dirty="0" smtClean="0"/>
+              <a:t> </a:t>
+            </a:r>
+            <a:r>
+              <a:rPr lang="en-US" sz="2300" dirty="0" err="1" smtClean="0"/>
+              <a:t>menghasilkan</a:t>
+            </a:r>
+            <a:r>
+              <a:rPr lang="en-US" sz="2300" dirty="0" smtClean="0"/>
+              <a:t> </a:t>
+            </a:r>
+            <a:r>
+              <a:rPr lang="en-US" sz="2300" dirty="0" err="1" smtClean="0"/>
+              <a:t>perasaan</a:t>
+            </a:r>
+            <a:r>
+              <a:rPr lang="en-US" sz="2300" dirty="0" smtClean="0"/>
+              <a:t> ‘</a:t>
+            </a:r>
+            <a:r>
+              <a:rPr lang="en-US" sz="2300" i="1" dirty="0" smtClean="0"/>
+              <a:t>high</a:t>
+            </a:r>
+            <a:r>
+              <a:rPr lang="en-US" sz="2300" dirty="0" smtClean="0"/>
+              <a:t>’ </a:t>
+            </a:r>
+            <a:r>
+              <a:rPr lang="en-US" sz="2300" dirty="0" err="1" smtClean="0"/>
+              <a:t>dengan</a:t>
+            </a:r>
+            <a:r>
+              <a:rPr lang="en-US" sz="2300" dirty="0" smtClean="0"/>
+              <a:t> </a:t>
+            </a:r>
+            <a:r>
+              <a:rPr lang="en-US" sz="2300" dirty="0" err="1" smtClean="0"/>
+              <a:t>mengubah</a:t>
+            </a:r>
+            <a:r>
+              <a:rPr lang="en-US" sz="2300" dirty="0" smtClean="0"/>
+              <a:t> </a:t>
+            </a:r>
+            <a:r>
+              <a:rPr lang="en-US" sz="2300" dirty="0" err="1" smtClean="0"/>
+              <a:t>susunan</a:t>
+            </a:r>
+            <a:r>
+              <a:rPr lang="en-US" sz="2300" dirty="0" smtClean="0"/>
+              <a:t> </a:t>
+            </a:r>
+            <a:r>
+              <a:rPr lang="en-US" sz="2300" dirty="0" err="1" smtClean="0"/>
+              <a:t>biokimia</a:t>
+            </a:r>
+            <a:r>
+              <a:rPr lang="en-US" sz="2300" dirty="0" smtClean="0"/>
+              <a:t> </a:t>
+            </a:r>
+            <a:r>
+              <a:rPr lang="en-US" sz="2300" dirty="0" err="1" smtClean="0"/>
+              <a:t>molekul</a:t>
+            </a:r>
+            <a:r>
+              <a:rPr lang="en-US" sz="2300" dirty="0" smtClean="0"/>
+              <a:t> </a:t>
+            </a:r>
+            <a:r>
+              <a:rPr lang="en-US" sz="2300" dirty="0" err="1" smtClean="0"/>
+              <a:t>pada</a:t>
+            </a:r>
+            <a:r>
+              <a:rPr lang="en-US" sz="2300" dirty="0" smtClean="0"/>
+              <a:t> </a:t>
+            </a:r>
+            <a:r>
+              <a:rPr lang="en-US" sz="2300" dirty="0" err="1" smtClean="0"/>
+              <a:t>sel</a:t>
+            </a:r>
+            <a:r>
+              <a:rPr lang="en-US" sz="2300" dirty="0" smtClean="0"/>
+              <a:t> </a:t>
+            </a:r>
+            <a:r>
+              <a:rPr lang="en-US" sz="2300" dirty="0" err="1" smtClean="0"/>
+              <a:t>otak</a:t>
+            </a:r>
+            <a:r>
+              <a:rPr lang="en-US" sz="2300" dirty="0" smtClean="0"/>
+              <a:t>  yang </a:t>
+            </a:r>
+            <a:r>
+              <a:rPr lang="en-US" sz="2300" dirty="0" err="1" smtClean="0"/>
+              <a:t>disebut</a:t>
+            </a:r>
+            <a:r>
+              <a:rPr lang="en-US" sz="2300" dirty="0" smtClean="0"/>
+              <a:t> </a:t>
+            </a:r>
+            <a:r>
+              <a:rPr lang="en-US" sz="2300" i="1" dirty="0" err="1" smtClean="0"/>
+              <a:t>neuro</a:t>
+            </a:r>
+            <a:r>
+              <a:rPr lang="en-US" sz="2300" i="1" dirty="0" smtClean="0"/>
+              <a:t>-transmitter</a:t>
+            </a:r>
+            <a:r>
+              <a:rPr lang="en-US" sz="2300" dirty="0" smtClean="0"/>
+              <a:t>.</a:t>
+            </a:r>
+          </a:p>
+          <a:p>
+            <a:r>
+              <a:rPr lang="en-US" sz="2300" dirty="0" err="1" smtClean="0"/>
+              <a:t>Adiksi</a:t>
+            </a:r>
+            <a:endParaRPr lang="en-US" sz="2300" dirty="0" smtClean="0"/>
+          </a:p>
+          <a:p>
+            <a:pPr lvl="1"/>
+            <a:r>
+              <a:rPr lang="en-US" sz="1900" dirty="0" err="1" smtClean="0"/>
+              <a:t>Semacam</a:t>
+            </a:r>
+            <a:r>
+              <a:rPr lang="en-US" sz="1900" dirty="0" smtClean="0"/>
+              <a:t> </a:t>
+            </a:r>
+            <a:r>
+              <a:rPr lang="en-US" sz="1900" dirty="0" err="1" smtClean="0"/>
+              <a:t>pembelajaran</a:t>
+            </a:r>
+            <a:r>
+              <a:rPr lang="en-US" sz="1900" dirty="0" smtClean="0"/>
+              <a:t> </a:t>
+            </a:r>
+            <a:r>
+              <a:rPr lang="en-US" sz="1900" dirty="0" err="1" smtClean="0"/>
+              <a:t>sel-sel</a:t>
+            </a:r>
+            <a:r>
+              <a:rPr lang="en-US" sz="1900" dirty="0" smtClean="0"/>
+              <a:t> </a:t>
+            </a:r>
+            <a:r>
+              <a:rPr lang="en-US" sz="1900" dirty="0" err="1" smtClean="0"/>
+              <a:t>otak</a:t>
+            </a:r>
+            <a:r>
+              <a:rPr lang="en-US" sz="1900" dirty="0" smtClean="0"/>
+              <a:t> </a:t>
+            </a:r>
+            <a:r>
+              <a:rPr lang="en-US" sz="1900" dirty="0" err="1" smtClean="0"/>
+              <a:t>pada</a:t>
+            </a:r>
+            <a:r>
+              <a:rPr lang="en-US" sz="1900" dirty="0" smtClean="0"/>
+              <a:t> </a:t>
+            </a:r>
+            <a:r>
+              <a:rPr lang="en-US" sz="1900" dirty="0" err="1" smtClean="0"/>
+              <a:t>pusat</a:t>
+            </a:r>
+            <a:r>
+              <a:rPr lang="en-US" sz="1900" dirty="0" smtClean="0"/>
+              <a:t> </a:t>
+            </a:r>
+            <a:r>
+              <a:rPr lang="en-US" sz="1900" dirty="0" err="1" smtClean="0"/>
+              <a:t>kenikmatan</a:t>
+            </a:r>
+            <a:r>
+              <a:rPr lang="en-US" sz="1900" dirty="0"/>
+              <a:t> </a:t>
+            </a:r>
+            <a:r>
+              <a:rPr lang="en-US" sz="1900" dirty="0" smtClean="0"/>
+              <a:t>(</a:t>
+            </a:r>
+            <a:r>
+              <a:rPr lang="en-US" sz="1900" i="1" dirty="0" err="1" smtClean="0"/>
+              <a:t>hipotalamus</a:t>
+            </a:r>
+            <a:r>
+              <a:rPr lang="en-US" sz="1900" dirty="0" smtClean="0"/>
+              <a:t>). </a:t>
+            </a:r>
+          </a:p>
+          <a:p>
+            <a:pPr lvl="1"/>
+            <a:r>
+              <a:rPr lang="en-US" sz="1900" dirty="0" err="1" smtClean="0"/>
+              <a:t>Jika</a:t>
+            </a:r>
+            <a:r>
+              <a:rPr lang="en-US" sz="1900" dirty="0" smtClean="0"/>
+              <a:t> </a:t>
+            </a:r>
+            <a:r>
+              <a:rPr lang="en-US" sz="1900" dirty="0" err="1" smtClean="0"/>
+              <a:t>mengonsumsi</a:t>
+            </a:r>
+            <a:r>
+              <a:rPr lang="en-US" sz="1900" dirty="0" smtClean="0"/>
+              <a:t> </a:t>
+            </a:r>
+            <a:r>
+              <a:rPr lang="en-US" sz="1900" dirty="0" err="1" smtClean="0"/>
+              <a:t>narkoba</a:t>
+            </a:r>
+            <a:r>
+              <a:rPr lang="en-US" sz="1900" dirty="0" smtClean="0"/>
+              <a:t>, </a:t>
+            </a:r>
+            <a:r>
+              <a:rPr lang="en-US" sz="1900" dirty="0" err="1" smtClean="0"/>
+              <a:t>otak</a:t>
+            </a:r>
+            <a:r>
+              <a:rPr lang="en-US" sz="1900" dirty="0" smtClean="0"/>
+              <a:t> </a:t>
+            </a:r>
+            <a:r>
+              <a:rPr lang="en-US" sz="1900" dirty="0" err="1" smtClean="0"/>
+              <a:t>akan</a:t>
+            </a:r>
+            <a:r>
+              <a:rPr lang="en-US" sz="1900" dirty="0" smtClean="0"/>
+              <a:t> </a:t>
+            </a:r>
+            <a:r>
+              <a:rPr lang="en-US" sz="1900" dirty="0" err="1" smtClean="0"/>
+              <a:t>membaca</a:t>
+            </a:r>
+            <a:r>
+              <a:rPr lang="en-US" sz="1900" dirty="0" smtClean="0"/>
+              <a:t> </a:t>
+            </a:r>
+            <a:r>
+              <a:rPr lang="en-US" sz="1900" dirty="0" err="1" smtClean="0"/>
+              <a:t>tanggapan</a:t>
+            </a:r>
+            <a:r>
+              <a:rPr lang="en-US" sz="1900" dirty="0" smtClean="0"/>
+              <a:t> </a:t>
+            </a:r>
+            <a:r>
+              <a:rPr lang="en-US" sz="1900" dirty="0" err="1" smtClean="0"/>
+              <a:t>pesan</a:t>
+            </a:r>
+            <a:r>
+              <a:rPr lang="en-US" sz="1900" dirty="0" smtClean="0"/>
+              <a:t> </a:t>
+            </a:r>
+            <a:r>
+              <a:rPr lang="en-US" sz="1900" i="1" dirty="0" smtClean="0"/>
+              <a:t>“</a:t>
+            </a:r>
+            <a:r>
+              <a:rPr lang="en-US" sz="1900" i="1" dirty="0" err="1" smtClean="0"/>
+              <a:t>Zat</a:t>
+            </a:r>
+            <a:r>
+              <a:rPr lang="en-US" sz="1900" i="1" dirty="0" smtClean="0"/>
+              <a:t> </a:t>
+            </a:r>
+            <a:r>
+              <a:rPr lang="en-US" sz="1900" i="1" dirty="0" err="1" smtClean="0"/>
+              <a:t>ini</a:t>
+            </a:r>
+            <a:r>
+              <a:rPr lang="en-US" sz="1900" i="1" dirty="0" smtClean="0"/>
+              <a:t> </a:t>
+            </a:r>
+            <a:r>
+              <a:rPr lang="en-US" sz="1900" i="1" dirty="0" err="1" smtClean="0"/>
+              <a:t>berguna</a:t>
+            </a:r>
+            <a:r>
+              <a:rPr lang="en-US" sz="1900" i="1" dirty="0" smtClean="0"/>
+              <a:t> </a:t>
+            </a:r>
+            <a:r>
+              <a:rPr lang="en-US" sz="1900" i="1" dirty="0" err="1" smtClean="0"/>
+              <a:t>bagi</a:t>
+            </a:r>
+            <a:r>
+              <a:rPr lang="en-US" sz="1900" i="1" dirty="0" smtClean="0"/>
+              <a:t> </a:t>
+            </a:r>
+            <a:r>
+              <a:rPr lang="en-US" sz="1900" i="1" dirty="0" err="1" smtClean="0"/>
+              <a:t>mekanisme</a:t>
+            </a:r>
+            <a:r>
+              <a:rPr lang="en-US" sz="1900" i="1" dirty="0" smtClean="0"/>
+              <a:t> </a:t>
+            </a:r>
+            <a:r>
+              <a:rPr lang="en-US" sz="1900" i="1" dirty="0" err="1" smtClean="0"/>
+              <a:t>pertahanan</a:t>
+            </a:r>
+            <a:r>
+              <a:rPr lang="en-US" sz="1900" i="1" dirty="0" smtClean="0"/>
+              <a:t> </a:t>
+            </a:r>
+            <a:r>
+              <a:rPr lang="en-US" sz="1900" i="1" dirty="0" err="1" smtClean="0"/>
+              <a:t>tubuh</a:t>
+            </a:r>
+            <a:r>
+              <a:rPr lang="en-US" sz="1900" i="1" dirty="0" smtClean="0"/>
+              <a:t>. </a:t>
+            </a:r>
+            <a:r>
+              <a:rPr lang="en-US" sz="1900" i="1" dirty="0" err="1" smtClean="0"/>
+              <a:t>Jadi</a:t>
+            </a:r>
+            <a:r>
+              <a:rPr lang="en-US" sz="1900" i="1" dirty="0" smtClean="0"/>
+              <a:t>  </a:t>
+            </a:r>
+            <a:r>
+              <a:rPr lang="en-US" sz="1900" i="1" dirty="0" err="1" smtClean="0"/>
+              <a:t>ulangi</a:t>
+            </a:r>
+            <a:r>
+              <a:rPr lang="en-US" sz="1900" i="1" dirty="0" smtClean="0"/>
+              <a:t> </a:t>
+            </a:r>
+            <a:r>
+              <a:rPr lang="en-US" sz="1900" i="1" dirty="0" err="1" smtClean="0"/>
+              <a:t>pemakaiannya</a:t>
+            </a:r>
+            <a:r>
+              <a:rPr lang="en-US" sz="1900" i="1" dirty="0" smtClean="0"/>
+              <a:t>”.</a:t>
+            </a:r>
+          </a:p>
+          <a:p>
+            <a:pPr lvl="1"/>
+            <a:r>
+              <a:rPr lang="en-US" sz="1900" dirty="0" err="1" smtClean="0"/>
+              <a:t>Jika</a:t>
+            </a:r>
+            <a:r>
+              <a:rPr lang="en-US" sz="1900" dirty="0" smtClean="0"/>
+              <a:t> </a:t>
+            </a:r>
+            <a:r>
+              <a:rPr lang="en-US" sz="1900" dirty="0" err="1" smtClean="0"/>
+              <a:t>memakai</a:t>
+            </a:r>
+            <a:r>
+              <a:rPr lang="en-US" sz="1900" dirty="0" smtClean="0"/>
+              <a:t> </a:t>
+            </a:r>
+            <a:r>
+              <a:rPr lang="en-US" sz="1900" dirty="0" err="1" smtClean="0"/>
+              <a:t>narkoba</a:t>
+            </a:r>
+            <a:r>
+              <a:rPr lang="en-US" sz="1900" dirty="0" smtClean="0"/>
+              <a:t> </a:t>
+            </a:r>
+            <a:r>
+              <a:rPr lang="en-US" sz="1900" dirty="0" err="1" smtClean="0"/>
+              <a:t>lai</a:t>
+            </a:r>
+            <a:r>
+              <a:rPr lang="en-US" sz="1900" dirty="0" smtClean="0"/>
+              <a:t>, </a:t>
+            </a:r>
+            <a:r>
+              <a:rPr lang="en-US" sz="1900" dirty="0" err="1" smtClean="0"/>
+              <a:t>kita</a:t>
+            </a:r>
+            <a:r>
+              <a:rPr lang="en-US" sz="1900" dirty="0" smtClean="0"/>
+              <a:t> </a:t>
+            </a:r>
+            <a:r>
+              <a:rPr lang="en-US" sz="1900" dirty="0" err="1" smtClean="0"/>
+              <a:t>kembali</a:t>
+            </a:r>
+            <a:r>
+              <a:rPr lang="en-US" sz="1900" dirty="0" smtClean="0"/>
+              <a:t> </a:t>
+            </a:r>
+            <a:r>
+              <a:rPr lang="en-US" sz="1900" dirty="0" err="1" smtClean="0"/>
+              <a:t>merasa</a:t>
+            </a:r>
+            <a:r>
+              <a:rPr lang="en-US" sz="1900" dirty="0" smtClean="0"/>
+              <a:t> </a:t>
+            </a:r>
+            <a:r>
+              <a:rPr lang="en-US" sz="1900" dirty="0" err="1" smtClean="0"/>
+              <a:t>nikmat</a:t>
+            </a:r>
+            <a:r>
+              <a:rPr lang="en-US" sz="1900" dirty="0" smtClean="0"/>
+              <a:t>, </a:t>
+            </a:r>
+            <a:r>
+              <a:rPr lang="en-US" sz="1900" dirty="0" err="1" smtClean="0"/>
+              <a:t>seolah-olah</a:t>
+            </a:r>
+            <a:r>
+              <a:rPr lang="en-US" sz="1900" dirty="0" smtClean="0"/>
+              <a:t> </a:t>
+            </a:r>
+            <a:r>
+              <a:rPr lang="en-US" sz="1900" dirty="0" err="1" smtClean="0"/>
+              <a:t>kebutuhan</a:t>
+            </a:r>
+            <a:r>
+              <a:rPr lang="en-US" sz="1900" dirty="0" smtClean="0"/>
+              <a:t> </a:t>
+            </a:r>
+            <a:r>
+              <a:rPr lang="en-US" sz="1900" dirty="0" err="1" smtClean="0"/>
+              <a:t>kita</a:t>
+            </a:r>
+            <a:r>
+              <a:rPr lang="en-US" sz="1900" dirty="0" smtClean="0"/>
+              <a:t> </a:t>
+            </a:r>
+            <a:r>
+              <a:rPr lang="en-US" sz="1900" dirty="0" err="1" smtClean="0"/>
+              <a:t>terpuaskan</a:t>
+            </a:r>
+            <a:r>
+              <a:rPr lang="en-US" sz="1900" dirty="0" smtClean="0"/>
+              <a:t>.</a:t>
+            </a:r>
+          </a:p>
+          <a:p>
+            <a:pPr lvl="1"/>
+            <a:r>
+              <a:rPr lang="en-US" sz="1900" dirty="0" err="1" smtClean="0"/>
+              <a:t>Otak</a:t>
+            </a:r>
+            <a:r>
+              <a:rPr lang="en-US" sz="1900" dirty="0" smtClean="0"/>
+              <a:t> </a:t>
+            </a:r>
+            <a:r>
+              <a:rPr lang="en-US" sz="1900" dirty="0" err="1" smtClean="0"/>
+              <a:t>merekamnya</a:t>
+            </a:r>
+            <a:r>
+              <a:rPr lang="en-US" sz="1900" dirty="0" smtClean="0"/>
+              <a:t> </a:t>
+            </a:r>
+            <a:r>
+              <a:rPr lang="en-US" sz="1900" dirty="0" err="1" smtClean="0"/>
+              <a:t>sebagai</a:t>
+            </a:r>
+            <a:r>
+              <a:rPr lang="en-US" sz="1900" dirty="0" smtClean="0"/>
+              <a:t> </a:t>
+            </a:r>
+            <a:r>
+              <a:rPr lang="en-US" sz="1900" dirty="0" err="1" smtClean="0"/>
+              <a:t>salah</a:t>
+            </a:r>
+            <a:r>
+              <a:rPr lang="en-US" sz="1900" dirty="0" smtClean="0"/>
+              <a:t> </a:t>
+            </a:r>
+            <a:r>
+              <a:rPr lang="en-US" sz="1900" dirty="0" err="1" smtClean="0"/>
+              <a:t>satu</a:t>
+            </a:r>
+            <a:r>
+              <a:rPr lang="en-US" sz="1900" dirty="0" smtClean="0"/>
+              <a:t> yang </a:t>
+            </a:r>
+            <a:r>
+              <a:rPr lang="en-US" sz="1900" dirty="0" err="1" smtClean="0"/>
+              <a:t>harus</a:t>
+            </a:r>
+            <a:r>
+              <a:rPr lang="en-US" sz="1900" dirty="0" smtClean="0"/>
+              <a:t> </a:t>
+            </a:r>
+            <a:r>
+              <a:rPr lang="en-US" sz="1900" dirty="0" err="1" smtClean="0"/>
+              <a:t>kita</a:t>
+            </a:r>
+            <a:r>
+              <a:rPr lang="en-US" sz="1900" dirty="0" smtClean="0"/>
+              <a:t> </a:t>
+            </a:r>
+            <a:r>
+              <a:rPr lang="en-US" sz="1900" dirty="0" err="1" smtClean="0"/>
+              <a:t>cari</a:t>
+            </a:r>
+            <a:r>
+              <a:rPr lang="en-US" sz="1900" dirty="0" smtClean="0"/>
+              <a:t> </a:t>
+            </a:r>
+            <a:r>
+              <a:rPr lang="en-US" sz="1900" dirty="0" err="1" smtClean="0"/>
+              <a:t>sebagai</a:t>
+            </a:r>
+            <a:r>
+              <a:rPr lang="en-US" sz="1900" dirty="0" smtClean="0"/>
+              <a:t> </a:t>
+            </a:r>
+            <a:r>
+              <a:rPr lang="en-US" sz="1900" dirty="0" err="1" smtClean="0"/>
+              <a:t>prioritas</a:t>
+            </a:r>
+            <a:endParaRPr lang="en-US" sz="1900" dirty="0" smtClean="0"/>
+          </a:p>
+          <a:p>
+            <a:pPr lvl="1"/>
+            <a:r>
+              <a:rPr lang="en-US" sz="1900" dirty="0" err="1" smtClean="0"/>
+              <a:t>Akibatnya</a:t>
+            </a:r>
+            <a:r>
+              <a:rPr lang="en-US" sz="1900" dirty="0" smtClean="0"/>
+              <a:t>, </a:t>
+            </a:r>
+            <a:r>
+              <a:rPr lang="en-US" sz="1900" dirty="0" err="1" smtClean="0"/>
+              <a:t>otak</a:t>
+            </a:r>
+            <a:r>
+              <a:rPr lang="en-US" sz="1900" dirty="0" smtClean="0"/>
+              <a:t> </a:t>
+            </a:r>
+            <a:r>
+              <a:rPr lang="en-US" sz="1900" dirty="0" err="1" smtClean="0"/>
+              <a:t>membuat</a:t>
+            </a:r>
+            <a:r>
+              <a:rPr lang="en-US" sz="1900" dirty="0" smtClean="0"/>
+              <a:t> program </a:t>
+            </a:r>
+            <a:r>
+              <a:rPr lang="en-US" sz="1900" dirty="0" err="1" smtClean="0"/>
+              <a:t>salah</a:t>
+            </a:r>
+            <a:r>
+              <a:rPr lang="en-US" sz="1900" dirty="0" smtClean="0"/>
+              <a:t>, </a:t>
+            </a:r>
+            <a:r>
+              <a:rPr lang="en-US" sz="1900" dirty="0" err="1" smtClean="0"/>
+              <a:t>seolah-olah</a:t>
+            </a:r>
+            <a:r>
+              <a:rPr lang="en-US" sz="1900" dirty="0" smtClean="0"/>
+              <a:t> </a:t>
+            </a:r>
+            <a:r>
+              <a:rPr lang="en-US" sz="1900" dirty="0" err="1" smtClean="0"/>
+              <a:t>kita</a:t>
+            </a:r>
+            <a:r>
+              <a:rPr lang="en-US" sz="1900" dirty="0" smtClean="0"/>
+              <a:t> </a:t>
+            </a:r>
+            <a:r>
+              <a:rPr lang="en-US" sz="1900" dirty="0" err="1" smtClean="0"/>
+              <a:t>memerlukannya</a:t>
+            </a:r>
+            <a:r>
+              <a:rPr lang="en-US" sz="1900" dirty="0"/>
+              <a:t> </a:t>
+            </a:r>
+            <a:r>
+              <a:rPr lang="en-US" sz="1900" dirty="0" err="1" smtClean="0"/>
+              <a:t>sebagai</a:t>
+            </a:r>
+            <a:r>
+              <a:rPr lang="en-US" sz="1900" dirty="0" smtClean="0"/>
+              <a:t> </a:t>
+            </a:r>
+            <a:r>
+              <a:rPr lang="en-US" sz="1900" dirty="0" err="1" smtClean="0"/>
+              <a:t>mekanisme</a:t>
+            </a:r>
+            <a:r>
+              <a:rPr lang="en-US" sz="1900" dirty="0" smtClean="0"/>
+              <a:t> </a:t>
+            </a:r>
+            <a:r>
+              <a:rPr lang="en-US" sz="1900" dirty="0" err="1" smtClean="0"/>
+              <a:t>pertahanan</a:t>
+            </a:r>
+            <a:r>
+              <a:rPr lang="en-US" sz="1900" dirty="0" smtClean="0"/>
+              <a:t> </a:t>
+            </a:r>
+            <a:r>
+              <a:rPr lang="en-US" sz="1900" dirty="0" err="1" smtClean="0"/>
+              <a:t>diri</a:t>
+            </a:r>
+            <a:r>
+              <a:rPr lang="en-US" sz="1900" dirty="0" smtClean="0"/>
+              <a:t>, </a:t>
+            </a:r>
+            <a:r>
+              <a:rPr lang="en-US" sz="1900" dirty="0" err="1" smtClean="0"/>
+              <a:t>dan</a:t>
+            </a:r>
+            <a:r>
+              <a:rPr lang="en-US" sz="1900" dirty="0" smtClean="0"/>
+              <a:t> </a:t>
+            </a:r>
+            <a:r>
+              <a:rPr lang="en-US" sz="1900" dirty="0" err="1" smtClean="0"/>
+              <a:t>terjadilah</a:t>
+            </a:r>
+            <a:r>
+              <a:rPr lang="en-US" sz="1900" dirty="0" smtClean="0"/>
+              <a:t> </a:t>
+            </a:r>
+            <a:r>
+              <a:rPr lang="en-US" sz="1900" dirty="0" err="1" smtClean="0"/>
+              <a:t>kecanduan</a:t>
+            </a:r>
+            <a:r>
+              <a:rPr lang="en-US" sz="1900" dirty="0" smtClean="0"/>
+              <a:t>.</a:t>
+            </a:r>
+          </a:p>
+        </p:txBody>
+      </p:sp>
+    </p:spTree>
+    <p:extLst>
+      <p:ext uri="{BB962C8B-B14F-4D97-AF65-F5344CB8AC3E}">
+        <p14:creationId xmlns:p14="http://schemas.microsoft.com/office/powerpoint/2010/main" val="3241431489"/>
+      </p:ext>
+    </p:extLst>
+  </p:cSld>
+  <p:clrMapOvr>
+    <a:masterClrMapping/>
+  </p:clrMapOvr>
+  <p:timing>
+    <p:tnLst>
+      <p:par>
+        <p:cTn id="1" dur="indefinite" restart="never" nodeType="tmRoot"/>
+      </p:par>
+    </p:tnLst>
+  </p:timing>
+</p:sld>
+</file>
+
+<file path=ppt/slides/slide11.xml><?xml version="1.0" encoding="utf-8"?>
+<p:sld xmlns:a="http://schemas.openxmlformats.org/drawingml/2006/main" xmlns:r="http://schemas.openxmlformats.org/officeDocument/2006/relationships" xmlns:p="http://schemas.openxmlformats.org/presentationml/2006/main">
+  <p:cSld>
+    <p:spTree>
+      <p:nvGrpSpPr>
+        <p:cNvPr id="1" name=""/>
+        <p:cNvGrpSpPr/>
+        <p:nvPr/>
+      </p:nvGrpSpPr>
+      <p:grpSpPr>
+        <a:xfrm>
+          <a:off x="0" y="0"/>
+          <a:ext cx="0" cy="0"/>
+          <a:chOff x="0" y="0"/>
+          <a:chExt cx="0" cy="0"/>
+        </a:xfrm>
+      </p:grpSpPr>
+      <p:sp>
+        <p:nvSpPr>
+          <p:cNvPr id="2" name="Title 1"/>
+          <p:cNvSpPr>
+            <a:spLocks noGrp="1"/>
+          </p:cNvSpPr>
+          <p:nvPr>
+            <p:ph type="title"/>
+          </p:nvPr>
+        </p:nvSpPr>
+        <p:spPr>
+          <a:xfrm>
+            <a:off x="838200" y="365125"/>
+            <a:ext cx="10515600" cy="650875"/>
+          </a:xfrm>
+        </p:spPr>
+        <p:txBody>
+          <a:bodyPr>
+            <a:normAutofit/>
+          </a:bodyPr>
+          <a:lstStyle/>
+          <a:p>
+            <a:r>
+              <a:rPr lang="en-US" sz="3500" dirty="0" err="1" smtClean="0"/>
+              <a:t>Perubahan</a:t>
+            </a:r>
+            <a:r>
+              <a:rPr lang="en-US" sz="3500" dirty="0" smtClean="0"/>
+              <a:t> </a:t>
+            </a:r>
+            <a:r>
+              <a:rPr lang="en-US" sz="3500" dirty="0" err="1" smtClean="0"/>
+              <a:t>perasaan</a:t>
+            </a:r>
+            <a:r>
+              <a:rPr lang="en-US" sz="3500" dirty="0" smtClean="0"/>
+              <a:t> </a:t>
+            </a:r>
+            <a:r>
+              <a:rPr lang="en-US" sz="3500" dirty="0" err="1" smtClean="0"/>
+              <a:t>dan</a:t>
+            </a:r>
+            <a:r>
+              <a:rPr lang="en-US" sz="3500" dirty="0" smtClean="0"/>
+              <a:t> </a:t>
+            </a:r>
+            <a:r>
+              <a:rPr lang="en-US" sz="3500" dirty="0" err="1" smtClean="0"/>
+              <a:t>pola</a:t>
+            </a:r>
+            <a:r>
+              <a:rPr lang="en-US" sz="3500" dirty="0" smtClean="0"/>
+              <a:t> </a:t>
+            </a:r>
+            <a:r>
+              <a:rPr lang="en-US" sz="3500" dirty="0" err="1" smtClean="0"/>
+              <a:t>pikir</a:t>
+            </a:r>
+            <a:endParaRPr lang="en-US" sz="3500" dirty="0"/>
+          </a:p>
+        </p:txBody>
+      </p:sp>
+      <p:sp>
+        <p:nvSpPr>
+          <p:cNvPr id="3" name="Content Placeholder 2"/>
+          <p:cNvSpPr>
+            <a:spLocks noGrp="1"/>
+          </p:cNvSpPr>
+          <p:nvPr>
+            <p:ph idx="1"/>
+          </p:nvPr>
+        </p:nvSpPr>
+        <p:spPr>
+          <a:xfrm>
+            <a:off x="419100" y="1181100"/>
+            <a:ext cx="11341100" cy="5295900"/>
+          </a:xfrm>
+        </p:spPr>
+        <p:txBody>
+          <a:bodyPr>
+            <a:normAutofit lnSpcReduction="10000"/>
+          </a:bodyPr>
+          <a:lstStyle/>
+          <a:p>
+            <a:pPr>
+              <a:lnSpc>
+                <a:spcPct val="100000"/>
+              </a:lnSpc>
+              <a:spcBef>
+                <a:spcPts val="800"/>
+              </a:spcBef>
+            </a:pPr>
+            <a:r>
+              <a:rPr lang="en-US" sz="2200" dirty="0" err="1" smtClean="0"/>
+              <a:t>Perubahan</a:t>
+            </a:r>
+            <a:r>
+              <a:rPr lang="en-US" sz="2200" dirty="0" smtClean="0"/>
+              <a:t> </a:t>
+            </a:r>
+            <a:r>
+              <a:rPr lang="en-US" sz="2200" dirty="0" err="1"/>
+              <a:t>pada</a:t>
+            </a:r>
+            <a:r>
+              <a:rPr lang="en-US" sz="2200" dirty="0"/>
+              <a:t> </a:t>
+            </a:r>
+            <a:r>
+              <a:rPr lang="en-US" sz="2200" dirty="0" err="1"/>
+              <a:t>suasana</a:t>
+            </a:r>
+            <a:r>
+              <a:rPr lang="en-US" sz="2200" dirty="0"/>
+              <a:t> </a:t>
+            </a:r>
+            <a:r>
+              <a:rPr lang="en-US" sz="2200" dirty="0" err="1"/>
+              <a:t>hati</a:t>
+            </a:r>
+            <a:r>
+              <a:rPr lang="en-US" sz="2200" dirty="0"/>
+              <a:t>, </a:t>
+            </a:r>
+            <a:r>
+              <a:rPr lang="en-US" sz="2200" dirty="0" err="1"/>
+              <a:t>menenangkan</a:t>
+            </a:r>
+            <a:r>
+              <a:rPr lang="en-US" sz="2200" dirty="0"/>
+              <a:t>, </a:t>
+            </a:r>
+            <a:r>
+              <a:rPr lang="en-US" sz="2200" dirty="0" err="1"/>
+              <a:t>rileks</a:t>
+            </a:r>
+            <a:r>
+              <a:rPr lang="en-US" sz="2200" dirty="0"/>
+              <a:t>, </a:t>
+            </a:r>
+            <a:r>
+              <a:rPr lang="en-US" sz="2200" dirty="0" err="1"/>
+              <a:t>gembira</a:t>
+            </a:r>
+            <a:r>
+              <a:rPr lang="en-US" sz="2200" dirty="0"/>
+              <a:t>, </a:t>
+            </a:r>
+            <a:r>
+              <a:rPr lang="en-US" sz="2200" dirty="0" err="1"/>
+              <a:t>dan</a:t>
+            </a:r>
+            <a:r>
+              <a:rPr lang="en-US" sz="2200" dirty="0"/>
+              <a:t> rasa </a:t>
+            </a:r>
+            <a:r>
+              <a:rPr lang="en-US" sz="2200" dirty="0" err="1"/>
+              <a:t>bebas</a:t>
+            </a:r>
+            <a:endParaRPr lang="en-US" sz="2200" dirty="0"/>
+          </a:p>
+          <a:p>
+            <a:pPr>
+              <a:lnSpc>
+                <a:spcPct val="100000"/>
+              </a:lnSpc>
+              <a:spcBef>
+                <a:spcPts val="800"/>
+              </a:spcBef>
+            </a:pPr>
+            <a:r>
+              <a:rPr lang="en-US" sz="2200" dirty="0" err="1"/>
+              <a:t>Perubahan</a:t>
+            </a:r>
+            <a:r>
+              <a:rPr lang="en-US" sz="2200" dirty="0"/>
+              <a:t> </a:t>
+            </a:r>
+            <a:r>
+              <a:rPr lang="en-US" sz="2200" dirty="0" err="1"/>
+              <a:t>pada</a:t>
+            </a:r>
+            <a:r>
+              <a:rPr lang="en-US" sz="2200" dirty="0"/>
+              <a:t> </a:t>
+            </a:r>
+            <a:r>
+              <a:rPr lang="en-US" sz="2200" dirty="0" err="1"/>
+              <a:t>pikiran</a:t>
+            </a:r>
+            <a:r>
+              <a:rPr lang="en-US" sz="2200" dirty="0"/>
+              <a:t>, </a:t>
+            </a:r>
+            <a:r>
+              <a:rPr lang="en-US" sz="2200" dirty="0" err="1"/>
+              <a:t>stres</a:t>
+            </a:r>
+            <a:r>
+              <a:rPr lang="en-US" sz="2200" dirty="0"/>
+              <a:t> </a:t>
+            </a:r>
+            <a:r>
+              <a:rPr lang="en-US" sz="2200" dirty="0" err="1"/>
+              <a:t>hilang</a:t>
+            </a:r>
+            <a:r>
+              <a:rPr lang="en-US" sz="2200" dirty="0"/>
+              <a:t> </a:t>
+            </a:r>
+            <a:r>
+              <a:rPr lang="en-US" sz="2200" dirty="0" err="1"/>
+              <a:t>dan</a:t>
+            </a:r>
+            <a:r>
+              <a:rPr lang="en-US" sz="2200" dirty="0"/>
+              <a:t> </a:t>
+            </a:r>
+            <a:r>
+              <a:rPr lang="en-US" sz="2200" dirty="0" err="1"/>
+              <a:t>meningkatkan</a:t>
+            </a:r>
+            <a:r>
+              <a:rPr lang="en-US" sz="2200" dirty="0"/>
+              <a:t> </a:t>
+            </a:r>
+            <a:r>
+              <a:rPr lang="en-US" sz="2200" dirty="0" err="1"/>
+              <a:t>khayal</a:t>
+            </a:r>
+            <a:endParaRPr lang="en-US" sz="2200" dirty="0"/>
+          </a:p>
+          <a:p>
+            <a:pPr>
+              <a:lnSpc>
+                <a:spcPct val="100000"/>
+              </a:lnSpc>
+              <a:spcBef>
+                <a:spcPts val="800"/>
+              </a:spcBef>
+            </a:pPr>
+            <a:r>
+              <a:rPr lang="en-US" sz="2200" dirty="0" err="1"/>
+              <a:t>Perubahan</a:t>
+            </a:r>
+            <a:r>
+              <a:rPr lang="en-US" sz="2200" dirty="0"/>
+              <a:t> </a:t>
+            </a:r>
+            <a:r>
+              <a:rPr lang="en-US" sz="2200" dirty="0" err="1"/>
+              <a:t>pada</a:t>
+            </a:r>
+            <a:r>
+              <a:rPr lang="en-US" sz="2200" dirty="0"/>
+              <a:t> </a:t>
+            </a:r>
+            <a:r>
+              <a:rPr lang="en-US" sz="2200" dirty="0" err="1"/>
+              <a:t>perilaku</a:t>
+            </a:r>
+            <a:r>
+              <a:rPr lang="en-US" sz="2200" dirty="0"/>
+              <a:t>, </a:t>
+            </a:r>
+            <a:r>
+              <a:rPr lang="en-US" sz="2200" dirty="0" err="1"/>
+              <a:t>meningkatkan</a:t>
+            </a:r>
+            <a:r>
+              <a:rPr lang="en-US" sz="2200" dirty="0"/>
+              <a:t> </a:t>
+            </a:r>
+            <a:r>
+              <a:rPr lang="en-US" sz="2200" dirty="0" err="1"/>
+              <a:t>keakraban</a:t>
+            </a:r>
+            <a:r>
+              <a:rPr lang="en-US" sz="2200" dirty="0"/>
+              <a:t>, </a:t>
+            </a:r>
+            <a:r>
+              <a:rPr lang="en-US" sz="2200" dirty="0" err="1"/>
+              <a:t>menghambat</a:t>
+            </a:r>
+            <a:r>
+              <a:rPr lang="en-US" sz="2200" dirty="0"/>
+              <a:t> </a:t>
+            </a:r>
+            <a:r>
+              <a:rPr lang="en-US" sz="2200" dirty="0" err="1"/>
+              <a:t>nilai</a:t>
+            </a:r>
+            <a:r>
+              <a:rPr lang="en-US" sz="2200" dirty="0"/>
+              <a:t>, </a:t>
+            </a:r>
+            <a:r>
+              <a:rPr lang="en-US" sz="2200" dirty="0" err="1"/>
+              <a:t>dan</a:t>
+            </a:r>
+            <a:r>
+              <a:rPr lang="en-US" sz="2200" dirty="0"/>
+              <a:t> </a:t>
+            </a:r>
+            <a:r>
+              <a:rPr lang="en-US" sz="2200" dirty="0" err="1"/>
+              <a:t>lepas</a:t>
+            </a:r>
+            <a:r>
+              <a:rPr lang="en-US" sz="2200" dirty="0"/>
+              <a:t> </a:t>
+            </a:r>
+            <a:r>
+              <a:rPr lang="en-US" sz="2200" dirty="0" err="1"/>
+              <a:t>kendali</a:t>
+            </a:r>
+            <a:endParaRPr lang="en-US" sz="2200" dirty="0"/>
+          </a:p>
+          <a:p>
+            <a:pPr>
+              <a:lnSpc>
+                <a:spcPct val="100000"/>
+              </a:lnSpc>
+              <a:spcBef>
+                <a:spcPts val="800"/>
+              </a:spcBef>
+            </a:pPr>
+            <a:r>
+              <a:rPr lang="en-US" sz="2200" dirty="0" err="1" smtClean="0"/>
+              <a:t>Terlepas</a:t>
+            </a:r>
+            <a:r>
+              <a:rPr lang="en-US" sz="2200" dirty="0" smtClean="0"/>
+              <a:t> </a:t>
+            </a:r>
+            <a:r>
+              <a:rPr lang="en-US" sz="2200" dirty="0" err="1" smtClean="0"/>
+              <a:t>dari</a:t>
+            </a:r>
+            <a:r>
+              <a:rPr lang="en-US" sz="2200" dirty="0" smtClean="0"/>
+              <a:t> </a:t>
+            </a:r>
+            <a:r>
+              <a:rPr lang="en-US" sz="2200" dirty="0" err="1" smtClean="0"/>
+              <a:t>dampak</a:t>
+            </a:r>
+            <a:r>
+              <a:rPr lang="en-US" sz="2200" dirty="0" smtClean="0"/>
+              <a:t> </a:t>
+            </a:r>
+            <a:r>
+              <a:rPr lang="en-US" sz="2200" dirty="0" err="1" smtClean="0"/>
+              <a:t>buruknya</a:t>
+            </a:r>
+            <a:r>
+              <a:rPr lang="en-US" sz="2200" dirty="0" smtClean="0"/>
+              <a:t>, </a:t>
+            </a:r>
+            <a:r>
+              <a:rPr lang="en-US" sz="2200" dirty="0" err="1" smtClean="0"/>
+              <a:t>harus</a:t>
+            </a:r>
+            <a:r>
+              <a:rPr lang="en-US" sz="2200" dirty="0" smtClean="0"/>
+              <a:t> </a:t>
+            </a:r>
+            <a:r>
+              <a:rPr lang="en-US" sz="2200" dirty="0" err="1" smtClean="0"/>
+              <a:t>diakui</a:t>
+            </a:r>
+            <a:r>
+              <a:rPr lang="en-US" sz="2200" dirty="0" smtClean="0"/>
+              <a:t> </a:t>
+            </a:r>
+            <a:r>
+              <a:rPr lang="en-US" sz="2200" dirty="0" err="1" smtClean="0"/>
+              <a:t>bahwa</a:t>
+            </a:r>
+            <a:r>
+              <a:rPr lang="en-US" sz="2200" dirty="0" smtClean="0"/>
+              <a:t> </a:t>
+            </a:r>
+            <a:r>
+              <a:rPr lang="en-US" sz="2200" dirty="0" err="1" smtClean="0"/>
+              <a:t>narkoba</a:t>
+            </a:r>
+            <a:r>
+              <a:rPr lang="en-US" sz="2200" dirty="0" smtClean="0"/>
+              <a:t> </a:t>
+            </a:r>
+            <a:r>
+              <a:rPr lang="en-US" sz="2200" dirty="0" err="1" smtClean="0"/>
+              <a:t>dan</a:t>
+            </a:r>
+            <a:r>
+              <a:rPr lang="en-US" sz="2200" dirty="0" smtClean="0"/>
+              <a:t> </a:t>
+            </a:r>
+            <a:r>
+              <a:rPr lang="en-US" sz="2200" dirty="0" err="1" smtClean="0"/>
+              <a:t>pengubah</a:t>
+            </a:r>
+            <a:r>
+              <a:rPr lang="en-US" sz="2200" dirty="0" smtClean="0"/>
+              <a:t> </a:t>
+            </a:r>
+            <a:r>
+              <a:rPr lang="en-US" sz="2200" dirty="0" err="1" smtClean="0"/>
+              <a:t>suasana</a:t>
+            </a:r>
+            <a:r>
+              <a:rPr lang="en-US" sz="2200" dirty="0" smtClean="0"/>
+              <a:t> </a:t>
+            </a:r>
+            <a:r>
+              <a:rPr lang="en-US" sz="2200" dirty="0" err="1" smtClean="0"/>
+              <a:t>hati</a:t>
+            </a:r>
+            <a:r>
+              <a:rPr lang="en-US" sz="2200" dirty="0" smtClean="0"/>
+              <a:t> </a:t>
+            </a:r>
+            <a:r>
+              <a:rPr lang="en-US" sz="2200" dirty="0" err="1" smtClean="0"/>
+              <a:t>lainnya</a:t>
+            </a:r>
+            <a:r>
+              <a:rPr lang="en-US" sz="2200" dirty="0" smtClean="0"/>
+              <a:t> </a:t>
+            </a:r>
+            <a:r>
+              <a:rPr lang="en-US" sz="2200" dirty="0" err="1" smtClean="0"/>
+              <a:t>dapat</a:t>
+            </a:r>
+            <a:r>
+              <a:rPr lang="en-US" sz="2200" dirty="0" smtClean="0"/>
+              <a:t> </a:t>
+            </a:r>
+            <a:r>
+              <a:rPr lang="en-US" sz="2200" dirty="0" err="1" smtClean="0"/>
+              <a:t>memenuhi</a:t>
+            </a:r>
+            <a:r>
+              <a:rPr lang="en-US" sz="2200" dirty="0" smtClean="0"/>
+              <a:t> SEBAGIAN </a:t>
+            </a:r>
+            <a:r>
+              <a:rPr lang="en-US" sz="2200" dirty="0" err="1" smtClean="0"/>
+              <a:t>kebutuhan</a:t>
+            </a:r>
+            <a:r>
+              <a:rPr lang="en-US" sz="2200" dirty="0" smtClean="0"/>
+              <a:t> </a:t>
+            </a:r>
+            <a:r>
+              <a:rPr lang="en-US" sz="2200" dirty="0" err="1" smtClean="0"/>
+              <a:t>manusia</a:t>
+            </a:r>
+            <a:r>
+              <a:rPr lang="en-US" sz="2200" dirty="0" smtClean="0"/>
+              <a:t>. </a:t>
+            </a:r>
+            <a:r>
+              <a:rPr lang="en-US" sz="2200" dirty="0" err="1" smtClean="0"/>
+              <a:t>Jika</a:t>
+            </a:r>
+            <a:r>
+              <a:rPr lang="en-US" sz="2200" dirty="0" smtClean="0"/>
+              <a:t> </a:t>
+            </a:r>
+            <a:r>
+              <a:rPr lang="en-US" sz="2200" dirty="0" err="1" smtClean="0"/>
+              <a:t>tidak</a:t>
+            </a:r>
+            <a:r>
+              <a:rPr lang="en-US" sz="2200" dirty="0" smtClean="0"/>
+              <a:t>, </a:t>
+            </a:r>
+            <a:r>
+              <a:rPr lang="en-US" sz="2200" dirty="0" err="1" smtClean="0"/>
+              <a:t>mereka</a:t>
+            </a:r>
+            <a:r>
+              <a:rPr lang="en-US" sz="2200" dirty="0" smtClean="0"/>
+              <a:t> </a:t>
+            </a:r>
+            <a:r>
+              <a:rPr lang="en-US" sz="2200" dirty="0" err="1" smtClean="0"/>
+              <a:t>tentu</a:t>
+            </a:r>
+            <a:r>
+              <a:rPr lang="en-US" sz="2200" dirty="0" smtClean="0"/>
+              <a:t> </a:t>
+            </a:r>
+            <a:r>
+              <a:rPr lang="en-US" sz="2200" dirty="0" err="1" smtClean="0"/>
+              <a:t>tidak</a:t>
+            </a:r>
+            <a:r>
+              <a:rPr lang="en-US" sz="2200" dirty="0" smtClean="0"/>
+              <a:t> </a:t>
+            </a:r>
+            <a:r>
+              <a:rPr lang="en-US" sz="2200" dirty="0" err="1" smtClean="0"/>
+              <a:t>akan</a:t>
+            </a:r>
+            <a:r>
+              <a:rPr lang="en-US" sz="2200" dirty="0" smtClean="0"/>
+              <a:t> </a:t>
+            </a:r>
+            <a:r>
+              <a:rPr lang="en-US" sz="2200" dirty="0" err="1" smtClean="0"/>
+              <a:t>berpaling</a:t>
+            </a:r>
+            <a:r>
+              <a:rPr lang="en-US" sz="2200" dirty="0" smtClean="0"/>
+              <a:t> </a:t>
+            </a:r>
+            <a:r>
+              <a:rPr lang="en-US" sz="2000" dirty="0" err="1" smtClean="0"/>
+              <a:t>kepada</a:t>
+            </a:r>
+            <a:r>
+              <a:rPr lang="en-US" sz="2000" dirty="0" smtClean="0"/>
+              <a:t> </a:t>
+            </a:r>
+            <a:r>
+              <a:rPr lang="en-US" sz="2000" dirty="0" err="1" smtClean="0"/>
+              <a:t>narkoba</a:t>
+            </a:r>
+            <a:r>
+              <a:rPr lang="en-US" sz="2000" dirty="0" smtClean="0"/>
+              <a:t> </a:t>
+            </a:r>
+            <a:r>
+              <a:rPr lang="en-US" sz="2000" dirty="0" err="1" smtClean="0"/>
+              <a:t>dan</a:t>
+            </a:r>
+            <a:r>
+              <a:rPr lang="en-US" sz="2000" dirty="0" smtClean="0"/>
+              <a:t> </a:t>
+            </a:r>
+            <a:r>
+              <a:rPr lang="en-US" sz="2000" dirty="0" err="1" smtClean="0"/>
+              <a:t>dapat</a:t>
+            </a:r>
+            <a:r>
+              <a:rPr lang="en-US" sz="2000" dirty="0" smtClean="0"/>
+              <a:t> </a:t>
+            </a:r>
+            <a:r>
+              <a:rPr lang="en-US" sz="2000" dirty="0" err="1" smtClean="0"/>
+              <a:t>kehilangan</a:t>
+            </a:r>
+            <a:r>
+              <a:rPr lang="en-US" sz="2000" dirty="0" smtClean="0"/>
+              <a:t> </a:t>
+            </a:r>
+            <a:r>
+              <a:rPr lang="en-US" sz="2000" dirty="0" err="1" smtClean="0"/>
+              <a:t>sekolah</a:t>
+            </a:r>
+            <a:r>
+              <a:rPr lang="en-US" sz="2000" dirty="0" smtClean="0"/>
+              <a:t>, </a:t>
+            </a:r>
+            <a:r>
+              <a:rPr lang="en-US" sz="2000" dirty="0" err="1" smtClean="0"/>
+              <a:t>pekerjaan</a:t>
+            </a:r>
+            <a:r>
+              <a:rPr lang="en-US" sz="2000" dirty="0" smtClean="0"/>
+              <a:t>, </a:t>
+            </a:r>
+            <a:r>
+              <a:rPr lang="en-US" sz="2000" dirty="0" err="1" smtClean="0"/>
+              <a:t>keluarga</a:t>
+            </a:r>
+            <a:r>
+              <a:rPr lang="en-US" sz="2000" dirty="0" smtClean="0"/>
+              <a:t>, </a:t>
+            </a:r>
+            <a:r>
+              <a:rPr lang="en-US" sz="2000" dirty="0" err="1" smtClean="0"/>
+              <a:t>dan</a:t>
+            </a:r>
+            <a:r>
+              <a:rPr lang="en-US" sz="2000" dirty="0" smtClean="0"/>
+              <a:t> </a:t>
+            </a:r>
+            <a:r>
+              <a:rPr lang="en-US" sz="2000" dirty="0" err="1" smtClean="0"/>
+              <a:t>teman</a:t>
+            </a:r>
+            <a:r>
+              <a:rPr lang="en-US" sz="2000" dirty="0" smtClean="0"/>
+              <a:t> </a:t>
+            </a:r>
+            <a:r>
+              <a:rPr lang="en-US" sz="2000" dirty="0" err="1" smtClean="0"/>
+              <a:t>hanya</a:t>
+            </a:r>
+            <a:r>
+              <a:rPr lang="en-US" sz="2000" dirty="0" smtClean="0"/>
+              <a:t> </a:t>
+            </a:r>
+            <a:r>
+              <a:rPr lang="en-US" sz="2000" dirty="0" err="1" smtClean="0"/>
+              <a:t>untuk</a:t>
+            </a:r>
+            <a:r>
+              <a:rPr lang="en-US" sz="2000" dirty="0" smtClean="0"/>
+              <a:t> </a:t>
+            </a:r>
+            <a:r>
+              <a:rPr lang="en-US" sz="2000" dirty="0" err="1" smtClean="0"/>
+              <a:t>narkoba</a:t>
+            </a:r>
+            <a:r>
+              <a:rPr lang="en-US" sz="2000" dirty="0" smtClean="0"/>
+              <a:t>.</a:t>
+            </a:r>
+          </a:p>
+          <a:p>
+            <a:pPr>
+              <a:lnSpc>
+                <a:spcPct val="100000"/>
+              </a:lnSpc>
+              <a:spcBef>
+                <a:spcPts val="800"/>
+              </a:spcBef>
+            </a:pPr>
+            <a:r>
+              <a:rPr lang="en-US" sz="2000" dirty="0" err="1" smtClean="0"/>
+              <a:t>Pengaruhnya</a:t>
+            </a:r>
+            <a:r>
+              <a:rPr lang="en-US" sz="2000" dirty="0" smtClean="0"/>
+              <a:t> </a:t>
+            </a:r>
+            <a:r>
+              <a:rPr lang="en-US" sz="2000" dirty="0" err="1" smtClean="0"/>
+              <a:t>terhadap</a:t>
+            </a:r>
+            <a:r>
+              <a:rPr lang="en-US" sz="2000" dirty="0" smtClean="0"/>
+              <a:t> </a:t>
+            </a:r>
+            <a:r>
+              <a:rPr lang="en-US" sz="2000" dirty="0" err="1" smtClean="0"/>
+              <a:t>perubahan</a:t>
+            </a:r>
+            <a:r>
+              <a:rPr lang="en-US" sz="2000" dirty="0" smtClean="0"/>
+              <a:t> </a:t>
+            </a:r>
+            <a:r>
+              <a:rPr lang="en-US" sz="2000" dirty="0" err="1" smtClean="0"/>
+              <a:t>suasana</a:t>
+            </a:r>
+            <a:r>
+              <a:rPr lang="en-US" sz="2000" dirty="0" smtClean="0"/>
+              <a:t> </a:t>
+            </a:r>
+            <a:r>
+              <a:rPr lang="en-US" sz="2000" dirty="0" err="1" smtClean="0"/>
+              <a:t>hati</a:t>
+            </a:r>
+            <a:r>
+              <a:rPr lang="en-US" sz="2000" dirty="0" smtClean="0"/>
+              <a:t> </a:t>
+            </a:r>
+            <a:r>
+              <a:rPr lang="en-US" sz="2000" dirty="0" err="1" smtClean="0"/>
+              <a:t>dan</a:t>
+            </a:r>
+            <a:r>
+              <a:rPr lang="en-US" sz="2000" dirty="0" smtClean="0"/>
+              <a:t> </a:t>
+            </a:r>
+            <a:r>
+              <a:rPr lang="en-US" sz="2000" dirty="0" err="1" smtClean="0"/>
+              <a:t>perilaku</a:t>
+            </a:r>
+            <a:endParaRPr lang="en-US" sz="2000" dirty="0" smtClean="0"/>
+          </a:p>
+          <a:p>
+            <a:pPr lvl="1">
+              <a:lnSpc>
+                <a:spcPct val="100000"/>
+              </a:lnSpc>
+              <a:spcBef>
+                <a:spcPts val="800"/>
+              </a:spcBef>
+            </a:pPr>
+            <a:r>
+              <a:rPr lang="en-US" sz="1600" dirty="0" err="1" smtClean="0"/>
+              <a:t>Bebas</a:t>
+            </a:r>
+            <a:r>
+              <a:rPr lang="en-US" sz="1600" dirty="0" smtClean="0"/>
+              <a:t> </a:t>
+            </a:r>
+            <a:r>
+              <a:rPr lang="en-US" sz="1600" dirty="0" err="1" smtClean="0"/>
+              <a:t>dari</a:t>
+            </a:r>
+            <a:r>
+              <a:rPr lang="en-US" sz="1600" dirty="0" smtClean="0"/>
+              <a:t> rasa </a:t>
+            </a:r>
+            <a:r>
+              <a:rPr lang="en-US" sz="1600" dirty="0" err="1" smtClean="0"/>
+              <a:t>kesepian</a:t>
+            </a:r>
+            <a:r>
+              <a:rPr lang="en-US" sz="1600" dirty="0" smtClean="0"/>
+              <a:t>	 </a:t>
+            </a:r>
+            <a:r>
+              <a:rPr lang="en-US" sz="1600" dirty="0" err="1" smtClean="0"/>
+              <a:t>pada</a:t>
+            </a:r>
+            <a:r>
+              <a:rPr lang="en-US" sz="1600" dirty="0" smtClean="0"/>
+              <a:t> </a:t>
+            </a:r>
+            <a:r>
+              <a:rPr lang="en-US" sz="1600" dirty="0" err="1" smtClean="0"/>
+              <a:t>jangka</a:t>
+            </a:r>
+            <a:r>
+              <a:rPr lang="en-US" sz="1600" dirty="0" smtClean="0"/>
+              <a:t> </a:t>
+            </a:r>
+            <a:r>
+              <a:rPr lang="en-US" sz="1600" dirty="0" err="1" smtClean="0"/>
+              <a:t>pendek</a:t>
+            </a:r>
+            <a:r>
+              <a:rPr lang="en-US" sz="1600" dirty="0" smtClean="0"/>
+              <a:t>. Akan </a:t>
+            </a:r>
+            <a:r>
+              <a:rPr lang="en-US" sz="1600" dirty="0" err="1" smtClean="0"/>
+              <a:t>merasa</a:t>
+            </a:r>
+            <a:r>
+              <a:rPr lang="en-US" sz="1600" dirty="0" smtClean="0"/>
+              <a:t> </a:t>
+            </a:r>
+            <a:r>
+              <a:rPr lang="en-US" sz="1600" dirty="0" err="1" smtClean="0"/>
+              <a:t>terisolasi</a:t>
+            </a:r>
+            <a:r>
+              <a:rPr lang="en-US" sz="1600" dirty="0" smtClean="0"/>
+              <a:t> </a:t>
+            </a:r>
+            <a:r>
+              <a:rPr lang="en-US" sz="1600" dirty="0" err="1" smtClean="0"/>
+              <a:t>dan</a:t>
+            </a:r>
+            <a:r>
+              <a:rPr lang="en-US" sz="1600" dirty="0" smtClean="0"/>
+              <a:t> </a:t>
+            </a:r>
+            <a:r>
+              <a:rPr lang="en-US" sz="1600" dirty="0" err="1" smtClean="0"/>
+              <a:t>kesepian</a:t>
+            </a:r>
+            <a:r>
+              <a:rPr lang="en-US" sz="1600" dirty="0" smtClean="0"/>
+              <a:t> </a:t>
+            </a:r>
+            <a:r>
+              <a:rPr lang="en-US" sz="1600" dirty="0" err="1" smtClean="0"/>
+              <a:t>seperti</a:t>
+            </a:r>
+            <a:r>
+              <a:rPr lang="en-US" sz="1600" dirty="0" smtClean="0"/>
+              <a:t> jones </a:t>
+            </a:r>
+            <a:r>
+              <a:rPr lang="en-US" sz="1600" dirty="0" err="1" smtClean="0"/>
+              <a:t>pada</a:t>
+            </a:r>
+            <a:r>
+              <a:rPr lang="en-US" sz="1600" dirty="0" smtClean="0"/>
+              <a:t> </a:t>
+            </a:r>
+            <a:r>
+              <a:rPr lang="en-US" sz="1600" dirty="0" err="1" smtClean="0"/>
+              <a:t>masa</a:t>
+            </a:r>
+            <a:r>
+              <a:rPr lang="en-US" sz="1600" dirty="0" smtClean="0"/>
+              <a:t> </a:t>
+            </a:r>
+            <a:r>
+              <a:rPr lang="en-US" sz="1600" dirty="0" err="1" smtClean="0"/>
+              <a:t>mendatang</a:t>
+            </a:r>
+            <a:r>
+              <a:rPr lang="en-US" sz="1600" dirty="0" smtClean="0"/>
+              <a:t>.</a:t>
+            </a:r>
+          </a:p>
+          <a:p>
+            <a:pPr lvl="1">
+              <a:lnSpc>
+                <a:spcPct val="100000"/>
+              </a:lnSpc>
+              <a:spcBef>
+                <a:spcPts val="800"/>
+              </a:spcBef>
+            </a:pPr>
+            <a:r>
+              <a:rPr lang="en-US" sz="1600" dirty="0" err="1" smtClean="0"/>
+              <a:t>Bebas</a:t>
+            </a:r>
+            <a:r>
+              <a:rPr lang="en-US" sz="1600" dirty="0" smtClean="0"/>
+              <a:t> </a:t>
+            </a:r>
+            <a:r>
+              <a:rPr lang="en-US" sz="1600" dirty="0" err="1" smtClean="0"/>
+              <a:t>dari</a:t>
+            </a:r>
+            <a:r>
+              <a:rPr lang="en-US" sz="1600" dirty="0" smtClean="0"/>
+              <a:t> </a:t>
+            </a:r>
+            <a:r>
+              <a:rPr lang="en-US" sz="1600" dirty="0" err="1" smtClean="0"/>
+              <a:t>perasaan</a:t>
+            </a:r>
+            <a:r>
+              <a:rPr lang="en-US" sz="1600" dirty="0" smtClean="0"/>
+              <a:t> </a:t>
+            </a:r>
+            <a:r>
+              <a:rPr lang="en-US" sz="1600" dirty="0" err="1" smtClean="0"/>
+              <a:t>negatif</a:t>
+            </a:r>
+            <a:r>
+              <a:rPr lang="en-US" sz="1600" dirty="0" smtClean="0"/>
+              <a:t> lain    </a:t>
+            </a:r>
+            <a:r>
+              <a:rPr lang="en-US" sz="1600" dirty="0" err="1" smtClean="0"/>
+              <a:t>seperti</a:t>
+            </a:r>
+            <a:r>
+              <a:rPr lang="en-US" sz="1600" dirty="0" smtClean="0"/>
+              <a:t> </a:t>
+            </a:r>
+            <a:r>
+              <a:rPr lang="en-US" sz="1600" dirty="0" err="1" smtClean="0"/>
+              <a:t>kecewa</a:t>
+            </a:r>
+            <a:r>
+              <a:rPr lang="en-US" sz="1600" dirty="0" smtClean="0"/>
+              <a:t>, </a:t>
+            </a:r>
+            <a:r>
+              <a:rPr lang="en-US" sz="1600" dirty="0" err="1" smtClean="0"/>
+              <a:t>atau</a:t>
+            </a:r>
+            <a:r>
+              <a:rPr lang="en-US" sz="1600" dirty="0" smtClean="0"/>
+              <a:t> </a:t>
+            </a:r>
+            <a:r>
+              <a:rPr lang="en-US" sz="1600" dirty="0" err="1" smtClean="0"/>
+              <a:t>kehilangan</a:t>
+            </a:r>
+            <a:r>
+              <a:rPr lang="en-US" sz="1600" dirty="0" smtClean="0"/>
+              <a:t> </a:t>
+            </a:r>
+            <a:r>
+              <a:rPr lang="en-US" sz="1600" dirty="0" err="1" smtClean="0"/>
+              <a:t>makna</a:t>
+            </a:r>
+            <a:r>
+              <a:rPr lang="en-US" sz="1600" dirty="0" smtClean="0"/>
+              <a:t> </a:t>
+            </a:r>
+            <a:r>
+              <a:rPr lang="en-US" sz="1600" dirty="0" err="1" smtClean="0"/>
+              <a:t>dan</a:t>
+            </a:r>
+            <a:r>
+              <a:rPr lang="en-US" sz="1600" dirty="0" smtClean="0"/>
+              <a:t> </a:t>
+            </a:r>
+            <a:r>
+              <a:rPr lang="en-US" sz="1600" dirty="0" err="1" smtClean="0"/>
+              <a:t>tujuan</a:t>
+            </a:r>
+            <a:r>
+              <a:rPr lang="en-US" sz="1600" dirty="0" smtClean="0"/>
+              <a:t> </a:t>
+            </a:r>
+            <a:r>
+              <a:rPr lang="en-US" sz="1600" dirty="0" err="1" smtClean="0"/>
+              <a:t>hidup</a:t>
+            </a:r>
+            <a:r>
+              <a:rPr lang="en-US" sz="1600" dirty="0" smtClean="0"/>
+              <a:t>, </a:t>
+            </a:r>
+            <a:r>
+              <a:rPr lang="en-US" sz="1600" dirty="0" err="1" smtClean="0"/>
+              <a:t>serta</a:t>
+            </a:r>
+            <a:r>
+              <a:rPr lang="en-US" sz="1600" dirty="0" smtClean="0"/>
+              <a:t> </a:t>
+            </a:r>
+            <a:r>
+              <a:rPr lang="en-US" sz="1600" dirty="0" err="1" smtClean="0"/>
+              <a:t>konflik</a:t>
+            </a:r>
+            <a:r>
+              <a:rPr lang="en-US" sz="1600" dirty="0" smtClean="0"/>
+              <a:t> </a:t>
+            </a:r>
+            <a:r>
+              <a:rPr lang="en-US" sz="1600" dirty="0" err="1" smtClean="0"/>
+              <a:t>batin</a:t>
+            </a:r>
+            <a:r>
+              <a:rPr lang="en-US" sz="1600" dirty="0" smtClean="0"/>
+              <a:t> yang </a:t>
+            </a:r>
+            <a:r>
+              <a:rPr lang="en-US" sz="1600" dirty="0" err="1" smtClean="0"/>
+              <a:t>ditakutkan</a:t>
+            </a:r>
+            <a:r>
+              <a:rPr lang="en-US" sz="1600" dirty="0" smtClean="0"/>
+              <a:t>.</a:t>
+            </a:r>
+          </a:p>
+          <a:p>
+            <a:pPr lvl="1">
+              <a:lnSpc>
+                <a:spcPct val="100000"/>
+              </a:lnSpc>
+              <a:spcBef>
+                <a:spcPts val="800"/>
+              </a:spcBef>
+            </a:pPr>
+            <a:r>
+              <a:rPr lang="en-US" sz="1600" dirty="0" err="1" smtClean="0"/>
+              <a:t>Kenikmatan</a:t>
+            </a:r>
+            <a:r>
+              <a:rPr lang="en-US" sz="1600" dirty="0" smtClean="0"/>
+              <a:t> </a:t>
+            </a:r>
+            <a:r>
+              <a:rPr lang="en-US" sz="1600" dirty="0" err="1" smtClean="0"/>
+              <a:t>semu</a:t>
+            </a:r>
+            <a:endParaRPr lang="en-US" sz="1600" dirty="0" smtClean="0"/>
+          </a:p>
+          <a:p>
+            <a:pPr lvl="1">
+              <a:lnSpc>
+                <a:spcPct val="100000"/>
+              </a:lnSpc>
+              <a:spcBef>
+                <a:spcPts val="800"/>
+              </a:spcBef>
+            </a:pPr>
+            <a:r>
+              <a:rPr lang="en-US" sz="1600" dirty="0" err="1" smtClean="0"/>
+              <a:t>Pengendalian</a:t>
+            </a:r>
+            <a:r>
+              <a:rPr lang="en-US" sz="1600" dirty="0" smtClean="0"/>
+              <a:t> </a:t>
+            </a:r>
+            <a:r>
+              <a:rPr lang="en-US" sz="1600" dirty="0" err="1" smtClean="0"/>
+              <a:t>semu</a:t>
+            </a:r>
+            <a:endParaRPr lang="en-US" sz="1600" dirty="0" smtClean="0"/>
+          </a:p>
+          <a:p>
+            <a:pPr lvl="1">
+              <a:lnSpc>
+                <a:spcPct val="100000"/>
+              </a:lnSpc>
+              <a:spcBef>
+                <a:spcPts val="800"/>
+              </a:spcBef>
+            </a:pPr>
+            <a:r>
+              <a:rPr lang="en-US" sz="1600" dirty="0" err="1" smtClean="0"/>
+              <a:t>Krisis</a:t>
+            </a:r>
+            <a:r>
+              <a:rPr lang="en-US" sz="1600" dirty="0" smtClean="0"/>
+              <a:t> yang </a:t>
+            </a:r>
+            <a:r>
+              <a:rPr lang="en-US" sz="1600" dirty="0" err="1" smtClean="0"/>
+              <a:t>menetap</a:t>
+            </a:r>
+            <a:r>
+              <a:rPr lang="en-US" sz="1600" dirty="0" smtClean="0"/>
+              <a:t>; </a:t>
+            </a:r>
+            <a:r>
+              <a:rPr lang="en-US" sz="1600" dirty="0" err="1" smtClean="0"/>
+              <a:t>pecandu</a:t>
+            </a:r>
+            <a:r>
+              <a:rPr lang="en-US" sz="1600" dirty="0" smtClean="0"/>
+              <a:t> </a:t>
+            </a:r>
+            <a:r>
+              <a:rPr lang="en-US" sz="1600" dirty="0" err="1" smtClean="0"/>
+              <a:t>tidak</a:t>
+            </a:r>
+            <a:r>
+              <a:rPr lang="en-US" sz="1600" dirty="0" smtClean="0"/>
+              <a:t> </a:t>
+            </a:r>
+            <a:r>
+              <a:rPr lang="en-US" sz="1600" dirty="0" err="1" smtClean="0"/>
+              <a:t>ingin</a:t>
+            </a:r>
+            <a:r>
+              <a:rPr lang="en-US" sz="1600" dirty="0" smtClean="0"/>
+              <a:t> </a:t>
+            </a:r>
+            <a:r>
+              <a:rPr lang="en-US" sz="1600" dirty="0" err="1" smtClean="0"/>
+              <a:t>merasakan</a:t>
+            </a:r>
+            <a:r>
+              <a:rPr lang="en-US" sz="1600" dirty="0" smtClean="0"/>
+              <a:t> </a:t>
+            </a:r>
+            <a:r>
+              <a:rPr lang="en-US" sz="1600" dirty="0" err="1" smtClean="0"/>
+              <a:t>sakit</a:t>
+            </a:r>
+            <a:r>
+              <a:rPr lang="en-US" sz="1600" dirty="0" smtClean="0"/>
+              <a:t> yang </a:t>
+            </a:r>
+            <a:r>
+              <a:rPr lang="en-US" sz="1600" dirty="0" err="1" smtClean="0"/>
+              <a:t>sebenarnya</a:t>
+            </a:r>
+            <a:r>
+              <a:rPr lang="en-US" sz="1600" dirty="0" smtClean="0"/>
+              <a:t>, </a:t>
+            </a:r>
+            <a:r>
+              <a:rPr lang="en-US" sz="1600" dirty="0" err="1" smtClean="0"/>
+              <a:t>pada</a:t>
+            </a:r>
+            <a:r>
+              <a:rPr lang="en-US" sz="1600" dirty="0" smtClean="0"/>
+              <a:t> </a:t>
+            </a:r>
+            <a:r>
+              <a:rPr lang="en-US" sz="1600" dirty="0" err="1" smtClean="0"/>
+              <a:t>waktu</a:t>
+            </a:r>
+            <a:r>
+              <a:rPr lang="en-US" sz="1600" dirty="0" smtClean="0"/>
+              <a:t> yang </a:t>
+            </a:r>
+            <a:r>
+              <a:rPr lang="en-US" sz="1600" dirty="0" err="1" smtClean="0"/>
+              <a:t>bersamaan</a:t>
+            </a:r>
+            <a:r>
+              <a:rPr lang="en-US" sz="1600" dirty="0" smtClean="0"/>
+              <a:t> pula </a:t>
+            </a:r>
+            <a:r>
+              <a:rPr lang="en-US" sz="1600" dirty="0" err="1" smtClean="0"/>
+              <a:t>dia</a:t>
+            </a:r>
+            <a:r>
+              <a:rPr lang="en-US" sz="1600" dirty="0" smtClean="0"/>
+              <a:t> </a:t>
+            </a:r>
+            <a:r>
+              <a:rPr lang="en-US" sz="1600" dirty="0" err="1" smtClean="0"/>
+              <a:t>tidak</a:t>
+            </a:r>
+            <a:r>
+              <a:rPr lang="en-US" sz="1600" dirty="0" smtClean="0"/>
+              <a:t> </a:t>
+            </a:r>
+            <a:r>
+              <a:rPr lang="en-US" sz="1600" dirty="0" err="1" smtClean="0"/>
+              <a:t>ingin</a:t>
+            </a:r>
+            <a:r>
+              <a:rPr lang="en-US" sz="1600" dirty="0" smtClean="0"/>
+              <a:t> </a:t>
+            </a:r>
+            <a:r>
+              <a:rPr lang="en-US" sz="1600" dirty="0" err="1" smtClean="0"/>
+              <a:t>mati</a:t>
+            </a:r>
+            <a:r>
+              <a:rPr lang="en-US" sz="1600" dirty="0" smtClean="0"/>
+              <a:t> rasa</a:t>
+            </a:r>
+          </a:p>
+          <a:p>
+            <a:pPr lvl="1">
+              <a:lnSpc>
+                <a:spcPct val="100000"/>
+              </a:lnSpc>
+              <a:spcBef>
+                <a:spcPts val="800"/>
+              </a:spcBef>
+            </a:pPr>
+            <a:r>
+              <a:rPr lang="en-US" sz="1600" dirty="0" err="1" smtClean="0"/>
+              <a:t>Meningkatkan</a:t>
+            </a:r>
+            <a:r>
+              <a:rPr lang="en-US" sz="1600" dirty="0" smtClean="0"/>
+              <a:t> </a:t>
+            </a:r>
+            <a:r>
+              <a:rPr lang="en-US" sz="1600" dirty="0" err="1" smtClean="0"/>
+              <a:t>penampilan</a:t>
+            </a:r>
+            <a:r>
+              <a:rPr lang="en-US" sz="1600" dirty="0" smtClean="0"/>
+              <a:t>.</a:t>
+            </a:r>
+          </a:p>
+          <a:p>
+            <a:pPr lvl="1">
+              <a:lnSpc>
+                <a:spcPct val="100000"/>
+              </a:lnSpc>
+              <a:spcBef>
+                <a:spcPts val="800"/>
+              </a:spcBef>
+            </a:pPr>
+            <a:r>
+              <a:rPr lang="en-US" sz="1600" dirty="0" err="1" smtClean="0"/>
+              <a:t>Bebas</a:t>
+            </a:r>
+            <a:r>
+              <a:rPr lang="en-US" sz="1600" dirty="0" smtClean="0"/>
+              <a:t> </a:t>
+            </a:r>
+            <a:r>
+              <a:rPr lang="en-US" sz="1600" dirty="0" err="1" smtClean="0"/>
+              <a:t>dari</a:t>
+            </a:r>
+            <a:r>
+              <a:rPr lang="en-US" sz="1600" dirty="0" smtClean="0"/>
+              <a:t> </a:t>
+            </a:r>
+            <a:r>
+              <a:rPr lang="en-US" sz="1600" dirty="0" err="1" smtClean="0"/>
+              <a:t>perasaan</a:t>
+            </a:r>
+            <a:r>
+              <a:rPr lang="en-US" sz="1600" dirty="0" smtClean="0"/>
+              <a:t> </a:t>
+            </a:r>
+            <a:r>
+              <a:rPr lang="en-US" sz="1600" dirty="0" err="1" smtClean="0"/>
+              <a:t>waktu</a:t>
+            </a:r>
+            <a:r>
+              <a:rPr lang="en-US" sz="1600" dirty="0" smtClean="0"/>
+              <a:t>.</a:t>
+            </a:r>
+          </a:p>
+        </p:txBody>
+      </p:sp>
+    </p:spTree>
+    <p:extLst>
+      <p:ext uri="{BB962C8B-B14F-4D97-AF65-F5344CB8AC3E}">
+        <p14:creationId xmlns:p14="http://schemas.microsoft.com/office/powerpoint/2010/main" val="3960447151"/>
+      </p:ext>
+    </p:extLst>
+  </p:cSld>
+  <p:clrMapOvr>
+    <a:masterClrMapping/>
+  </p:clrMapOvr>
+  <p:timing>
+    <p:tnLst>
+      <p:par>
+        <p:cTn id="1" dur="indefinite" restart="never" nodeType="tmRoot"/>
+      </p:par>
+    </p:tnLst>
+  </p:timing>
+</p:sld>
+</file>
+
+<file path=ppt/slides/slide12.xml><?xml version="1.0" encoding="utf-8"?>
+<p:sld xmlns:a="http://schemas.openxmlformats.org/drawingml/2006/main" xmlns:r="http://schemas.openxmlformats.org/officeDocument/2006/relationships" xmlns:p="http://schemas.openxmlformats.org/presentationml/2006/main">
+  <p:cSld>
+    <p:spTree>
+      <p:nvGrpSpPr>
+        <p:cNvPr id="1" name=""/>
+        <p:cNvGrpSpPr/>
+        <p:nvPr/>
+      </p:nvGrpSpPr>
+      <p:grpSpPr>
+        <a:xfrm>
+          <a:off x="0" y="0"/>
+          <a:ext cx="0" cy="0"/>
+          <a:chOff x="0" y="0"/>
+          <a:chExt cx="0" cy="0"/>
+        </a:xfrm>
+      </p:grpSpPr>
+      <p:sp>
+        <p:nvSpPr>
+          <p:cNvPr id="2" name="Title 1"/>
+          <p:cNvSpPr>
+            <a:spLocks noGrp="1"/>
+          </p:cNvSpPr>
+          <p:nvPr>
+            <p:ph type="title"/>
+          </p:nvPr>
+        </p:nvSpPr>
+        <p:spPr>
+          <a:xfrm>
+            <a:off x="838200" y="365126"/>
+            <a:ext cx="10515600" cy="737533"/>
+          </a:xfrm>
+        </p:spPr>
+        <p:txBody>
+          <a:bodyPr>
+            <a:normAutofit/>
+          </a:bodyPr>
+          <a:lstStyle/>
+          <a:p>
+            <a:pPr algn="ctr"/>
+            <a:r>
+              <a:rPr lang="en-US" sz="4000" dirty="0" err="1" smtClean="0"/>
+              <a:t>Pengaruh</a:t>
+            </a:r>
+            <a:r>
+              <a:rPr lang="en-US" sz="4000" dirty="0" smtClean="0"/>
+              <a:t> </a:t>
+            </a:r>
+            <a:r>
+              <a:rPr lang="en-US" sz="4000" dirty="0" err="1" smtClean="0"/>
+              <a:t>Berbagai</a:t>
+            </a:r>
+            <a:r>
+              <a:rPr lang="en-US" sz="4000" dirty="0" smtClean="0"/>
+              <a:t> </a:t>
+            </a:r>
+            <a:r>
+              <a:rPr lang="en-US" sz="4000" dirty="0" err="1" smtClean="0"/>
+              <a:t>Jenis</a:t>
+            </a:r>
+            <a:r>
+              <a:rPr lang="en-US" sz="4000" dirty="0" smtClean="0"/>
+              <a:t> </a:t>
+            </a:r>
+            <a:r>
+              <a:rPr lang="en-US" sz="4000" dirty="0" err="1" smtClean="0"/>
+              <a:t>Narkoba</a:t>
+            </a:r>
+            <a:endParaRPr lang="en-US" sz="4000" dirty="0"/>
+          </a:p>
+        </p:txBody>
+      </p:sp>
+      <p:sp>
+        <p:nvSpPr>
+          <p:cNvPr id="3" name="Content Placeholder 2"/>
+          <p:cNvSpPr>
+            <a:spLocks noGrp="1"/>
+          </p:cNvSpPr>
+          <p:nvPr>
+            <p:ph idx="1"/>
+          </p:nvPr>
+        </p:nvSpPr>
+        <p:spPr>
+          <a:xfrm>
+            <a:off x="457200" y="1196788"/>
+            <a:ext cx="11308976" cy="5298141"/>
+          </a:xfrm>
+        </p:spPr>
+        <p:txBody>
+          <a:bodyPr>
+            <a:normAutofit fontScale="85000" lnSpcReduction="20000"/>
+          </a:bodyPr>
+          <a:lstStyle/>
+          <a:p>
+            <a:r>
+              <a:rPr lang="en-US" sz="2300" dirty="0" smtClean="0"/>
+              <a:t>Opioid</a:t>
+            </a:r>
+            <a:r>
+              <a:rPr lang="id-ID" sz="2300" dirty="0" smtClean="0"/>
+              <a:t>a</a:t>
+            </a:r>
+          </a:p>
+          <a:p>
+            <a:pPr lvl="1"/>
+            <a:r>
+              <a:rPr lang="id-ID" sz="1900" dirty="0" smtClean="0"/>
+              <a:t>Jangka Pendek</a:t>
+            </a:r>
+          </a:p>
+          <a:p>
+            <a:pPr lvl="2"/>
+            <a:r>
+              <a:rPr lang="id-ID" sz="1500" dirty="0" smtClean="0"/>
+              <a:t>Hilangnya rasa nyeri</a:t>
+            </a:r>
+          </a:p>
+          <a:p>
+            <a:pPr lvl="2"/>
+            <a:r>
+              <a:rPr lang="id-ID" sz="1500" dirty="0" smtClean="0"/>
+              <a:t>Ketegangan berkurang</a:t>
+            </a:r>
+          </a:p>
+          <a:p>
+            <a:pPr lvl="2"/>
+            <a:r>
+              <a:rPr lang="id-ID" sz="1500" dirty="0" smtClean="0"/>
+              <a:t>Rasa nyaman diikuti dengan  perasaan seperti mimpi dan rasa mengantuk.</a:t>
+            </a:r>
+          </a:p>
+          <a:p>
+            <a:pPr lvl="1"/>
+            <a:r>
+              <a:rPr lang="id-ID" sz="1900" dirty="0" smtClean="0"/>
+              <a:t>Jangka Panjang</a:t>
+            </a:r>
+          </a:p>
+          <a:p>
+            <a:pPr lvl="2"/>
+            <a:r>
+              <a:rPr lang="id-ID" sz="1500" dirty="0" smtClean="0"/>
+              <a:t>Ketergantungan</a:t>
+            </a:r>
+          </a:p>
+          <a:p>
+            <a:pPr lvl="2"/>
+            <a:r>
+              <a:rPr lang="id-ID" sz="1500" dirty="0" smtClean="0"/>
+              <a:t>Meninggal karena </a:t>
+            </a:r>
+            <a:r>
+              <a:rPr lang="id-ID" sz="1500" i="1" dirty="0" smtClean="0"/>
+              <a:t>overdosis</a:t>
+            </a:r>
+          </a:p>
+          <a:p>
+            <a:r>
+              <a:rPr lang="id-ID" sz="2300" dirty="0" smtClean="0"/>
+              <a:t>Ganja</a:t>
+            </a:r>
+          </a:p>
+          <a:p>
+            <a:pPr lvl="1"/>
+            <a:r>
+              <a:rPr lang="id-ID" sz="1900" dirty="0" smtClean="0"/>
+              <a:t>Jangka Pendek</a:t>
+            </a:r>
+          </a:p>
+          <a:p>
+            <a:pPr lvl="2"/>
+            <a:r>
+              <a:rPr lang="id-ID" sz="1500" dirty="0" smtClean="0"/>
+              <a:t>Cemas, gembira</a:t>
+            </a:r>
+          </a:p>
+          <a:p>
+            <a:pPr lvl="2"/>
+            <a:r>
+              <a:rPr lang="id-ID" sz="1500" dirty="0" smtClean="0"/>
+              <a:t>Banyak bicara, tertawa cekikikan</a:t>
+            </a:r>
+          </a:p>
+          <a:p>
+            <a:pPr lvl="2"/>
+            <a:r>
+              <a:rPr lang="id-ID" sz="1500" dirty="0" smtClean="0"/>
+              <a:t>Halusinasi, dan berubahnya perasaan waktu dan ruang</a:t>
+            </a:r>
+          </a:p>
+          <a:p>
+            <a:pPr lvl="2"/>
+            <a:r>
+              <a:rPr lang="id-ID" sz="1500" dirty="0" smtClean="0"/>
+              <a:t>Peningkatan denyut jantung, mata merah</a:t>
+            </a:r>
+          </a:p>
+          <a:p>
+            <a:pPr lvl="2"/>
+            <a:r>
+              <a:rPr lang="id-ID" sz="1500" dirty="0" smtClean="0"/>
+              <a:t>Mulut dan tenggorokan kering, selera makan meningkat</a:t>
+            </a:r>
+          </a:p>
+          <a:p>
+            <a:pPr lvl="1"/>
+            <a:r>
+              <a:rPr lang="id-ID" sz="1900" dirty="0" smtClean="0"/>
+              <a:t>Jangka Panjang</a:t>
+            </a:r>
+          </a:p>
+          <a:p>
+            <a:pPr lvl="2"/>
+            <a:r>
+              <a:rPr lang="id-ID" sz="1500" dirty="0" smtClean="0"/>
+              <a:t>Daya pikir berkurang</a:t>
+            </a:r>
+          </a:p>
+          <a:p>
+            <a:pPr lvl="2"/>
+            <a:r>
+              <a:rPr lang="id-ID" sz="1500" dirty="0" smtClean="0"/>
+              <a:t>Motivasi belasjar menurun</a:t>
+            </a:r>
+          </a:p>
+          <a:p>
+            <a:pPr lvl="2"/>
+            <a:r>
+              <a:rPr lang="id-ID" sz="1500" dirty="0" smtClean="0"/>
+              <a:t>Kurang perhatian terhadap lingkungan sekitar</a:t>
+            </a:r>
+          </a:p>
+          <a:p>
+            <a:pPr lvl="2"/>
+            <a:r>
+              <a:rPr lang="id-ID" sz="1500" dirty="0" smtClean="0"/>
+              <a:t>Daya tahan tubuh menurun</a:t>
+            </a:r>
+          </a:p>
+          <a:p>
+            <a:pPr lvl="2"/>
+            <a:r>
+              <a:rPr lang="id-ID" sz="1500" dirty="0" smtClean="0"/>
+              <a:t>Mengurangi kesuburan</a:t>
+            </a:r>
+          </a:p>
+          <a:p>
+            <a:pPr lvl="2"/>
+            <a:r>
+              <a:rPr lang="id-ID" sz="1500" dirty="0" smtClean="0"/>
+              <a:t>Peradangan paru-paru</a:t>
+            </a:r>
+          </a:p>
+          <a:p>
+            <a:pPr lvl="2"/>
+            <a:r>
+              <a:rPr lang="id-ID" sz="1500" dirty="0" smtClean="0"/>
+              <a:t>Aliran darah ke jantung berkurang</a:t>
+            </a:r>
+          </a:p>
+          <a:p>
+            <a:pPr lvl="2"/>
+            <a:r>
+              <a:rPr lang="id-ID" sz="1500" dirty="0" smtClean="0"/>
+              <a:t>Perubahan pada sel-sel otak</a:t>
+            </a:r>
+            <a:endParaRPr lang="id-ID" sz="1500" dirty="0"/>
+          </a:p>
+        </p:txBody>
+      </p:sp>
+    </p:spTree>
+    <p:extLst>
+      <p:ext uri="{BB962C8B-B14F-4D97-AF65-F5344CB8AC3E}">
+        <p14:creationId xmlns:p14="http://schemas.microsoft.com/office/powerpoint/2010/main" val="2543974149"/>
+      </p:ext>
+    </p:extLst>
+  </p:cSld>
+  <p:clrMapOvr>
+    <a:masterClrMapping/>
+  </p:clrMapOvr>
+  <p:timing>
+    <p:tnLst>
+      <p:par>
+        <p:cTn id="1" dur="indefinite" restart="never" nodeType="tmRoot"/>
+      </p:par>
+    </p:tnLst>
+  </p:timing>
+</p:sld>
+</file>
+
+<file path=ppt/slides/slide13.xml><?xml version="1.0" encoding="utf-8"?>
+<p:sld xmlns:a="http://schemas.openxmlformats.org/drawingml/2006/main" xmlns:r="http://schemas.openxmlformats.org/officeDocument/2006/relationships" xmlns:p="http://schemas.openxmlformats.org/presentationml/2006/main">
+  <p:cSld>
+    <p:spTree>
+      <p:nvGrpSpPr>
+        <p:cNvPr id="1" name=""/>
+        <p:cNvGrpSpPr/>
+        <p:nvPr/>
+      </p:nvGrpSpPr>
+      <p:grpSpPr>
+        <a:xfrm>
+          <a:off x="0" y="0"/>
+          <a:ext cx="0" cy="0"/>
+          <a:chOff x="0" y="0"/>
+          <a:chExt cx="0" cy="0"/>
+        </a:xfrm>
+      </p:grpSpPr>
+      <p:sp>
+        <p:nvSpPr>
+          <p:cNvPr id="2" name="Title 1"/>
+          <p:cNvSpPr>
+            <a:spLocks noGrp="1"/>
+          </p:cNvSpPr>
+          <p:nvPr>
+            <p:ph type="title"/>
+          </p:nvPr>
+        </p:nvSpPr>
+        <p:spPr>
+          <a:xfrm>
+            <a:off x="838200" y="365126"/>
+            <a:ext cx="10515600" cy="737533"/>
+          </a:xfrm>
+        </p:spPr>
+        <p:txBody>
+          <a:bodyPr>
+            <a:normAutofit/>
+          </a:bodyPr>
+          <a:lstStyle/>
+          <a:p>
+            <a:pPr algn="ctr"/>
+            <a:r>
+              <a:rPr lang="en-US" sz="4000" dirty="0" err="1" smtClean="0"/>
+              <a:t>Pengaruh</a:t>
+            </a:r>
+            <a:r>
+              <a:rPr lang="en-US" sz="4000" dirty="0" smtClean="0"/>
+              <a:t> </a:t>
+            </a:r>
+            <a:r>
+              <a:rPr lang="en-US" sz="4000" dirty="0" err="1" smtClean="0"/>
+              <a:t>Berbagai</a:t>
+            </a:r>
+            <a:r>
+              <a:rPr lang="en-US" sz="4000" dirty="0" smtClean="0"/>
+              <a:t> </a:t>
+            </a:r>
+            <a:r>
+              <a:rPr lang="en-US" sz="4000" dirty="0" err="1" smtClean="0"/>
+              <a:t>Jenis</a:t>
+            </a:r>
+            <a:r>
+              <a:rPr lang="en-US" sz="4000" dirty="0" smtClean="0"/>
+              <a:t> </a:t>
+            </a:r>
+            <a:r>
+              <a:rPr lang="en-US" sz="4000" dirty="0" err="1" smtClean="0"/>
+              <a:t>Narkoba</a:t>
+            </a:r>
+            <a:r>
+              <a:rPr lang="id-ID" sz="4000" dirty="0" smtClean="0"/>
+              <a:t> II</a:t>
+            </a:r>
+            <a:endParaRPr lang="en-US" sz="4000" dirty="0"/>
+          </a:p>
+        </p:txBody>
+      </p:sp>
+      <p:sp>
+        <p:nvSpPr>
+          <p:cNvPr id="3" name="Content Placeholder 2"/>
+          <p:cNvSpPr>
+            <a:spLocks noGrp="1"/>
+          </p:cNvSpPr>
+          <p:nvPr>
+            <p:ph idx="1"/>
+          </p:nvPr>
+        </p:nvSpPr>
+        <p:spPr>
+          <a:xfrm>
+            <a:off x="457200" y="1196788"/>
+            <a:ext cx="11308976" cy="5298141"/>
+          </a:xfrm>
+        </p:spPr>
+        <p:txBody>
+          <a:bodyPr>
+            <a:normAutofit fontScale="85000" lnSpcReduction="20000"/>
+          </a:bodyPr>
+          <a:lstStyle/>
+          <a:p>
+            <a:r>
+              <a:rPr lang="id-ID" sz="2300" dirty="0" smtClean="0"/>
+              <a:t>Kokain</a:t>
+            </a:r>
+          </a:p>
+          <a:p>
+            <a:pPr lvl="1"/>
+            <a:r>
+              <a:rPr lang="id-ID" sz="1900" dirty="0" smtClean="0"/>
+              <a:t>Jangka Pendek</a:t>
+            </a:r>
+          </a:p>
+          <a:p>
+            <a:pPr lvl="2"/>
+            <a:r>
+              <a:rPr lang="id-ID" sz="1500" dirty="0" smtClean="0"/>
+              <a:t>Rasa percaya diri meningkat</a:t>
+            </a:r>
+          </a:p>
+          <a:p>
+            <a:pPr lvl="2"/>
+            <a:r>
+              <a:rPr lang="id-ID" sz="1500" dirty="0" smtClean="0"/>
+              <a:t>Banyak bicara</a:t>
+            </a:r>
+          </a:p>
+          <a:p>
+            <a:pPr lvl="2"/>
+            <a:r>
+              <a:rPr lang="id-ID" sz="1500" dirty="0" smtClean="0"/>
+              <a:t>Rasa lelah hilang</a:t>
+            </a:r>
+          </a:p>
+          <a:p>
+            <a:pPr lvl="2"/>
+            <a:r>
+              <a:rPr lang="id-ID" sz="1500" dirty="0" smtClean="0"/>
+              <a:t>Kurangnya kebutuhan tidur</a:t>
+            </a:r>
+          </a:p>
+          <a:p>
+            <a:pPr lvl="2"/>
+            <a:r>
+              <a:rPr lang="id-ID" sz="1500" dirty="0" smtClean="0"/>
+              <a:t>Nafsu berhubungan intim meningkat</a:t>
+            </a:r>
+          </a:p>
+          <a:p>
+            <a:pPr lvl="2"/>
+            <a:r>
+              <a:rPr lang="id-ID" sz="1500" dirty="0" smtClean="0"/>
+              <a:t>Halusinasi visual dan taktil</a:t>
+            </a:r>
+          </a:p>
+          <a:p>
+            <a:pPr lvl="1"/>
+            <a:r>
+              <a:rPr lang="id-ID" sz="1900" dirty="0" smtClean="0"/>
+              <a:t>Jangka Panjang</a:t>
+            </a:r>
+          </a:p>
+          <a:p>
+            <a:pPr lvl="2"/>
+            <a:r>
+              <a:rPr lang="id-ID" sz="1500" dirty="0" smtClean="0"/>
+              <a:t>Kurang gizi</a:t>
+            </a:r>
+          </a:p>
+          <a:p>
+            <a:pPr lvl="2"/>
+            <a:r>
+              <a:rPr lang="id-ID" sz="1500" dirty="0" smtClean="0"/>
+              <a:t>Anemia</a:t>
+            </a:r>
+          </a:p>
+          <a:p>
+            <a:pPr lvl="2"/>
+            <a:r>
+              <a:rPr lang="id-ID" sz="1500" dirty="0" smtClean="0"/>
+              <a:t>Sekat hidung berubang</a:t>
+            </a:r>
+          </a:p>
+          <a:p>
+            <a:pPr lvl="2"/>
+            <a:r>
+              <a:rPr lang="id-ID" sz="1500" dirty="0" smtClean="0"/>
+              <a:t>Gangguan jiwa psikotik</a:t>
+            </a:r>
+          </a:p>
+          <a:p>
+            <a:r>
+              <a:rPr lang="id-ID" sz="2300" dirty="0" smtClean="0"/>
+              <a:t>Alkohol</a:t>
+            </a:r>
+          </a:p>
+          <a:p>
+            <a:pPr lvl="1"/>
+            <a:r>
+              <a:rPr lang="id-ID" sz="1900" dirty="0" smtClean="0"/>
+              <a:t>Jangka Pendek</a:t>
+            </a:r>
+          </a:p>
+          <a:p>
+            <a:pPr lvl="2"/>
+            <a:r>
+              <a:rPr lang="id-ID" sz="1500" dirty="0" smtClean="0"/>
+              <a:t>Mabuk, jalan sempoyongan</a:t>
+            </a:r>
+          </a:p>
+          <a:p>
+            <a:pPr lvl="2"/>
+            <a:r>
+              <a:rPr lang="id-ID" sz="1500" dirty="0" smtClean="0"/>
+              <a:t>Bicara cadel, berbuat asusila</a:t>
+            </a:r>
+          </a:p>
+          <a:p>
+            <a:pPr lvl="2"/>
+            <a:r>
+              <a:rPr lang="id-ID" sz="1500" dirty="0" smtClean="0"/>
+              <a:t>Ketidakmampuan belajar dan mengingat, kecelakaan.</a:t>
+            </a:r>
+          </a:p>
+          <a:p>
+            <a:pPr lvl="1"/>
+            <a:r>
+              <a:rPr lang="id-ID" sz="1900" dirty="0" smtClean="0"/>
+              <a:t>Jangka Panjang</a:t>
+            </a:r>
+          </a:p>
+          <a:p>
+            <a:pPr lvl="2"/>
+            <a:r>
+              <a:rPr lang="id-ID" sz="1500" dirty="0" smtClean="0"/>
+              <a:t>Kerusakan hati, kelenjar getah lambung, saraf tepi, otak,</a:t>
+            </a:r>
+          </a:p>
+          <a:p>
+            <a:pPr lvl="2"/>
+            <a:r>
+              <a:rPr lang="id-ID" sz="1500" dirty="0" smtClean="0"/>
+              <a:t>Gangguna jantung, </a:t>
+            </a:r>
+          </a:p>
+          <a:p>
+            <a:pPr lvl="2"/>
+            <a:r>
+              <a:rPr lang="id-ID" sz="1500" dirty="0" smtClean="0"/>
+              <a:t>Pengingkatan resiko kanker,</a:t>
+            </a:r>
+          </a:p>
+          <a:p>
+            <a:pPr lvl="2"/>
+            <a:r>
+              <a:rPr lang="id-ID" sz="1500" dirty="0" smtClean="0"/>
+              <a:t>Bayi terlahir tak sempurna dari ibu pecandu</a:t>
+            </a:r>
+            <a:endParaRPr lang="id-ID" sz="1500" dirty="0"/>
+          </a:p>
+        </p:txBody>
+      </p:sp>
+    </p:spTree>
+    <p:extLst>
+      <p:ext uri="{BB962C8B-B14F-4D97-AF65-F5344CB8AC3E}">
+        <p14:creationId xmlns:p14="http://schemas.microsoft.com/office/powerpoint/2010/main" val="601033143"/>
+      </p:ext>
+    </p:extLst>
+  </p:cSld>
+  <p:clrMapOvr>
+    <a:masterClrMapping/>
+  </p:clrMapOvr>
+  <p:timing>
+    <p:tnLst>
+      <p:par>
+        <p:cTn id="1" dur="indefinite" restart="never" nodeType="tmRoot"/>
+      </p:par>
+    </p:tnLst>
+  </p:timing>
+</p:sld>
+</file>
+
+<file path=ppt/slides/slide14.xml><?xml version="1.0" encoding="utf-8"?>
+<p:sld xmlns:a="http://schemas.openxmlformats.org/drawingml/2006/main" xmlns:r="http://schemas.openxmlformats.org/officeDocument/2006/relationships" xmlns:p="http://schemas.openxmlformats.org/presentationml/2006/main">
+  <p:cSld>
+    <p:spTree>
+      <p:nvGrpSpPr>
+        <p:cNvPr id="1" name=""/>
+        <p:cNvGrpSpPr/>
+        <p:nvPr/>
+      </p:nvGrpSpPr>
+      <p:grpSpPr>
+        <a:xfrm>
+          <a:off x="0" y="0"/>
+          <a:ext cx="0" cy="0"/>
+          <a:chOff x="0" y="0"/>
+          <a:chExt cx="0" cy="0"/>
+        </a:xfrm>
+      </p:grpSpPr>
+      <p:sp>
+        <p:nvSpPr>
+          <p:cNvPr id="2" name="Title 1"/>
+          <p:cNvSpPr>
+            <a:spLocks noGrp="1"/>
+          </p:cNvSpPr>
+          <p:nvPr>
+            <p:ph type="title"/>
+          </p:nvPr>
+        </p:nvSpPr>
+        <p:spPr>
+          <a:xfrm>
+            <a:off x="838200" y="365126"/>
+            <a:ext cx="10515600" cy="737533"/>
+          </a:xfrm>
+        </p:spPr>
+        <p:txBody>
+          <a:bodyPr>
+            <a:normAutofit/>
+          </a:bodyPr>
+          <a:lstStyle/>
+          <a:p>
+            <a:pPr algn="ctr"/>
+            <a:r>
+              <a:rPr lang="en-US" sz="4000" dirty="0" err="1" smtClean="0"/>
+              <a:t>Pengaruh</a:t>
+            </a:r>
+            <a:r>
+              <a:rPr lang="en-US" sz="4000" dirty="0" smtClean="0"/>
+              <a:t> </a:t>
+            </a:r>
+            <a:r>
+              <a:rPr lang="en-US" sz="4000" dirty="0" err="1" smtClean="0"/>
+              <a:t>Berbagai</a:t>
+            </a:r>
+            <a:r>
+              <a:rPr lang="en-US" sz="4000" dirty="0" smtClean="0"/>
+              <a:t> </a:t>
+            </a:r>
+            <a:r>
+              <a:rPr lang="en-US" sz="4000" dirty="0" err="1" smtClean="0"/>
+              <a:t>Jenis</a:t>
+            </a:r>
+            <a:r>
+              <a:rPr lang="en-US" sz="4000" dirty="0" smtClean="0"/>
+              <a:t> </a:t>
+            </a:r>
+            <a:r>
+              <a:rPr lang="en-US" sz="4000" dirty="0" err="1" smtClean="0"/>
+              <a:t>Narkoba</a:t>
+            </a:r>
+            <a:r>
+              <a:rPr lang="id-ID" sz="4000" dirty="0" smtClean="0"/>
+              <a:t> III</a:t>
+            </a:r>
+            <a:endParaRPr lang="en-US" sz="4000" dirty="0"/>
+          </a:p>
+        </p:txBody>
+      </p:sp>
+      <p:sp>
+        <p:nvSpPr>
+          <p:cNvPr id="3" name="Content Placeholder 2"/>
+          <p:cNvSpPr>
+            <a:spLocks noGrp="1"/>
+          </p:cNvSpPr>
+          <p:nvPr>
+            <p:ph idx="1"/>
+          </p:nvPr>
+        </p:nvSpPr>
+        <p:spPr>
+          <a:xfrm>
+            <a:off x="457200" y="1196788"/>
+            <a:ext cx="11308976" cy="5298141"/>
+          </a:xfrm>
+        </p:spPr>
+        <p:txBody>
+          <a:bodyPr>
+            <a:normAutofit fontScale="85000" lnSpcReduction="20000"/>
+          </a:bodyPr>
+          <a:lstStyle/>
+          <a:p>
+            <a:r>
+              <a:rPr lang="id-ID" sz="2300" dirty="0" smtClean="0"/>
+              <a:t>Golongan Amfetamin</a:t>
+            </a:r>
+          </a:p>
+          <a:p>
+            <a:pPr lvl="1"/>
+            <a:r>
+              <a:rPr lang="id-ID" sz="1900" dirty="0" smtClean="0"/>
+              <a:t>Jangka Pendek</a:t>
+            </a:r>
+          </a:p>
+          <a:p>
+            <a:pPr lvl="2"/>
+            <a:r>
+              <a:rPr lang="id-ID" sz="1500" dirty="0" smtClean="0"/>
+              <a:t>Terjaga semalaman, rasa riang, </a:t>
+            </a:r>
+            <a:r>
+              <a:rPr lang="id-ID" sz="1500" i="1" dirty="0" smtClean="0"/>
+              <a:t>flying in the sky</a:t>
+            </a:r>
+            <a:r>
+              <a:rPr lang="id-ID" sz="1500" dirty="0" smtClean="0"/>
+              <a:t>, nyaman,</a:t>
+            </a:r>
+          </a:p>
+          <a:p>
+            <a:pPr lvl="2"/>
+            <a:r>
+              <a:rPr lang="id-ID" sz="1500" dirty="0" smtClean="0"/>
+              <a:t>Meningkatkan keakraban.</a:t>
+            </a:r>
+          </a:p>
+          <a:p>
+            <a:pPr lvl="2"/>
+            <a:r>
+              <a:rPr lang="id-ID" sz="1500" dirty="0" smtClean="0"/>
+              <a:t>Setelah itu timbul rasa tidak enak, murung, ilangnya nafsu makan,</a:t>
+            </a:r>
+          </a:p>
+          <a:p>
+            <a:pPr lvl="2"/>
+            <a:r>
+              <a:rPr lang="id-ID" sz="1500" dirty="0" smtClean="0"/>
+              <a:t>Berkeringat, haus,, rahang kaku dan bergerak-gerak, gemeteran, jantung berdebar,</a:t>
+            </a:r>
+          </a:p>
+          <a:p>
+            <a:pPr lvl="2"/>
+            <a:r>
+              <a:rPr lang="id-ID" sz="1500" dirty="0" smtClean="0"/>
+              <a:t>Naiknya tekanan darah.</a:t>
+            </a:r>
+          </a:p>
+          <a:p>
+            <a:pPr lvl="1"/>
+            <a:r>
+              <a:rPr lang="id-ID" sz="1900" dirty="0" smtClean="0"/>
+              <a:t>Jangka Panjang</a:t>
+            </a:r>
+          </a:p>
+          <a:p>
+            <a:pPr lvl="2"/>
+            <a:r>
+              <a:rPr lang="id-ID" sz="1500" dirty="0" smtClean="0"/>
+              <a:t>Kurang gizi</a:t>
+            </a:r>
+          </a:p>
+          <a:p>
+            <a:pPr lvl="2"/>
+            <a:r>
+              <a:rPr lang="id-ID" sz="1500" dirty="0" smtClean="0"/>
+              <a:t>Anemia</a:t>
+            </a:r>
+          </a:p>
+          <a:p>
+            <a:pPr lvl="2"/>
+            <a:r>
+              <a:rPr lang="id-ID" sz="1500" dirty="0" smtClean="0"/>
+              <a:t>Penyakit jantung</a:t>
+            </a:r>
+          </a:p>
+          <a:p>
+            <a:pPr lvl="2"/>
+            <a:r>
+              <a:rPr lang="id-ID" sz="1500" dirty="0" smtClean="0"/>
+              <a:t>Gangguan jiwa psikotik</a:t>
+            </a:r>
+          </a:p>
+          <a:p>
+            <a:pPr lvl="2"/>
+            <a:r>
+              <a:rPr lang="id-ID" sz="1500" dirty="0" smtClean="0"/>
+              <a:t>Dapat menyebabkan kematian yang diakiabatkan dari pecahnya pembuluh darah otak.</a:t>
+            </a:r>
+          </a:p>
+          <a:p>
+            <a:r>
+              <a:rPr lang="id-ID" sz="2300" dirty="0" smtClean="0"/>
+              <a:t>Halusinogen</a:t>
+            </a:r>
+          </a:p>
+          <a:p>
+            <a:pPr lvl="1"/>
+            <a:r>
+              <a:rPr lang="id-ID" sz="1900" dirty="0" smtClean="0"/>
+              <a:t>Jangka Pendek</a:t>
+            </a:r>
+          </a:p>
+          <a:p>
+            <a:pPr lvl="2"/>
+            <a:r>
+              <a:rPr lang="id-ID" sz="1500" dirty="0" smtClean="0"/>
+              <a:t>Flashback kenangan bersama mantan secara berulang</a:t>
+            </a:r>
+          </a:p>
+          <a:p>
+            <a:pPr lvl="2"/>
+            <a:r>
+              <a:rPr lang="id-ID" sz="1500" dirty="0" smtClean="0"/>
+              <a:t>Pupil melebar, insomnia, tidak nafsu makan,</a:t>
+            </a:r>
+          </a:p>
+          <a:p>
+            <a:pPr lvl="2"/>
+            <a:r>
+              <a:rPr lang="id-ID" sz="1500" dirty="0" smtClean="0"/>
+              <a:t>Suhu tubuh meningkat, berkeringat, denyut nadi dan tekanan darah naik.</a:t>
+            </a:r>
+          </a:p>
+          <a:p>
+            <a:pPr lvl="2"/>
+            <a:r>
+              <a:rPr lang="id-ID" sz="1500" dirty="0"/>
+              <a:t>Koordinasi otot </a:t>
+            </a:r>
+            <a:r>
+              <a:rPr lang="id-ID" sz="1500" dirty="0" smtClean="0"/>
+              <a:t>terganggu dan tremor.</a:t>
+            </a:r>
+          </a:p>
+          <a:p>
+            <a:pPr lvl="1"/>
+            <a:r>
+              <a:rPr lang="id-ID" sz="1900" dirty="0" smtClean="0"/>
+              <a:t>Jangka  Panjang</a:t>
+            </a:r>
+          </a:p>
+          <a:p>
+            <a:pPr lvl="2"/>
+            <a:r>
+              <a:rPr lang="id-ID" sz="1500" dirty="0" smtClean="0"/>
+              <a:t>Merusak sel otak</a:t>
+            </a:r>
+          </a:p>
+          <a:p>
+            <a:pPr lvl="2"/>
+            <a:r>
+              <a:rPr lang="id-ID" sz="1500" dirty="0" smtClean="0"/>
+              <a:t>Gangguan daya ingat dan pemusatan perhatian</a:t>
+            </a:r>
+          </a:p>
+          <a:p>
+            <a:pPr lvl="2"/>
+            <a:r>
+              <a:rPr lang="id-ID" sz="1500" dirty="0" smtClean="0"/>
+              <a:t>Meningkatnya resiko kejang</a:t>
+            </a:r>
+          </a:p>
+          <a:p>
+            <a:pPr lvl="2"/>
+            <a:r>
+              <a:rPr lang="id-ID" sz="1500" dirty="0" smtClean="0"/>
+              <a:t>Kegagalan pernapasan dan jantung.</a:t>
+            </a:r>
+          </a:p>
+        </p:txBody>
+      </p:sp>
+    </p:spTree>
+    <p:extLst>
+      <p:ext uri="{BB962C8B-B14F-4D97-AF65-F5344CB8AC3E}">
+        <p14:creationId xmlns:p14="http://schemas.microsoft.com/office/powerpoint/2010/main" val="1000086346"/>
+      </p:ext>
+    </p:extLst>
+  </p:cSld>
+  <p:clrMapOvr>
+    <a:masterClrMapping/>
+  </p:clrMapOvr>
+  <p:timing>
+    <p:tnLst>
+      <p:par>
+        <p:cTn id="1" dur="indefinite" restart="never" nodeType="tmRoot"/>
+      </p:par>
+    </p:tnLst>
+  </p:timing>
+</p:sld>
+</file>
+
+<file path=ppt/slides/slide15.xml><?xml version="1.0" encoding="utf-8"?>
+<p:sld xmlns:a="http://schemas.openxmlformats.org/drawingml/2006/main" xmlns:r="http://schemas.openxmlformats.org/officeDocument/2006/relationships" xmlns:p="http://schemas.openxmlformats.org/presentationml/2006/main">
+  <p:cSld>
+    <p:spTree>
+      <p:nvGrpSpPr>
+        <p:cNvPr id="1" name=""/>
+        <p:cNvGrpSpPr/>
+        <p:nvPr/>
+      </p:nvGrpSpPr>
+      <p:grpSpPr>
+        <a:xfrm>
+          <a:off x="0" y="0"/>
+          <a:ext cx="0" cy="0"/>
+          <a:chOff x="0" y="0"/>
+          <a:chExt cx="0" cy="0"/>
+        </a:xfrm>
+      </p:grpSpPr>
+      <p:sp>
+        <p:nvSpPr>
+          <p:cNvPr id="2" name="Title 1"/>
+          <p:cNvSpPr>
+            <a:spLocks noGrp="1"/>
+          </p:cNvSpPr>
+          <p:nvPr>
+            <p:ph type="title"/>
+          </p:nvPr>
+        </p:nvSpPr>
+        <p:spPr>
+          <a:xfrm>
+            <a:off x="838200" y="365126"/>
+            <a:ext cx="10515600" cy="737533"/>
+          </a:xfrm>
+        </p:spPr>
+        <p:txBody>
+          <a:bodyPr>
+            <a:normAutofit/>
+          </a:bodyPr>
+          <a:lstStyle/>
+          <a:p>
+            <a:pPr algn="ctr"/>
+            <a:r>
+              <a:rPr lang="en-US" sz="4000" dirty="0" err="1" smtClean="0"/>
+              <a:t>Pengaruh</a:t>
+            </a:r>
+            <a:r>
+              <a:rPr lang="en-US" sz="4000" dirty="0" smtClean="0"/>
+              <a:t> </a:t>
+            </a:r>
+            <a:r>
+              <a:rPr lang="en-US" sz="4000" dirty="0" err="1" smtClean="0"/>
+              <a:t>Berbagai</a:t>
+            </a:r>
+            <a:r>
+              <a:rPr lang="en-US" sz="4000" dirty="0" smtClean="0"/>
+              <a:t> </a:t>
+            </a:r>
+            <a:r>
+              <a:rPr lang="en-US" sz="4000" dirty="0" err="1" smtClean="0"/>
+              <a:t>Jenis</a:t>
+            </a:r>
+            <a:r>
+              <a:rPr lang="en-US" sz="4000" dirty="0" smtClean="0"/>
+              <a:t> </a:t>
+            </a:r>
+            <a:r>
+              <a:rPr lang="en-US" sz="4000" dirty="0" err="1" smtClean="0"/>
+              <a:t>Narkoba</a:t>
+            </a:r>
+            <a:r>
+              <a:rPr lang="id-ID" sz="4000" dirty="0" smtClean="0"/>
+              <a:t> III</a:t>
+            </a:r>
+            <a:endParaRPr lang="en-US" sz="4000" dirty="0"/>
+          </a:p>
+        </p:txBody>
+      </p:sp>
+      <p:sp>
+        <p:nvSpPr>
+          <p:cNvPr id="3" name="Content Placeholder 2"/>
+          <p:cNvSpPr>
+            <a:spLocks noGrp="1"/>
+          </p:cNvSpPr>
+          <p:nvPr>
+            <p:ph idx="1"/>
+          </p:nvPr>
+        </p:nvSpPr>
+        <p:spPr>
+          <a:xfrm>
+            <a:off x="457200" y="1196788"/>
+            <a:ext cx="11308976" cy="5298141"/>
+          </a:xfrm>
+        </p:spPr>
+        <p:txBody>
+          <a:bodyPr>
+            <a:normAutofit fontScale="85000" lnSpcReduction="20000"/>
+          </a:bodyPr>
+          <a:lstStyle/>
+          <a:p>
+            <a:r>
+              <a:rPr lang="id-ID" sz="2300" dirty="0" smtClean="0"/>
+              <a:t>Golongan Amfetamin</a:t>
+            </a:r>
+          </a:p>
+          <a:p>
+            <a:pPr lvl="1"/>
+            <a:r>
+              <a:rPr lang="id-ID" sz="1900" dirty="0" smtClean="0"/>
+              <a:t>Jangka Pendek</a:t>
+            </a:r>
+          </a:p>
+          <a:p>
+            <a:pPr lvl="2"/>
+            <a:r>
+              <a:rPr lang="id-ID" sz="1500" dirty="0" smtClean="0"/>
+              <a:t>Terjaga semalaman, rasa riang, </a:t>
+            </a:r>
+            <a:r>
+              <a:rPr lang="id-ID" sz="1500" i="1" dirty="0" smtClean="0"/>
+              <a:t>flying in the sky</a:t>
+            </a:r>
+            <a:r>
+              <a:rPr lang="id-ID" sz="1500" dirty="0" smtClean="0"/>
+              <a:t>, nyaman,</a:t>
+            </a:r>
+          </a:p>
+          <a:p>
+            <a:pPr lvl="2"/>
+            <a:r>
+              <a:rPr lang="id-ID" sz="1500" dirty="0" smtClean="0"/>
+              <a:t>Meningkatkan keakraban.</a:t>
+            </a:r>
+          </a:p>
+          <a:p>
+            <a:pPr lvl="2"/>
+            <a:r>
+              <a:rPr lang="id-ID" sz="1500" dirty="0" smtClean="0"/>
+              <a:t>Setelah itu timbul rasa tidak enak, murung, ilangnya nafsu makan,</a:t>
+            </a:r>
+          </a:p>
+          <a:p>
+            <a:pPr lvl="2"/>
+            <a:r>
+              <a:rPr lang="id-ID" sz="1500" dirty="0" smtClean="0"/>
+              <a:t>Berkeringat, haus,, rahang kaku dan bergerak-gerak, gemeteran, jantung berdebar,</a:t>
+            </a:r>
+          </a:p>
+          <a:p>
+            <a:pPr lvl="2"/>
+            <a:r>
+              <a:rPr lang="id-ID" sz="1500" dirty="0" smtClean="0"/>
+              <a:t>Naiknya tekanan darah.</a:t>
+            </a:r>
+          </a:p>
+          <a:p>
+            <a:pPr lvl="1"/>
+            <a:r>
+              <a:rPr lang="id-ID" sz="1900" dirty="0" smtClean="0"/>
+              <a:t>Jangka Panjang</a:t>
+            </a:r>
+          </a:p>
+          <a:p>
+            <a:pPr lvl="2"/>
+            <a:r>
+              <a:rPr lang="id-ID" sz="1500" dirty="0" smtClean="0"/>
+              <a:t>Kurang gizi</a:t>
+            </a:r>
+          </a:p>
+          <a:p>
+            <a:pPr lvl="2"/>
+            <a:r>
+              <a:rPr lang="id-ID" sz="1500" dirty="0" smtClean="0"/>
+              <a:t>Anemia</a:t>
+            </a:r>
+          </a:p>
+          <a:p>
+            <a:pPr lvl="2"/>
+            <a:r>
+              <a:rPr lang="id-ID" sz="1500" dirty="0" smtClean="0"/>
+              <a:t>Penyakit jantung</a:t>
+            </a:r>
+          </a:p>
+          <a:p>
+            <a:pPr lvl="2"/>
+            <a:r>
+              <a:rPr lang="id-ID" sz="1500" dirty="0" smtClean="0"/>
+              <a:t>Gangguan jiwa psikotik</a:t>
+            </a:r>
+          </a:p>
+          <a:p>
+            <a:pPr lvl="2"/>
+            <a:r>
+              <a:rPr lang="id-ID" sz="1500" dirty="0" smtClean="0"/>
+              <a:t>Dapat menyebabkan kematian yang diakiabatkan dari pecahnya pembuluh darah otak.</a:t>
+            </a:r>
+          </a:p>
+          <a:p>
+            <a:r>
+              <a:rPr lang="id-ID" sz="2300" dirty="0" smtClean="0"/>
+              <a:t>Halusinogen</a:t>
+            </a:r>
+          </a:p>
+          <a:p>
+            <a:pPr lvl="1"/>
+            <a:r>
+              <a:rPr lang="id-ID" sz="1900" dirty="0" smtClean="0"/>
+              <a:t>Jangka Pendek</a:t>
+            </a:r>
+          </a:p>
+          <a:p>
+            <a:pPr lvl="2"/>
+            <a:r>
+              <a:rPr lang="id-ID" sz="1500" dirty="0" smtClean="0"/>
+              <a:t>Flashback kenangan bersama mantan secara berulang</a:t>
+            </a:r>
+          </a:p>
+          <a:p>
+            <a:pPr lvl="2"/>
+            <a:r>
+              <a:rPr lang="id-ID" sz="1500" dirty="0" smtClean="0"/>
+              <a:t>Pupil melebar, insomnia, tidak nafsu makan,</a:t>
+            </a:r>
+          </a:p>
+          <a:p>
+            <a:pPr lvl="2"/>
+            <a:r>
+              <a:rPr lang="id-ID" sz="1500" dirty="0" smtClean="0"/>
+              <a:t>Suhu tubuh meningkat, berkeringat, denyut nadi dan tekanan darah naik.</a:t>
+            </a:r>
+          </a:p>
+          <a:p>
+            <a:pPr lvl="2"/>
+            <a:r>
+              <a:rPr lang="id-ID" sz="1500" dirty="0"/>
+              <a:t>Koordinasi otot </a:t>
+            </a:r>
+            <a:r>
+              <a:rPr lang="id-ID" sz="1500" dirty="0" smtClean="0"/>
+              <a:t>terganggu dan tremor.</a:t>
+            </a:r>
+          </a:p>
+          <a:p>
+            <a:pPr lvl="1"/>
+            <a:r>
+              <a:rPr lang="id-ID" sz="1900" dirty="0" smtClean="0"/>
+              <a:t>Jangka  Panjang</a:t>
+            </a:r>
+          </a:p>
+          <a:p>
+            <a:pPr lvl="2"/>
+            <a:r>
+              <a:rPr lang="id-ID" sz="1500" dirty="0" smtClean="0"/>
+              <a:t>Merusak sel otak</a:t>
+            </a:r>
+          </a:p>
+          <a:p>
+            <a:pPr lvl="2"/>
+            <a:r>
+              <a:rPr lang="id-ID" sz="1500" dirty="0" smtClean="0"/>
+              <a:t>Gangguan daya ingat dan pemusatan perhatian</a:t>
+            </a:r>
+          </a:p>
+          <a:p>
+            <a:pPr lvl="2"/>
+            <a:r>
+              <a:rPr lang="id-ID" sz="1500" dirty="0" smtClean="0"/>
+              <a:t>Meningkatnya resiko kejang</a:t>
+            </a:r>
+          </a:p>
+          <a:p>
+            <a:pPr lvl="2"/>
+            <a:r>
+              <a:rPr lang="id-ID" sz="1500" dirty="0" smtClean="0"/>
+              <a:t>Kegagalan pernapasan dan jantung.</a:t>
+            </a:r>
+          </a:p>
+        </p:txBody>
+      </p:sp>
+    </p:spTree>
+    <p:extLst>
+      <p:ext uri="{BB962C8B-B14F-4D97-AF65-F5344CB8AC3E}">
+        <p14:creationId xmlns:p14="http://schemas.microsoft.com/office/powerpoint/2010/main" val="2859013700"/>
+      </p:ext>
+    </p:extLst>
+  </p:cSld>
+  <p:clrMapOvr>
+    <a:masterClrMapping/>
+  </p:clrMapOvr>
+  <p:timing>
+    <p:tnLst>
+      <p:par>
+        <p:cTn id="1" dur="indefinite" restart="never" nodeType="tmRoot"/>
+      </p:par>
+    </p:tnLst>
+  </p:timing>
+</p:sld>
+</file>
+
+<file path=ppt/slides/slide16.xml><?xml version="1.0" encoding="utf-8"?>
+<p:sld xmlns:a="http://schemas.openxmlformats.org/drawingml/2006/main" xmlns:r="http://schemas.openxmlformats.org/officeDocument/2006/relationships" xmlns:p="http://schemas.openxmlformats.org/presentationml/2006/main">
+  <p:cSld>
+    <p:spTree>
+      <p:nvGrpSpPr>
+        <p:cNvPr id="1" name=""/>
+        <p:cNvGrpSpPr/>
+        <p:nvPr/>
+      </p:nvGrpSpPr>
+      <p:grpSpPr>
+        <a:xfrm>
+          <a:off x="0" y="0"/>
+          <a:ext cx="0" cy="0"/>
+          <a:chOff x="0" y="0"/>
+          <a:chExt cx="0" cy="0"/>
+        </a:xfrm>
+      </p:grpSpPr>
+      <p:sp>
+        <p:nvSpPr>
+          <p:cNvPr id="2" name="Title 1"/>
+          <p:cNvSpPr>
+            <a:spLocks noGrp="1"/>
+          </p:cNvSpPr>
+          <p:nvPr>
+            <p:ph type="title"/>
+          </p:nvPr>
+        </p:nvSpPr>
+        <p:spPr>
+          <a:xfrm>
+            <a:off x="838200" y="365126"/>
+            <a:ext cx="10515600" cy="737533"/>
+          </a:xfrm>
+        </p:spPr>
+        <p:txBody>
+          <a:bodyPr>
+            <a:normAutofit/>
+          </a:bodyPr>
+          <a:lstStyle/>
+          <a:p>
+            <a:pPr algn="ctr"/>
+            <a:r>
+              <a:rPr lang="en-US" sz="4000" dirty="0" err="1" smtClean="0"/>
+              <a:t>Pengaruh</a:t>
+            </a:r>
+            <a:r>
+              <a:rPr lang="en-US" sz="4000" dirty="0" smtClean="0"/>
+              <a:t> </a:t>
+            </a:r>
+            <a:r>
+              <a:rPr lang="en-US" sz="4000" dirty="0" err="1" smtClean="0"/>
+              <a:t>Berbagai</a:t>
+            </a:r>
+            <a:r>
+              <a:rPr lang="en-US" sz="4000" dirty="0" smtClean="0"/>
+              <a:t> </a:t>
+            </a:r>
+            <a:r>
+              <a:rPr lang="en-US" sz="4000" dirty="0" err="1" smtClean="0"/>
+              <a:t>Jenis</a:t>
+            </a:r>
+            <a:r>
+              <a:rPr lang="en-US" sz="4000" dirty="0" smtClean="0"/>
+              <a:t> </a:t>
+            </a:r>
+            <a:r>
+              <a:rPr lang="en-US" sz="4000" dirty="0" err="1" smtClean="0"/>
+              <a:t>Narkoba</a:t>
+            </a:r>
+            <a:r>
+              <a:rPr lang="id-ID" sz="4000" dirty="0" smtClean="0"/>
+              <a:t> IV</a:t>
+            </a:r>
+            <a:endParaRPr lang="en-US" sz="4000" dirty="0"/>
+          </a:p>
+        </p:txBody>
+      </p:sp>
+      <p:sp>
+        <p:nvSpPr>
+          <p:cNvPr id="3" name="Content Placeholder 2"/>
+          <p:cNvSpPr>
+            <a:spLocks noGrp="1"/>
+          </p:cNvSpPr>
+          <p:nvPr>
+            <p:ph idx="1"/>
+          </p:nvPr>
+        </p:nvSpPr>
+        <p:spPr>
+          <a:xfrm>
+            <a:off x="457200" y="1196788"/>
+            <a:ext cx="11308976" cy="5298141"/>
+          </a:xfrm>
+        </p:spPr>
+        <p:txBody>
+          <a:bodyPr>
+            <a:normAutofit fontScale="92500" lnSpcReduction="20000"/>
+          </a:bodyPr>
+          <a:lstStyle/>
+          <a:p>
+            <a:r>
+              <a:rPr lang="id-ID" sz="2300" dirty="0" smtClean="0"/>
+              <a:t>Sedativa dan Hipnotika </a:t>
+            </a:r>
+            <a:r>
+              <a:rPr lang="id-ID" sz="1800" dirty="0" smtClean="0"/>
+              <a:t>(obat penenang dan obat tidur)</a:t>
+            </a:r>
+          </a:p>
+          <a:p>
+            <a:pPr lvl="1"/>
+            <a:r>
+              <a:rPr lang="id-ID" sz="1900" dirty="0" smtClean="0"/>
+              <a:t>Jangka Pendek</a:t>
+            </a:r>
+          </a:p>
+          <a:p>
+            <a:pPr lvl="2"/>
+            <a:r>
+              <a:rPr lang="id-ID" sz="1500" dirty="0" smtClean="0"/>
+              <a:t>Perasaan tenang dan pengenduran otot</a:t>
+            </a:r>
+          </a:p>
+          <a:p>
+            <a:pPr lvl="2"/>
+            <a:r>
+              <a:rPr lang="id-ID" sz="1500" dirty="0" smtClean="0"/>
+              <a:t>Dapat terjadi gangguan bicara, persepsi terganggu, dan jalan sempoyongan pada dosis lebih besar.</a:t>
+            </a:r>
+          </a:p>
+          <a:p>
+            <a:pPr lvl="2"/>
+            <a:r>
+              <a:rPr lang="id-ID" sz="1500" dirty="0" smtClean="0"/>
+              <a:t>Dosis yang lebih tinggi lagi dapat menyebabkan tertekannya pernapasan, koma, dan kematian!</a:t>
+            </a:r>
+          </a:p>
+          <a:p>
+            <a:pPr lvl="1"/>
+            <a:r>
+              <a:rPr lang="id-ID" sz="1900" dirty="0" smtClean="0"/>
+              <a:t>Jangka Panjang</a:t>
+            </a:r>
+          </a:p>
+          <a:p>
+            <a:pPr lvl="2"/>
+            <a:r>
+              <a:rPr lang="id-ID" sz="1500" dirty="0" smtClean="0"/>
+              <a:t>Dirimu akan menampakkan gejala-gejala ketergantungan akan obat ini.</a:t>
+            </a:r>
+          </a:p>
+          <a:p>
+            <a:r>
+              <a:rPr lang="id-ID" sz="2300" dirty="0" smtClean="0"/>
+              <a:t>Solven dan Inhalansia </a:t>
+            </a:r>
+            <a:r>
+              <a:rPr lang="id-ID" sz="1800" dirty="0" smtClean="0"/>
+              <a:t>(</a:t>
+            </a:r>
+            <a:r>
+              <a:rPr lang="id-ID" sz="1800" i="1" dirty="0" smtClean="0"/>
+              <a:t>thiner, aceton, lem, aerosol spray</a:t>
+            </a:r>
+            <a:r>
+              <a:rPr lang="en-US" sz="1800" i="1" dirty="0" smtClean="0"/>
+              <a:t>,</a:t>
+            </a:r>
+            <a:r>
+              <a:rPr lang="id-ID" sz="1800" i="1" dirty="0" smtClean="0"/>
+              <a:t> </a:t>
+            </a:r>
+            <a:r>
+              <a:rPr lang="en-US" sz="1800" i="1" dirty="0" err="1" smtClean="0"/>
+              <a:t>bensin</a:t>
+            </a:r>
+            <a:r>
+              <a:rPr lang="en-US" sz="1800" i="1" dirty="0" smtClean="0"/>
+              <a:t>, </a:t>
+            </a:r>
+            <a:r>
+              <a:rPr lang="en-US" sz="1800" i="1" dirty="0" err="1" smtClean="0"/>
+              <a:t>dsb</a:t>
+            </a:r>
+            <a:r>
+              <a:rPr lang="en-US" sz="1800" i="1" dirty="0" smtClean="0"/>
+              <a:t>.)</a:t>
+            </a:r>
+          </a:p>
+          <a:p>
+            <a:pPr lvl="1"/>
+            <a:r>
+              <a:rPr lang="en-US" sz="1900" dirty="0" err="1" smtClean="0"/>
+              <a:t>Jangka</a:t>
+            </a:r>
+            <a:r>
+              <a:rPr lang="en-US" sz="1900" dirty="0" smtClean="0"/>
+              <a:t> </a:t>
+            </a:r>
+            <a:r>
+              <a:rPr lang="en-US" sz="1900" dirty="0" err="1" smtClean="0"/>
+              <a:t>Pendek</a:t>
+            </a:r>
+            <a:endParaRPr lang="en-US" sz="1900" dirty="0" smtClean="0"/>
+          </a:p>
+          <a:p>
+            <a:pPr lvl="2"/>
+            <a:r>
+              <a:rPr lang="en-US" sz="1500" dirty="0" err="1" smtClean="0"/>
+              <a:t>Dapat</a:t>
+            </a:r>
+            <a:r>
+              <a:rPr lang="en-US" sz="1500" dirty="0" smtClean="0"/>
+              <a:t> </a:t>
+            </a:r>
+            <a:r>
+              <a:rPr lang="en-US" sz="1500" dirty="0" err="1" smtClean="0"/>
+              <a:t>menyebabkan</a:t>
+            </a:r>
+            <a:r>
+              <a:rPr lang="en-US" sz="1500" dirty="0" smtClean="0"/>
+              <a:t> </a:t>
+            </a:r>
+            <a:r>
+              <a:rPr lang="en-US" sz="1500" dirty="0" err="1" smtClean="0"/>
+              <a:t>kematian</a:t>
+            </a:r>
+            <a:r>
+              <a:rPr lang="en-US" sz="1500" dirty="0" smtClean="0"/>
+              <a:t> </a:t>
+            </a:r>
+            <a:r>
+              <a:rPr lang="en-US" sz="1500" dirty="0" err="1" smtClean="0"/>
+              <a:t>pada</a:t>
+            </a:r>
+            <a:r>
+              <a:rPr lang="en-US" sz="1500" dirty="0" smtClean="0"/>
+              <a:t> </a:t>
+            </a:r>
+            <a:r>
+              <a:rPr lang="en-US" sz="1500" dirty="0" err="1" smtClean="0"/>
+              <a:t>saat</a:t>
+            </a:r>
+            <a:r>
+              <a:rPr lang="en-US" sz="1500" dirty="0" smtClean="0"/>
+              <a:t> </a:t>
+            </a:r>
+            <a:r>
+              <a:rPr lang="en-US" sz="1500" dirty="0" err="1" smtClean="0"/>
+              <a:t>itu</a:t>
+            </a:r>
+            <a:r>
+              <a:rPr lang="en-US" sz="1500" dirty="0" smtClean="0"/>
+              <a:t> </a:t>
+            </a:r>
+            <a:r>
+              <a:rPr lang="en-US" sz="1500" dirty="0" err="1" smtClean="0"/>
+              <a:t>juga</a:t>
+            </a:r>
+            <a:r>
+              <a:rPr lang="en-US" sz="1500" dirty="0" smtClean="0"/>
+              <a:t> </a:t>
+            </a:r>
+            <a:r>
+              <a:rPr lang="en-US" sz="1500" dirty="0" err="1" smtClean="0"/>
+              <a:t>karena</a:t>
+            </a:r>
+            <a:r>
+              <a:rPr lang="en-US" sz="1500" dirty="0" smtClean="0"/>
+              <a:t> </a:t>
+            </a:r>
+            <a:r>
+              <a:rPr lang="en-US" sz="1500" dirty="0" err="1" smtClean="0"/>
+              <a:t>otak</a:t>
+            </a:r>
+            <a:r>
+              <a:rPr lang="en-US" sz="1500" dirty="0" smtClean="0"/>
+              <a:t> </a:t>
+            </a:r>
+            <a:r>
+              <a:rPr lang="en-US" sz="1500" dirty="0" err="1" smtClean="0"/>
+              <a:t>kekurangan</a:t>
+            </a:r>
+            <a:r>
+              <a:rPr lang="en-US" sz="1500" dirty="0" smtClean="0"/>
+              <a:t> O</a:t>
+            </a:r>
+            <a:r>
+              <a:rPr lang="en-US" sz="1500" baseline="-25000" dirty="0" smtClean="0"/>
+              <a:t>2.</a:t>
+            </a:r>
+            <a:r>
+              <a:rPr lang="en-US" sz="1500" dirty="0" smtClean="0"/>
+              <a:t> </a:t>
+            </a:r>
+          </a:p>
+          <a:p>
+            <a:pPr lvl="2"/>
+            <a:r>
+              <a:rPr lang="en-US" sz="1500" dirty="0" err="1" smtClean="0"/>
+              <a:t>Atau</a:t>
+            </a:r>
+            <a:r>
+              <a:rPr lang="en-US" sz="1500" dirty="0" smtClean="0"/>
+              <a:t> </a:t>
+            </a:r>
+            <a:r>
+              <a:rPr lang="en-US" sz="1500" dirty="0" err="1" smtClean="0"/>
+              <a:t>karena</a:t>
+            </a:r>
+            <a:r>
+              <a:rPr lang="en-US" sz="1500" dirty="0" smtClean="0"/>
+              <a:t> </a:t>
+            </a:r>
+            <a:r>
+              <a:rPr lang="en-US" sz="1500" dirty="0" err="1" smtClean="0"/>
+              <a:t>ilusi</a:t>
+            </a:r>
+            <a:r>
+              <a:rPr lang="en-US" sz="1500" dirty="0" smtClean="0"/>
+              <a:t>, </a:t>
+            </a:r>
+            <a:r>
+              <a:rPr lang="en-US" sz="1500" dirty="0" err="1" smtClean="0"/>
+              <a:t>halusinasi</a:t>
+            </a:r>
+            <a:r>
+              <a:rPr lang="en-US" sz="1500" dirty="0" smtClean="0"/>
+              <a:t>, </a:t>
+            </a:r>
+            <a:r>
+              <a:rPr lang="en-US" sz="1500" dirty="0" err="1" smtClean="0"/>
+              <a:t>dan</a:t>
+            </a:r>
+            <a:r>
+              <a:rPr lang="en-US" sz="1500" dirty="0" smtClean="0"/>
+              <a:t> </a:t>
+            </a:r>
+            <a:r>
+              <a:rPr lang="en-US" sz="1500" dirty="0" err="1" smtClean="0"/>
+              <a:t>persepsi</a:t>
+            </a:r>
+            <a:r>
+              <a:rPr lang="en-US" sz="1500" dirty="0" smtClean="0"/>
+              <a:t> “</a:t>
+            </a:r>
+            <a:r>
+              <a:rPr lang="en-US" sz="1500" dirty="0" err="1" smtClean="0"/>
+              <a:t>Saya</a:t>
+            </a:r>
+            <a:r>
+              <a:rPr lang="en-US" sz="1500" dirty="0" smtClean="0"/>
+              <a:t> </a:t>
+            </a:r>
+            <a:r>
+              <a:rPr lang="en-US" sz="1500" dirty="0" err="1" smtClean="0"/>
+              <a:t>bisa</a:t>
+            </a:r>
+            <a:r>
+              <a:rPr lang="en-US" sz="1500" dirty="0" smtClean="0"/>
+              <a:t> </a:t>
+            </a:r>
+            <a:r>
+              <a:rPr lang="en-US" sz="1500" dirty="0" err="1" smtClean="0"/>
+              <a:t>terbang</a:t>
+            </a:r>
+            <a:r>
+              <a:rPr lang="en-US" sz="1500" dirty="0" smtClean="0"/>
+              <a:t>!!!”, </a:t>
+            </a:r>
+            <a:r>
+              <a:rPr lang="en-US" sz="1500" dirty="0" err="1" smtClean="0"/>
+              <a:t>sehingga</a:t>
+            </a:r>
+            <a:r>
+              <a:rPr lang="en-US" sz="1500" dirty="0" smtClean="0"/>
+              <a:t> </a:t>
+            </a:r>
+            <a:r>
+              <a:rPr lang="en-US" sz="1500" dirty="0" err="1" smtClean="0"/>
+              <a:t>mati</a:t>
+            </a:r>
+            <a:r>
+              <a:rPr lang="en-US" sz="1500" dirty="0" smtClean="0"/>
+              <a:t> </a:t>
+            </a:r>
+            <a:r>
+              <a:rPr lang="en-US" sz="1500" dirty="0" err="1" smtClean="0"/>
+              <a:t>setelah</a:t>
+            </a:r>
+            <a:r>
+              <a:rPr lang="en-US" sz="1500" dirty="0" smtClean="0"/>
+              <a:t>  </a:t>
+            </a:r>
+            <a:r>
+              <a:rPr lang="en-US" sz="1500" i="1" dirty="0" err="1" smtClean="0"/>
+              <a:t>terjun</a:t>
+            </a:r>
+            <a:r>
+              <a:rPr lang="en-US" sz="1500" i="1" dirty="0" smtClean="0"/>
+              <a:t> </a:t>
+            </a:r>
+            <a:r>
+              <a:rPr lang="en-US" sz="1500" i="1" dirty="0" err="1" smtClean="0"/>
+              <a:t>bebas</a:t>
+            </a:r>
+            <a:r>
+              <a:rPr lang="en-US" sz="1500" dirty="0" smtClean="0"/>
+              <a:t>.</a:t>
+            </a:r>
+          </a:p>
+          <a:p>
+            <a:pPr lvl="1"/>
+            <a:r>
+              <a:rPr lang="en-US" sz="1900" dirty="0" err="1" smtClean="0"/>
+              <a:t>Jangka</a:t>
+            </a:r>
+            <a:r>
+              <a:rPr lang="en-US" sz="1900" dirty="0" smtClean="0"/>
+              <a:t> </a:t>
+            </a:r>
+            <a:r>
+              <a:rPr lang="en-US" sz="1900" dirty="0" err="1" smtClean="0"/>
+              <a:t>Panjang</a:t>
+            </a:r>
+            <a:endParaRPr lang="en-US" sz="1900" dirty="0" smtClean="0"/>
+          </a:p>
+          <a:p>
+            <a:pPr lvl="2"/>
+            <a:r>
+              <a:rPr lang="en-US" sz="1500" dirty="0" err="1" smtClean="0"/>
+              <a:t>Kerusakan</a:t>
+            </a:r>
+            <a:r>
+              <a:rPr lang="en-US" sz="1500" dirty="0" smtClean="0"/>
+              <a:t> </a:t>
+            </a:r>
+            <a:r>
+              <a:rPr lang="en-US" sz="1500" dirty="0" err="1" smtClean="0"/>
+              <a:t>otak</a:t>
+            </a:r>
+            <a:r>
+              <a:rPr lang="en-US" sz="1500" dirty="0" smtClean="0"/>
+              <a:t>,</a:t>
+            </a:r>
+            <a:r>
+              <a:rPr lang="en-US" sz="1500" dirty="0"/>
+              <a:t> </a:t>
+            </a:r>
+            <a:r>
+              <a:rPr lang="en-US" sz="1500" dirty="0" err="1" smtClean="0"/>
+              <a:t>paru-paru</a:t>
+            </a:r>
+            <a:r>
+              <a:rPr lang="en-US" sz="1500" dirty="0" smtClean="0"/>
+              <a:t>, </a:t>
+            </a:r>
+            <a:r>
+              <a:rPr lang="en-US" sz="1500" dirty="0" err="1" smtClean="0"/>
+              <a:t>ginjal</a:t>
+            </a:r>
+            <a:r>
+              <a:rPr lang="en-US" sz="1500" dirty="0" smtClean="0"/>
+              <a:t>, sum-sum </a:t>
+            </a:r>
+            <a:r>
+              <a:rPr lang="en-US" sz="1500" dirty="0" err="1" smtClean="0"/>
+              <a:t>tulang</a:t>
+            </a:r>
+            <a:r>
+              <a:rPr lang="en-US" sz="1500" dirty="0" smtClean="0"/>
+              <a:t>, </a:t>
+            </a:r>
+            <a:r>
+              <a:rPr lang="en-US" sz="1500" dirty="0" err="1" smtClean="0"/>
+              <a:t>dan</a:t>
+            </a:r>
+            <a:r>
+              <a:rPr lang="en-US" sz="1500" dirty="0" smtClean="0"/>
+              <a:t> </a:t>
+            </a:r>
+            <a:r>
+              <a:rPr lang="en-US" sz="1500" dirty="0" err="1" smtClean="0"/>
+              <a:t>jantung</a:t>
+            </a:r>
+            <a:r>
+              <a:rPr lang="en-US" sz="1500" dirty="0" smtClean="0"/>
+              <a:t>.</a:t>
+            </a:r>
+          </a:p>
+          <a:p>
+            <a:r>
+              <a:rPr lang="en-US" sz="2300" dirty="0" err="1" smtClean="0"/>
+              <a:t>Nikotin</a:t>
+            </a:r>
+            <a:endParaRPr lang="en-US" sz="2300" dirty="0" smtClean="0"/>
+          </a:p>
+          <a:p>
+            <a:pPr lvl="1"/>
+            <a:r>
+              <a:rPr lang="en-US" sz="1900" dirty="0" err="1" smtClean="0"/>
+              <a:t>Menyebabkan</a:t>
+            </a:r>
+            <a:endParaRPr lang="en-US" sz="1900" dirty="0" smtClean="0"/>
+          </a:p>
+          <a:p>
+            <a:pPr marL="1257300" lvl="2" indent="-342900">
+              <a:buFont typeface="+mj-lt"/>
+              <a:buAutoNum type="arabicPeriod"/>
+            </a:pPr>
+            <a:r>
+              <a:rPr lang="en-US" sz="1500" dirty="0" err="1" smtClean="0"/>
+              <a:t>Kanker</a:t>
+            </a:r>
+            <a:r>
+              <a:rPr lang="en-US" sz="1500" dirty="0" smtClean="0"/>
+              <a:t> </a:t>
+            </a:r>
+            <a:r>
+              <a:rPr lang="en-US" sz="1500" dirty="0" err="1" smtClean="0"/>
+              <a:t>paru-paru</a:t>
+            </a:r>
+            <a:endParaRPr lang="en-US" sz="1500" dirty="0" smtClean="0"/>
+          </a:p>
+          <a:p>
+            <a:pPr marL="1257300" lvl="2" indent="-342900">
+              <a:buFont typeface="+mj-lt"/>
+              <a:buAutoNum type="arabicPeriod"/>
+            </a:pPr>
+            <a:r>
+              <a:rPr lang="en-US" sz="1500" dirty="0" err="1" smtClean="0"/>
+              <a:t>Penyempitan</a:t>
+            </a:r>
+            <a:r>
+              <a:rPr lang="en-US" sz="1500" dirty="0" smtClean="0"/>
+              <a:t> </a:t>
+            </a:r>
+            <a:r>
+              <a:rPr lang="en-US" sz="1500" dirty="0" err="1" smtClean="0"/>
+              <a:t>pembuluh</a:t>
+            </a:r>
+            <a:r>
+              <a:rPr lang="en-US" sz="1500" dirty="0" smtClean="0"/>
+              <a:t> </a:t>
+            </a:r>
+            <a:r>
+              <a:rPr lang="en-US" sz="1500" dirty="0" err="1" smtClean="0"/>
+              <a:t>darah</a:t>
+            </a:r>
+            <a:endParaRPr lang="en-US" sz="1500" dirty="0" smtClean="0"/>
+          </a:p>
+          <a:p>
+            <a:pPr marL="1257300" lvl="2" indent="-342900">
+              <a:buFont typeface="+mj-lt"/>
+              <a:buAutoNum type="arabicPeriod"/>
+            </a:pPr>
+            <a:r>
+              <a:rPr lang="en-US" sz="1500" dirty="0" err="1" smtClean="0"/>
+              <a:t>Penyakit</a:t>
+            </a:r>
+            <a:r>
+              <a:rPr lang="en-US" sz="1500" dirty="0" smtClean="0"/>
+              <a:t> </a:t>
+            </a:r>
+            <a:r>
+              <a:rPr lang="en-US" sz="1500" dirty="0" err="1" smtClean="0"/>
+              <a:t>jantung</a:t>
+            </a:r>
+            <a:endParaRPr lang="en-US" sz="1500" dirty="0" smtClean="0"/>
+          </a:p>
+          <a:p>
+            <a:pPr marL="1257300" lvl="2" indent="-342900">
+              <a:buFont typeface="+mj-lt"/>
+              <a:buAutoNum type="arabicPeriod"/>
+            </a:pPr>
+            <a:r>
+              <a:rPr lang="en-US" sz="1500" dirty="0" err="1" smtClean="0"/>
+              <a:t>Tekanan</a:t>
+            </a:r>
+            <a:r>
+              <a:rPr lang="en-US" sz="1500" dirty="0" smtClean="0"/>
+              <a:t> </a:t>
+            </a:r>
+            <a:r>
+              <a:rPr lang="en-US" sz="1500" dirty="0" err="1" smtClean="0"/>
+              <a:t>darah</a:t>
+            </a:r>
+            <a:r>
+              <a:rPr lang="en-US" sz="1500" dirty="0" smtClean="0"/>
+              <a:t> </a:t>
+            </a:r>
+            <a:r>
+              <a:rPr lang="en-US" sz="1500" dirty="0" err="1" smtClean="0"/>
+              <a:t>tinggi</a:t>
+            </a:r>
+            <a:endParaRPr lang="en-US" sz="1500" dirty="0" smtClean="0"/>
+          </a:p>
+          <a:p>
+            <a:pPr marL="1257300" lvl="2" indent="-342900">
+              <a:buFont typeface="+mj-lt"/>
+              <a:buAutoNum type="arabicPeriod"/>
+            </a:pPr>
+            <a:r>
+              <a:rPr lang="en-US" sz="1500" dirty="0" err="1" smtClean="0"/>
+              <a:t>Terjerumusnya</a:t>
+            </a:r>
+            <a:r>
+              <a:rPr lang="en-US" sz="1500" dirty="0" smtClean="0"/>
+              <a:t> </a:t>
+            </a:r>
+            <a:r>
+              <a:rPr lang="en-US" sz="1500" dirty="0" err="1" smtClean="0"/>
+              <a:t>anak</a:t>
+            </a:r>
+            <a:r>
+              <a:rPr lang="en-US" sz="1500" dirty="0" smtClean="0"/>
+              <a:t>/</a:t>
+            </a:r>
+            <a:r>
+              <a:rPr lang="en-US" sz="1500" dirty="0" err="1" smtClean="0"/>
+              <a:t>remaja</a:t>
+            </a:r>
+            <a:r>
+              <a:rPr lang="en-US" sz="1500" dirty="0" smtClean="0"/>
+              <a:t> </a:t>
+            </a:r>
+            <a:r>
+              <a:rPr lang="en-US" sz="1500" dirty="0" err="1" smtClean="0"/>
+              <a:t>pada</a:t>
+            </a:r>
+            <a:r>
+              <a:rPr lang="en-US" sz="1500" dirty="0" smtClean="0"/>
+              <a:t> </a:t>
+            </a:r>
+            <a:r>
+              <a:rPr lang="en-US" sz="1500" dirty="0" err="1" smtClean="0"/>
+              <a:t>narkoba</a:t>
+            </a:r>
+            <a:r>
+              <a:rPr lang="en-US" sz="1500" dirty="0" smtClean="0"/>
+              <a:t>.</a:t>
+            </a:r>
+          </a:p>
+        </p:txBody>
+      </p:sp>
+    </p:spTree>
+    <p:extLst>
+      <p:ext uri="{BB962C8B-B14F-4D97-AF65-F5344CB8AC3E}">
+        <p14:creationId xmlns:p14="http://schemas.microsoft.com/office/powerpoint/2010/main" val="179249807"/>
+      </p:ext>
+    </p:extLst>
+  </p:cSld>
+  <p:clrMapOvr>
+    <a:masterClrMapping/>
+  </p:clrMapOvr>
+  <p:timing>
+    <p:tnLst>
+      <p:par>
+        <p:cTn id="1" dur="indefinite" restart="never" nodeType="tmRoot"/>
+      </p:par>
+    </p:tnLst>
+  </p:timing>
+</p:sld>
+</file>
+
+<file path=ppt/slides/slide17.xml><?xml version="1.0" encoding="utf-8"?>
+<p:sld xmlns:a="http://schemas.openxmlformats.org/drawingml/2006/main" xmlns:r="http://schemas.openxmlformats.org/officeDocument/2006/relationships" xmlns:p="http://schemas.openxmlformats.org/presentationml/2006/main">
+  <p:cSld>
+    <p:spTree>
+      <p:nvGrpSpPr>
+        <p:cNvPr id="1" name=""/>
+        <p:cNvGrpSpPr/>
+        <p:nvPr/>
+      </p:nvGrpSpPr>
+      <p:grpSpPr>
+        <a:xfrm>
+          <a:off x="0" y="0"/>
+          <a:ext cx="0" cy="0"/>
+          <a:chOff x="0" y="0"/>
+          <a:chExt cx="0" cy="0"/>
+        </a:xfrm>
+      </p:grpSpPr>
+      <p:sp>
+        <p:nvSpPr>
+          <p:cNvPr id="3" name="Content Placeholder 2"/>
+          <p:cNvSpPr>
+            <a:spLocks noGrp="1"/>
+          </p:cNvSpPr>
+          <p:nvPr>
+            <p:ph idx="1"/>
+          </p:nvPr>
+        </p:nvSpPr>
+        <p:spPr>
+          <a:xfrm>
+            <a:off x="838200" y="863600"/>
+            <a:ext cx="10515600" cy="5313363"/>
+          </a:xfrm>
+        </p:spPr>
+        <p:txBody>
+          <a:bodyPr/>
+          <a:lstStyle/>
+          <a:p>
+            <a:pPr marL="0" indent="0" algn="ctr">
+              <a:buNone/>
+            </a:pPr>
+            <a:r>
+              <a:rPr lang="en-US" dirty="0" err="1" smtClean="0"/>
+              <a:t>Sekian</a:t>
+            </a:r>
+            <a:r>
+              <a:rPr lang="en-US" dirty="0" smtClean="0"/>
+              <a:t> </a:t>
+            </a:r>
+            <a:r>
+              <a:rPr lang="en-US" dirty="0" err="1" smtClean="0"/>
+              <a:t>dan</a:t>
+            </a:r>
+            <a:r>
+              <a:rPr lang="en-US" dirty="0" smtClean="0"/>
+              <a:t> </a:t>
+            </a:r>
+            <a:r>
+              <a:rPr lang="en-US" dirty="0" err="1" smtClean="0"/>
+              <a:t>terima</a:t>
+            </a:r>
+            <a:r>
+              <a:rPr lang="en-US" dirty="0" smtClean="0"/>
+              <a:t> </a:t>
+            </a:r>
+            <a:r>
+              <a:rPr lang="en-US" dirty="0" err="1" smtClean="0"/>
+              <a:t>kasih</a:t>
+            </a:r>
+            <a:r>
+              <a:rPr lang="en-US" dirty="0" smtClean="0"/>
+              <a:t>.</a:t>
+            </a:r>
+          </a:p>
+          <a:p>
+            <a:pPr marL="0" indent="0" algn="ctr">
+              <a:buNone/>
+            </a:pPr>
+            <a:r>
+              <a:rPr lang="en-US" dirty="0" err="1" smtClean="0"/>
+              <a:t>Saya</a:t>
+            </a:r>
+            <a:r>
+              <a:rPr lang="en-US" dirty="0" smtClean="0"/>
+              <a:t> </a:t>
+            </a:r>
+            <a:r>
+              <a:rPr lang="en-US" dirty="0" err="1" smtClean="0"/>
+              <a:t>mohon</a:t>
+            </a:r>
+            <a:r>
+              <a:rPr lang="en-US" dirty="0" smtClean="0"/>
+              <a:t> </a:t>
+            </a:r>
+            <a:r>
+              <a:rPr lang="en-US" dirty="0" err="1" smtClean="0"/>
+              <a:t>maaf</a:t>
+            </a:r>
+            <a:r>
+              <a:rPr lang="en-US" dirty="0" smtClean="0"/>
+              <a:t> </a:t>
+            </a:r>
+            <a:r>
+              <a:rPr lang="en-US" dirty="0" err="1" smtClean="0"/>
+              <a:t>bila</a:t>
+            </a:r>
+            <a:r>
+              <a:rPr lang="en-US" dirty="0" smtClean="0"/>
+              <a:t> </a:t>
+            </a:r>
+            <a:r>
+              <a:rPr lang="en-US" dirty="0" err="1" smtClean="0"/>
+              <a:t>ada</a:t>
+            </a:r>
+            <a:r>
+              <a:rPr lang="en-US" dirty="0" smtClean="0"/>
+              <a:t> </a:t>
+            </a:r>
+            <a:r>
+              <a:rPr lang="en-US" dirty="0" err="1" smtClean="0"/>
+              <a:t>salah</a:t>
+            </a:r>
+            <a:r>
+              <a:rPr lang="en-US" dirty="0" smtClean="0"/>
+              <a:t> kata.</a:t>
+            </a:r>
+          </a:p>
+          <a:p>
+            <a:pPr marL="0" indent="0" algn="ctr">
+              <a:buNone/>
+            </a:pPr>
+            <a:endParaRPr lang="en-US" dirty="0"/>
+          </a:p>
+          <a:p>
+            <a:pPr marL="0" indent="0" algn="ctr">
+              <a:buNone/>
+            </a:pPr>
+            <a:r>
+              <a:rPr lang="en-US" dirty="0" err="1" smtClean="0"/>
+              <a:t>Referensi</a:t>
+            </a:r>
+            <a:r>
+              <a:rPr lang="en-US" dirty="0" smtClean="0"/>
+              <a:t>:</a:t>
+            </a:r>
+          </a:p>
+          <a:p>
+            <a:pPr marL="0" indent="0" algn="ctr">
+              <a:buNone/>
+            </a:pPr>
+            <a:r>
+              <a:rPr lang="en-US" dirty="0" err="1" smtClean="0"/>
+              <a:t>Pencegahan</a:t>
+            </a:r>
+            <a:r>
+              <a:rPr lang="en-US" dirty="0" smtClean="0"/>
+              <a:t> Dan </a:t>
+            </a:r>
+            <a:r>
+              <a:rPr lang="en-US" dirty="0" err="1" smtClean="0"/>
+              <a:t>Penanggulangan</a:t>
+            </a:r>
+            <a:r>
+              <a:rPr lang="en-US" dirty="0" smtClean="0"/>
+              <a:t> </a:t>
+            </a:r>
+            <a:r>
+              <a:rPr lang="en-US" dirty="0" err="1" smtClean="0"/>
+              <a:t>Penyalahgunaan</a:t>
+            </a:r>
+            <a:r>
+              <a:rPr lang="en-US" dirty="0" smtClean="0"/>
+              <a:t> </a:t>
+            </a:r>
+            <a:r>
+              <a:rPr lang="en-US" dirty="0" err="1" smtClean="0"/>
+              <a:t>Narkoba</a:t>
+            </a:r>
+            <a:r>
+              <a:rPr lang="en-US" dirty="0" smtClean="0"/>
+              <a:t> </a:t>
+            </a:r>
+            <a:r>
+              <a:rPr lang="en-US" dirty="0" err="1" smtClean="0"/>
+              <a:t>Berbasis</a:t>
+            </a:r>
+            <a:r>
+              <a:rPr lang="en-US" dirty="0" smtClean="0"/>
+              <a:t> </a:t>
+            </a:r>
+            <a:r>
+              <a:rPr lang="en-US" dirty="0" err="1" smtClean="0"/>
+              <a:t>Sekolah</a:t>
+            </a:r>
+            <a:r>
+              <a:rPr lang="en-US" dirty="0" smtClean="0"/>
+              <a:t> </a:t>
+            </a:r>
+            <a:r>
+              <a:rPr lang="en-US" dirty="0" err="1" smtClean="0"/>
+              <a:t>oleh</a:t>
+            </a:r>
+            <a:r>
+              <a:rPr lang="en-US" dirty="0" smtClean="0"/>
+              <a:t> </a:t>
+            </a:r>
+            <a:br>
+              <a:rPr lang="en-US" dirty="0" smtClean="0"/>
+            </a:br>
+            <a:r>
+              <a:rPr lang="en-US" dirty="0" smtClean="0"/>
+              <a:t>dr. Lydia </a:t>
+            </a:r>
+            <a:r>
+              <a:rPr lang="en-US" dirty="0" err="1" smtClean="0"/>
+              <a:t>Harlina</a:t>
+            </a:r>
+            <a:r>
+              <a:rPr lang="en-US" dirty="0" smtClean="0"/>
+              <a:t> </a:t>
+            </a:r>
+            <a:r>
+              <a:rPr lang="en-US" dirty="0" err="1" smtClean="0"/>
+              <a:t>Martono</a:t>
+            </a:r>
+            <a:r>
+              <a:rPr lang="en-US" dirty="0" smtClean="0"/>
+              <a:t>, S.K.M</a:t>
+            </a:r>
+            <a:br>
+              <a:rPr lang="en-US" dirty="0" smtClean="0"/>
+            </a:br>
+            <a:r>
+              <a:rPr lang="en-US" dirty="0" smtClean="0"/>
+              <a:t>dr. </a:t>
+            </a:r>
+            <a:r>
+              <a:rPr lang="en-US" dirty="0" err="1" smtClean="0"/>
+              <a:t>Satya</a:t>
+            </a:r>
+            <a:r>
+              <a:rPr lang="en-US" dirty="0" smtClean="0"/>
+              <a:t> </a:t>
+            </a:r>
+            <a:r>
+              <a:rPr lang="en-US" dirty="0" err="1" smtClean="0"/>
+              <a:t>Joewana</a:t>
+            </a:r>
+            <a:r>
+              <a:rPr lang="en-US" dirty="0" smtClean="0"/>
+              <a:t>, </a:t>
+            </a:r>
+            <a:r>
+              <a:rPr lang="en-US" dirty="0" err="1" smtClean="0"/>
+              <a:t>Sp.K.J</a:t>
+            </a:r>
+            <a:r>
+              <a:rPr lang="en-US" dirty="0" smtClean="0"/>
+              <a:t/>
+            </a:r>
+            <a:br>
+              <a:rPr lang="en-US" dirty="0" smtClean="0"/>
+            </a:br>
+            <a:r>
+              <a:rPr lang="en-US" dirty="0" smtClean="0"/>
+              <a:t>Bab 2 </a:t>
+            </a:r>
+            <a:r>
+              <a:rPr lang="en-US" dirty="0" err="1" smtClean="0"/>
+              <a:t>Tentang</a:t>
+            </a:r>
+            <a:r>
+              <a:rPr lang="en-US" dirty="0" smtClean="0"/>
+              <a:t> </a:t>
+            </a:r>
+            <a:r>
+              <a:rPr lang="en-US" dirty="0" err="1" smtClean="0"/>
+              <a:t>Narkoba</a:t>
+            </a:r>
+            <a:endParaRPr lang="en-US" dirty="0" smtClean="0"/>
+          </a:p>
+        </p:txBody>
+      </p:sp>
+    </p:spTree>
+    <p:extLst>
+      <p:ext uri="{BB962C8B-B14F-4D97-AF65-F5344CB8AC3E}">
+        <p14:creationId xmlns:p14="http://schemas.microsoft.com/office/powerpoint/2010/main" val="1138155622"/>
+      </p:ext>
+    </p:extLst>
+  </p:cSld>
+  <p:clrMapOvr>
+    <a:masterClrMapping/>
+  </p:clrMapOvr>
+  <p:timing>
+    <p:tnLst>
+      <p:par>
+        <p:cTn id="1" dur="indefinite" restart="never" nodeType="tmRoot"/>
+      </p:par>
+    </p:tnLst>
+  </p:timing>
 </p:sld>
 </file>
 
@@ -3065,11 +7370,12 @@
           <a:bodyPr/>
           <a:lstStyle/>
           <a:p>
-            <a:r>
-              <a:rPr lang="id-ID" dirty="0" smtClean="0"/>
+            <a:pPr algn="ctr"/>
+            <a:r>
+              <a:rPr lang="id-ID" sz="3500" dirty="0" smtClean="0"/>
               <a:t>Pengertian</a:t>
             </a:r>
-            <a:endParaRPr lang="en-US" dirty="0"/>
+            <a:endParaRPr lang="en-US" sz="3500" dirty="0"/>
           </a:p>
         </p:txBody>
       </p:sp>
@@ -3112,6 +7418,13 @@
   <p:clrMapOvr>
     <a:masterClrMapping/>
   </p:clrMapOvr>
+  <p:timing>
+    <p:tnLst>
+      <p:par>
+        <p:cTn id="1" dur="indefinite" restart="never" nodeType="tmRoot"/>
+      </p:par>
+    </p:tnLst>
+  </p:timing>
 </p:sld>
 </file>
 
@@ -3144,14 +7457,17 @@
         </p:nvSpPr>
         <p:spPr/>
         <p:txBody>
-          <a:bodyPr/>
+          <a:bodyPr>
+            <a:normAutofit/>
+          </a:bodyPr>
           <a:lstStyle/>
           <a:p>
-            <a:r>
-              <a:rPr lang="id-ID" dirty="0" smtClean="0"/>
+            <a:pPr algn="ctr"/>
+            <a:r>
+              <a:rPr lang="id-ID" sz="3500" dirty="0" smtClean="0"/>
               <a:t>Penggolongan Narkoba</a:t>
             </a:r>
-            <a:endParaRPr lang="en-US" dirty="0"/>
+            <a:endParaRPr lang="en-US" sz="3500" dirty="0"/>
           </a:p>
         </p:txBody>
       </p:sp>
@@ -3264,6 +7580,13 @@
   <p:clrMapOvr>
     <a:masterClrMapping/>
   </p:clrMapOvr>
+  <p:timing>
+    <p:tnLst>
+      <p:par>
+        <p:cTn id="1" dur="indefinite" restart="never" nodeType="tmRoot"/>
+      </p:par>
+    </p:tnLst>
+  </p:timing>
 </p:sld>
 </file>
 
@@ -3294,16 +7617,23 @@
             <p:ph type="title"/>
           </p:nvPr>
         </p:nvSpPr>
-        <p:spPr/>
-        <p:txBody>
-          <a:bodyPr/>
+        <p:spPr>
+          <a:xfrm>
+            <a:off x="838200" y="365125"/>
+            <a:ext cx="10515600" cy="879475"/>
+          </a:xfrm>
+        </p:spPr>
+        <p:txBody>
+          <a:bodyPr>
+            <a:normAutofit/>
+          </a:bodyPr>
           <a:lstStyle/>
           <a:p>
             <a:r>
-              <a:rPr lang="id-ID" dirty="0" smtClean="0"/>
+              <a:rPr lang="id-ID" sz="3500" dirty="0" smtClean="0"/>
               <a:t>Penggolongan Narkoba II</a:t>
             </a:r>
-            <a:endParaRPr lang="en-US" dirty="0"/>
+            <a:endParaRPr lang="en-US" sz="3500" dirty="0"/>
           </a:p>
         </p:txBody>
       </p:sp>
@@ -3317,9 +7647,16 @@
             <p:ph idx="1"/>
           </p:nvPr>
         </p:nvSpPr>
-        <p:spPr/>
-        <p:txBody>
-          <a:bodyPr/>
+        <p:spPr>
+          <a:xfrm>
+            <a:off x="838200" y="1409700"/>
+            <a:ext cx="10515600" cy="4500563"/>
+          </a:xfrm>
+        </p:spPr>
+        <p:txBody>
+          <a:bodyPr>
+            <a:normAutofit lnSpcReduction="10000"/>
+          </a:bodyPr>
           <a:lstStyle/>
           <a:p>
             <a:pPr lvl="1"/>
@@ -3351,22 +7688,65 @@
             </a:r>
             <a:r>
               <a:rPr lang="id-ID" sz="2000" dirty="0" smtClean="0"/>
-              <a:t> pada aktivitas mental dan perilaku. Selengkapnya tentang Psikotropika ada di sini.</a:t>
+              <a:t> pada aktivitas mental dan perilaku. </a:t>
             </a:r>
           </a:p>
           <a:p>
             <a:r>
               <a:rPr lang="id-ID" sz="2300" dirty="0" smtClean="0"/>
-              <a:t>Zat Psiko-Aktif Lain</a:t>
+              <a:t>Penggolongan Psikotropika berdasarkan potensi ketergantungan</a:t>
             </a:r>
           </a:p>
           <a:p>
             <a:pPr lvl="1"/>
             <a:r>
-              <a:rPr lang="id-ID" sz="2000" dirty="0" smtClean="0"/>
-              <a:t>Yaitu zat atau bahan lain bukan narkotika dan psikotropika yang berpengaruh pada kinerja otak. Selengkapnya</a:t>
-            </a:r>
-            <a:endParaRPr lang="id-ID" sz="2000" dirty="0"/>
+              <a:rPr lang="id-ID" sz="1900" dirty="0" smtClean="0"/>
+              <a:t>Golongan 1 : amat kuat menyebabkan ketergantungan dan tidak digunakan dalam terapi.</a:t>
+            </a:r>
+            <a:br>
+              <a:rPr lang="id-ID" sz="1900" dirty="0" smtClean="0"/>
+            </a:br>
+            <a:r>
+              <a:rPr lang="id-ID" sz="1900" dirty="0" smtClean="0"/>
+              <a:t> 		   Contoh: MDMA(</a:t>
+            </a:r>
+            <a:r>
+              <a:rPr lang="id-ID" sz="1900" i="1" dirty="0" smtClean="0"/>
+              <a:t>extacy</a:t>
+            </a:r>
+            <a:r>
+              <a:rPr lang="id-ID" sz="1900" dirty="0" smtClean="0"/>
+              <a:t>), LSD, dan STP.</a:t>
+            </a:r>
+          </a:p>
+          <a:p>
+            <a:pPr lvl="1"/>
+            <a:r>
+              <a:rPr lang="id-ID" sz="1900" dirty="0" smtClean="0"/>
+              <a:t>Golongan 2 : Kuat untuk dapat menyebabkan ketergantungan dan digunakan secara terbatas 			   dalam terapi. Contoh: amfetamin, metamfetamin(sabu), fensiklidin, dan ritalin.</a:t>
+            </a:r>
+          </a:p>
+          <a:p>
+            <a:pPr lvl="1"/>
+            <a:r>
+              <a:rPr lang="id-ID" sz="1900" dirty="0" smtClean="0"/>
+              <a:t>Golongan 3 : Berpotensi sedang untuk dapat menyebabkan ketergantungan, cukup sering 			   digunakan dalam terapi. Contoh: pentobarbital dan flunitrazepan.</a:t>
+            </a:r>
+          </a:p>
+          <a:p>
+            <a:pPr lvl="1"/>
+            <a:r>
+              <a:rPr lang="id-ID" sz="1900" dirty="0" smtClean="0"/>
+              <a:t>Golongan 4 : potensi ringan untuk menyebabkan ketergantungan, dan sangat luas digunakan 			   dalam terapi. Contoh: diazepam,klobazam, fenobarbital,barbital, klorazepam, </a:t>
+            </a:r>
+            <a:r>
+              <a:rPr lang="en-US" sz="1900" dirty="0" smtClean="0"/>
+              <a:t>			   </a:t>
+            </a:r>
+            <a:r>
+              <a:rPr lang="id-ID" sz="1900" dirty="0" smtClean="0"/>
+              <a:t>klordiazepoksida, dan nitrazepam(pil BK/koplo, DUM, MG, Lexo, Rohyp, dll.)</a:t>
+            </a:r>
           </a:p>
         </p:txBody>
       </p:sp>
@@ -3380,6 +7760,13 @@
   <p:clrMapOvr>
     <a:masterClrMapping/>
   </p:clrMapOvr>
+  <p:timing>
+    <p:tnLst>
+      <p:par>
+        <p:cTn id="1" dur="indefinite" restart="never" nodeType="tmRoot"/>
+      </p:par>
+    </p:tnLst>
+  </p:timing>
 </p:sld>
 </file>
 
@@ -3412,14 +7799,162 @@
         </p:nvSpPr>
         <p:spPr/>
         <p:txBody>
+          <a:bodyPr>
+            <a:normAutofit/>
+          </a:bodyPr>
+          <a:lstStyle/>
+          <a:p>
+            <a:r>
+              <a:rPr lang="id-ID" sz="3500" dirty="0" smtClean="0"/>
+              <a:t>Penggolongan Narkoba III</a:t>
+            </a:r>
+            <a:endParaRPr lang="id-ID" sz="3500" dirty="0"/>
+          </a:p>
+        </p:txBody>
+      </p:sp>
+      <p:sp>
+        <p:nvSpPr>
+          <p:cNvPr id="3" name="Content Placeholder 2"/>
+          <p:cNvSpPr>
+            <a:spLocks noGrp="1"/>
+          </p:cNvSpPr>
+          <p:nvPr>
+            <p:ph idx="1"/>
+          </p:nvPr>
+        </p:nvSpPr>
+        <p:spPr/>
+        <p:txBody>
           <a:bodyPr/>
           <a:lstStyle/>
           <a:p>
             <a:r>
-              <a:rPr lang="id-ID" dirty="0" smtClean="0"/>
-              <a:t>Penggolongan Narkoba V</a:t>
-            </a:r>
-            <a:endParaRPr lang="en-US" dirty="0"/>
+              <a:rPr lang="id-ID" sz="2300" dirty="0"/>
+              <a:t>Zat Psiko-Aktif Lain</a:t>
+            </a:r>
+          </a:p>
+          <a:p>
+            <a:pPr lvl="1"/>
+            <a:r>
+              <a:rPr lang="id-ID" sz="2000" dirty="0"/>
+              <a:t>Yaitu zat atau bahan lain bukan narkotika dan psikotropika yang berpengaruh pada kinerja otak. </a:t>
+            </a:r>
+            <a:endParaRPr lang="id-ID" sz="2000" dirty="0" smtClean="0"/>
+          </a:p>
+          <a:p>
+            <a:r>
+              <a:rPr lang="id-ID" sz="2300" dirty="0" smtClean="0"/>
+              <a:t>Yang sering disalahgunakan :</a:t>
+            </a:r>
+            <a:endParaRPr lang="id-ID" sz="2300" dirty="0"/>
+          </a:p>
+          <a:p>
+            <a:pPr lvl="1"/>
+            <a:r>
+              <a:rPr lang="id-ID" sz="1900" dirty="0" smtClean="0"/>
+              <a:t>Alkohol, sering terdapat pada minuman keras</a:t>
+            </a:r>
+          </a:p>
+          <a:p>
+            <a:pPr lvl="1"/>
+            <a:r>
+              <a:rPr lang="id-ID" sz="1900" i="1" dirty="0" smtClean="0"/>
+              <a:t>Inhalansia/solven, </a:t>
+            </a:r>
+            <a:r>
+              <a:rPr lang="id-ID" sz="1900" dirty="0" smtClean="0"/>
+              <a:t>gas atau zat mudah menguap yang terdpat pada berbagai keperluan pabrik, kantor, dan rumah tangga</a:t>
+            </a:r>
+          </a:p>
+          <a:p>
+            <a:pPr lvl="1"/>
+            <a:r>
+              <a:rPr lang="id-ID" sz="1900" i="1" dirty="0" smtClean="0"/>
+              <a:t>Nikotin</a:t>
+            </a:r>
+            <a:r>
+              <a:rPr lang="id-ID" sz="1900" dirty="0" smtClean="0"/>
+              <a:t> yang terdapat pada tembakau</a:t>
+            </a:r>
+          </a:p>
+          <a:p>
+            <a:pPr lvl="1"/>
+            <a:r>
+              <a:rPr lang="id-ID" sz="1900" i="1" dirty="0" smtClean="0"/>
+              <a:t>Kafein </a:t>
+            </a:r>
+            <a:r>
+              <a:rPr lang="id-ID" sz="1900" dirty="0" smtClean="0"/>
+              <a:t>pada kopi, minuman penambah stamina, dan beberapa obat sakit kepala.</a:t>
+            </a:r>
+            <a:endParaRPr lang="id-ID" sz="1900" i="1" dirty="0"/>
+          </a:p>
+        </p:txBody>
+      </p:sp>
+    </p:spTree>
+    <p:extLst>
+      <p:ext uri="{BB962C8B-B14F-4D97-AF65-F5344CB8AC3E}">
+        <p14:creationId xmlns:p14="http://schemas.microsoft.com/office/powerpoint/2010/main" val="715153025"/>
+      </p:ext>
+    </p:extLst>
+  </p:cSld>
+  <p:clrMapOvr>
+    <a:masterClrMapping/>
+  </p:clrMapOvr>
+  <p:timing>
+    <p:tnLst>
+      <p:par>
+        <p:cTn id="1" dur="indefinite" restart="never" nodeType="tmRoot"/>
+      </p:par>
+    </p:tnLst>
+  </p:timing>
+</p:sld>
+</file>
+
+<file path=ppt/slides/slide6.xml><?xml version="1.0" encoding="utf-8"?>
+<p:sld xmlns:a="http://schemas.openxmlformats.org/drawingml/2006/main" xmlns:r="http://schemas.openxmlformats.org/officeDocument/2006/relationships" xmlns:p="http://schemas.openxmlformats.org/presentationml/2006/main">
+  <p:cSld>
+    <p:spTree>
+      <p:nvGrpSpPr>
+        <p:cNvPr id="1" name=""/>
+        <p:cNvGrpSpPr/>
+        <p:nvPr/>
+      </p:nvGrpSpPr>
+      <p:grpSpPr>
+        <a:xfrm>
+          <a:off x="0" y="0"/>
+          <a:ext cx="0" cy="0"/>
+          <a:chOff x="0" y="0"/>
+          <a:chExt cx="0" cy="0"/>
+        </a:xfrm>
+      </p:grpSpPr>
+      <p:sp>
+        <p:nvSpPr>
+          <p:cNvPr id="2" name="Title 1"/>
+          <p:cNvSpPr>
+            <a:spLocks noGrp="1"/>
+          </p:cNvSpPr>
+          <p:nvPr>
+            <p:ph type="title"/>
+          </p:nvPr>
+        </p:nvSpPr>
+        <p:spPr>
+          <a:xfrm>
+            <a:off x="838200" y="365125"/>
+            <a:ext cx="10515600" cy="1019175"/>
+          </a:xfrm>
+        </p:spPr>
+        <p:txBody>
+          <a:bodyPr>
+            <a:normAutofit/>
+          </a:bodyPr>
+          <a:lstStyle/>
+          <a:p>
+            <a:pPr algn="ctr"/>
+            <a:r>
+              <a:rPr lang="id-ID" sz="3500" dirty="0" smtClean="0"/>
+              <a:t>Penggolongan Narkoba menurut WHO</a:t>
+            </a:r>
+            <a:endParaRPr lang="en-US" sz="3500" dirty="0"/>
           </a:p>
         </p:txBody>
       </p:sp>
@@ -3579,6 +8114,1687 @@
   <p:clrMapOvr>
     <a:masterClrMapping/>
   </p:clrMapOvr>
+  <p:timing>
+    <p:tnLst>
+      <p:par>
+        <p:cTn id="1" dur="indefinite" restart="never" nodeType="tmRoot"/>
+      </p:par>
+    </p:tnLst>
+  </p:timing>
+</p:sld>
+</file>
+
+<file path=ppt/slides/slide7.xml><?xml version="1.0" encoding="utf-8"?>
+<p:sld xmlns:a="http://schemas.openxmlformats.org/drawingml/2006/main" xmlns:r="http://schemas.openxmlformats.org/officeDocument/2006/relationships" xmlns:p="http://schemas.openxmlformats.org/presentationml/2006/main">
+  <p:cSld>
+    <p:spTree>
+      <p:nvGrpSpPr>
+        <p:cNvPr id="1" name=""/>
+        <p:cNvGrpSpPr/>
+        <p:nvPr/>
+      </p:nvGrpSpPr>
+      <p:grpSpPr>
+        <a:xfrm>
+          <a:off x="0" y="0"/>
+          <a:ext cx="0" cy="0"/>
+          <a:chOff x="0" y="0"/>
+          <a:chExt cx="0" cy="0"/>
+        </a:xfrm>
+      </p:grpSpPr>
+      <p:sp>
+        <p:nvSpPr>
+          <p:cNvPr id="2" name="Title 1"/>
+          <p:cNvSpPr>
+            <a:spLocks noGrp="1"/>
+          </p:cNvSpPr>
+          <p:nvPr>
+            <p:ph type="title"/>
+          </p:nvPr>
+        </p:nvSpPr>
+        <p:spPr/>
+        <p:txBody>
+          <a:bodyPr>
+            <a:normAutofit/>
+          </a:bodyPr>
+          <a:lstStyle/>
+          <a:p>
+            <a:pPr algn="ctr"/>
+            <a:r>
+              <a:rPr lang="id-ID" sz="3000" dirty="0" smtClean="0"/>
+              <a:t>Contoh Beberapa Jenis Narkotika Golongan Opioida</a:t>
+            </a:r>
+            <a:endParaRPr lang="id-ID" sz="3000" dirty="0"/>
+          </a:p>
+        </p:txBody>
+      </p:sp>
+      <p:pic>
+        <p:nvPicPr>
+          <p:cNvPr id="1026" name="Picture 2" descr="https://upload.wikimedia.org/wikipedia/commons/thumb/7/71/Poppies_in_the_Sunset_on_Lake_Geneva.jpg/220px-Poppies_in_the_Sunset_on_Lake_Geneva.jpg"/>
+          <p:cNvPicPr>
+            <a:picLocks noGrp="1" noChangeAspect="1" noChangeArrowheads="1"/>
+          </p:cNvPicPr>
+          <p:nvPr>
+            <p:ph idx="1"/>
+          </p:nvPr>
+        </p:nvPicPr>
+        <p:blipFill>
+          <a:blip r:embed="rId2">
+            <a:extLst>
+              <a:ext uri="{28A0092B-C50C-407E-A947-70E740481C1C}">
+                <a14:useLocalDpi xmlns:a14="http://schemas.microsoft.com/office/drawing/2010/main" val="0"/>
+              </a:ext>
+            </a:extLst>
+          </a:blip>
+          <a:srcRect/>
+          <a:stretch>
+            <a:fillRect/>
+          </a:stretch>
+        </p:blipFill>
+        <p:spPr bwMode="auto">
+          <a:xfrm>
+            <a:off x="263434" y="1372008"/>
+            <a:ext cx="1402528" cy="1880662"/>
+          </a:xfrm>
+          <a:prstGeom prst="rect">
+            <a:avLst/>
+          </a:prstGeom>
+          <a:noFill/>
+          <a:extLst>
+            <a:ext uri="{909E8E84-426E-40DD-AFC4-6F175D3DCCD1}">
+              <a14:hiddenFill xmlns:a14="http://schemas.microsoft.com/office/drawing/2010/main">
+                <a:solidFill>
+                  <a:srgbClr val="FFFFFF"/>
+                </a:solidFill>
+              </a14:hiddenFill>
+            </a:ext>
+          </a:extLst>
+        </p:spPr>
+      </p:pic>
+      <p:sp>
+        <p:nvSpPr>
+          <p:cNvPr id="4" name="TextBox 3"/>
+          <p:cNvSpPr txBox="1"/>
+          <p:nvPr/>
+        </p:nvSpPr>
+        <p:spPr>
+          <a:xfrm>
+            <a:off x="257175" y="3228975"/>
+            <a:ext cx="1381125" cy="507831"/>
+          </a:xfrm>
+          <a:prstGeom prst="rect">
+            <a:avLst/>
+          </a:prstGeom>
+          <a:noFill/>
+        </p:spPr>
+        <p:txBody>
+          <a:bodyPr wrap="square" rtlCol="0">
+            <a:spAutoFit/>
+          </a:bodyPr>
+          <a:lstStyle/>
+          <a:p>
+            <a:r>
+              <a:rPr lang="id-ID" sz="900" dirty="0" smtClean="0"/>
+              <a:t>Bunga Poppy (candu) di danau Geneva, Montreux. Src: wikipedia</a:t>
+            </a:r>
+            <a:endParaRPr lang="id-ID" sz="900" dirty="0"/>
+          </a:p>
+        </p:txBody>
+      </p:sp>
+      <p:pic>
+        <p:nvPicPr>
+          <p:cNvPr id="1028" name="Picture 4" descr="Hasil gambar untuk morfin HCl"/>
+          <p:cNvPicPr>
+            <a:picLocks noChangeAspect="1" noChangeArrowheads="1"/>
+          </p:cNvPicPr>
+          <p:nvPr/>
+        </p:nvPicPr>
+        <p:blipFill>
+          <a:blip r:embed="rId3">
+            <a:extLst>
+              <a:ext uri="{28A0092B-C50C-407E-A947-70E740481C1C}">
+                <a14:useLocalDpi xmlns:a14="http://schemas.microsoft.com/office/drawing/2010/main" val="0"/>
+              </a:ext>
+            </a:extLst>
+          </a:blip>
+          <a:srcRect/>
+          <a:stretch>
+            <a:fillRect/>
+          </a:stretch>
+        </p:blipFill>
+        <p:spPr bwMode="auto">
+          <a:xfrm>
+            <a:off x="2593975" y="1688881"/>
+            <a:ext cx="2095500" cy="1571626"/>
+          </a:xfrm>
+          <a:prstGeom prst="rect">
+            <a:avLst/>
+          </a:prstGeom>
+          <a:noFill/>
+          <a:extLst>
+            <a:ext uri="{909E8E84-426E-40DD-AFC4-6F175D3DCCD1}">
+              <a14:hiddenFill xmlns:a14="http://schemas.microsoft.com/office/drawing/2010/main">
+                <a:solidFill>
+                  <a:srgbClr val="FFFFFF"/>
+                </a:solidFill>
+              </a14:hiddenFill>
+            </a:ext>
+          </a:extLst>
+        </p:spPr>
+      </p:pic>
+      <p:sp>
+        <p:nvSpPr>
+          <p:cNvPr id="5" name="TextBox 4"/>
+          <p:cNvSpPr txBox="1"/>
+          <p:nvPr/>
+        </p:nvSpPr>
+        <p:spPr>
+          <a:xfrm>
+            <a:off x="2584450" y="3374688"/>
+            <a:ext cx="2114550" cy="230832"/>
+          </a:xfrm>
+          <a:prstGeom prst="rect">
+            <a:avLst/>
+          </a:prstGeom>
+          <a:noFill/>
+        </p:spPr>
+        <p:txBody>
+          <a:bodyPr wrap="square" rtlCol="0">
+            <a:spAutoFit/>
+          </a:bodyPr>
+          <a:lstStyle/>
+          <a:p>
+            <a:r>
+              <a:rPr lang="id-ID" sz="900" dirty="0" smtClean="0"/>
+              <a:t>Morfin. Src:wikipedia</a:t>
+            </a:r>
+            <a:endParaRPr lang="id-ID" sz="900" dirty="0"/>
+          </a:p>
+        </p:txBody>
+      </p:sp>
+      <p:sp>
+        <p:nvSpPr>
+          <p:cNvPr id="6" name="AutoShape 6" descr="Hasil gambar untuk heroin murni"/>
+          <p:cNvSpPr>
+            <a:spLocks noChangeAspect="1" noChangeArrowheads="1"/>
+          </p:cNvSpPr>
+          <p:nvPr/>
+        </p:nvSpPr>
+        <p:spPr bwMode="auto">
+          <a:xfrm>
+            <a:off x="155575" y="-1927225"/>
+            <a:ext cx="6029325" cy="4019550"/>
+          </a:xfrm>
+          <a:prstGeom prst="rect">
+            <a:avLst/>
+          </a:prstGeom>
+          <a:noFill/>
+          <a:extLst>
+            <a:ext uri="{909E8E84-426E-40DD-AFC4-6F175D3DCCD1}">
+              <a14:hiddenFill xmlns:a14="http://schemas.microsoft.com/office/drawing/2010/main">
+                <a:solidFill>
+                  <a:srgbClr val="FFFFFF"/>
+                </a:solidFill>
+              </a14:hiddenFill>
+            </a:ext>
+          </a:extLst>
+        </p:spPr>
+        <p:txBody>
+          <a:bodyPr vert="horz" wrap="square" lIns="91440" tIns="45720" rIns="91440" bIns="45720" numCol="1" anchor="t" anchorCtr="0" compatLnSpc="1">
+            <a:prstTxWarp prst="textNoShape">
+              <a:avLst/>
+            </a:prstTxWarp>
+          </a:bodyPr>
+          <a:lstStyle/>
+          <a:p>
+            <a:endParaRPr lang="id-ID"/>
+          </a:p>
+        </p:txBody>
+      </p:sp>
+      <p:pic>
+        <p:nvPicPr>
+          <p:cNvPr id="1034" name="Picture 10" descr="https://jualrapidtest.files.wordpress.com/2015/09/o-norway-heroin-facebook.jpg"/>
+          <p:cNvPicPr>
+            <a:picLocks noChangeAspect="1" noChangeArrowheads="1"/>
+          </p:cNvPicPr>
+          <p:nvPr/>
+        </p:nvPicPr>
+        <p:blipFill>
+          <a:blip r:embed="rId4" cstate="print">
+            <a:extLst>
+              <a:ext uri="{28A0092B-C50C-407E-A947-70E740481C1C}">
+                <a14:useLocalDpi xmlns:a14="http://schemas.microsoft.com/office/drawing/2010/main" val="0"/>
+              </a:ext>
+            </a:extLst>
+          </a:blip>
+          <a:srcRect/>
+          <a:stretch>
+            <a:fillRect/>
+          </a:stretch>
+        </p:blipFill>
+        <p:spPr bwMode="auto">
+          <a:xfrm>
+            <a:off x="5378450" y="1635426"/>
+            <a:ext cx="2489090" cy="1660223"/>
+          </a:xfrm>
+          <a:prstGeom prst="rect">
+            <a:avLst/>
+          </a:prstGeom>
+          <a:noFill/>
+          <a:extLst>
+            <a:ext uri="{909E8E84-426E-40DD-AFC4-6F175D3DCCD1}">
+              <a14:hiddenFill xmlns:a14="http://schemas.microsoft.com/office/drawing/2010/main">
+                <a:solidFill>
+                  <a:srgbClr val="FFFFFF"/>
+                </a:solidFill>
+              </a14:hiddenFill>
+            </a:ext>
+          </a:extLst>
+        </p:spPr>
+      </p:pic>
+      <p:pic>
+        <p:nvPicPr>
+          <p:cNvPr id="1038" name="Picture 14" descr="Hasil gambar untuk heroin no.3"/>
+          <p:cNvPicPr>
+            <a:picLocks noChangeAspect="1" noChangeArrowheads="1"/>
+          </p:cNvPicPr>
+          <p:nvPr/>
+        </p:nvPicPr>
+        <p:blipFill>
+          <a:blip r:embed="rId5">
+            <a:extLst>
+              <a:ext uri="{28A0092B-C50C-407E-A947-70E740481C1C}">
+                <a14:useLocalDpi xmlns:a14="http://schemas.microsoft.com/office/drawing/2010/main" val="0"/>
+              </a:ext>
+            </a:extLst>
+          </a:blip>
+          <a:srcRect/>
+          <a:stretch>
+            <a:fillRect/>
+          </a:stretch>
+        </p:blipFill>
+        <p:spPr bwMode="auto">
+          <a:xfrm>
+            <a:off x="8442306" y="1465261"/>
+            <a:ext cx="2579408" cy="1830388"/>
+          </a:xfrm>
+          <a:prstGeom prst="rect">
+            <a:avLst/>
+          </a:prstGeom>
+          <a:noFill/>
+          <a:extLst>
+            <a:ext uri="{909E8E84-426E-40DD-AFC4-6F175D3DCCD1}">
+              <a14:hiddenFill xmlns:a14="http://schemas.microsoft.com/office/drawing/2010/main">
+                <a:solidFill>
+                  <a:srgbClr val="FFFFFF"/>
+                </a:solidFill>
+              </a14:hiddenFill>
+            </a:ext>
+          </a:extLst>
+        </p:spPr>
+      </p:pic>
+      <p:pic>
+        <p:nvPicPr>
+          <p:cNvPr id="1044" name="Picture 20" descr="Hasil gambar untuk heroin no.4"/>
+          <p:cNvPicPr>
+            <a:picLocks noChangeAspect="1" noChangeArrowheads="1"/>
+          </p:cNvPicPr>
+          <p:nvPr/>
+        </p:nvPicPr>
+        <p:blipFill>
+          <a:blip r:embed="rId6" cstate="print">
+            <a:extLst>
+              <a:ext uri="{28A0092B-C50C-407E-A947-70E740481C1C}">
+                <a14:useLocalDpi xmlns:a14="http://schemas.microsoft.com/office/drawing/2010/main" val="0"/>
+              </a:ext>
+            </a:extLst>
+          </a:blip>
+          <a:srcRect/>
+          <a:stretch>
+            <a:fillRect/>
+          </a:stretch>
+        </p:blipFill>
+        <p:spPr bwMode="auto">
+          <a:xfrm>
+            <a:off x="152692" y="4342023"/>
+            <a:ext cx="1957792" cy="2015093"/>
+          </a:xfrm>
+          <a:prstGeom prst="rect">
+            <a:avLst/>
+          </a:prstGeom>
+          <a:noFill/>
+          <a:extLst>
+            <a:ext uri="{909E8E84-426E-40DD-AFC4-6F175D3DCCD1}">
+              <a14:hiddenFill xmlns:a14="http://schemas.microsoft.com/office/drawing/2010/main">
+                <a:solidFill>
+                  <a:srgbClr val="FFFFFF"/>
+                </a:solidFill>
+              </a14:hiddenFill>
+            </a:ext>
+          </a:extLst>
+        </p:spPr>
+      </p:pic>
+      <p:pic>
+        <p:nvPicPr>
+          <p:cNvPr id="1050" name="Picture 26" descr="Hasil gambar untuk Perangkat pemakaian heroin"/>
+          <p:cNvPicPr>
+            <a:picLocks noChangeAspect="1" noChangeArrowheads="1"/>
+          </p:cNvPicPr>
+          <p:nvPr/>
+        </p:nvPicPr>
+        <p:blipFill>
+          <a:blip r:embed="rId7">
+            <a:extLst>
+              <a:ext uri="{28A0092B-C50C-407E-A947-70E740481C1C}">
+                <a14:useLocalDpi xmlns:a14="http://schemas.microsoft.com/office/drawing/2010/main" val="0"/>
+              </a:ext>
+            </a:extLst>
+          </a:blip>
+          <a:srcRect/>
+          <a:stretch>
+            <a:fillRect/>
+          </a:stretch>
+        </p:blipFill>
+        <p:spPr bwMode="auto">
+          <a:xfrm>
+            <a:off x="2601560" y="4279564"/>
+            <a:ext cx="1922815" cy="1884359"/>
+          </a:xfrm>
+          <a:prstGeom prst="rect">
+            <a:avLst/>
+          </a:prstGeom>
+          <a:noFill/>
+          <a:extLst>
+            <a:ext uri="{909E8E84-426E-40DD-AFC4-6F175D3DCCD1}">
+              <a14:hiddenFill xmlns:a14="http://schemas.microsoft.com/office/drawing/2010/main">
+                <a:solidFill>
+                  <a:srgbClr val="FFFFFF"/>
+                </a:solidFill>
+              </a14:hiddenFill>
+            </a:ext>
+          </a:extLst>
+        </p:spPr>
+      </p:pic>
+      <p:sp>
+        <p:nvSpPr>
+          <p:cNvPr id="13" name="TextBox 12"/>
+          <p:cNvSpPr txBox="1"/>
+          <p:nvPr/>
+        </p:nvSpPr>
+        <p:spPr>
+          <a:xfrm>
+            <a:off x="2593975" y="6143625"/>
+            <a:ext cx="1968500" cy="369332"/>
+          </a:xfrm>
+          <a:prstGeom prst="rect">
+            <a:avLst/>
+          </a:prstGeom>
+          <a:noFill/>
+        </p:spPr>
+        <p:txBody>
+          <a:bodyPr wrap="square" rtlCol="0">
+            <a:spAutoFit/>
+          </a:bodyPr>
+          <a:lstStyle/>
+          <a:p>
+            <a:r>
+              <a:rPr lang="id-ID" sz="900" dirty="0" smtClean="0"/>
+              <a:t>Perangkat penggunaan heroin</a:t>
+            </a:r>
+          </a:p>
+          <a:p>
+            <a:r>
+              <a:rPr lang="id-ID" sz="900" dirty="0" smtClean="0"/>
+              <a:t>Src: zamaninodrugs.blogspot.com</a:t>
+            </a:r>
+            <a:endParaRPr lang="id-ID" sz="900" dirty="0"/>
+          </a:p>
+        </p:txBody>
+      </p:sp>
+    </p:spTree>
+    <p:extLst>
+      <p:ext uri="{BB962C8B-B14F-4D97-AF65-F5344CB8AC3E}">
+        <p14:creationId xmlns:p14="http://schemas.microsoft.com/office/powerpoint/2010/main" val="3560365117"/>
+      </p:ext>
+    </p:extLst>
+  </p:cSld>
+  <p:clrMapOvr>
+    <a:masterClrMapping/>
+  </p:clrMapOvr>
+  <p:timing>
+    <p:tnLst>
+      <p:par>
+        <p:cTn id="1" dur="indefinite" restart="never" nodeType="tmRoot"/>
+      </p:par>
+    </p:tnLst>
+  </p:timing>
+</p:sld>
+</file>
+
+<file path=ppt/slides/slide8.xml><?xml version="1.0" encoding="utf-8"?>
+<p:sld xmlns:a="http://schemas.openxmlformats.org/drawingml/2006/main" xmlns:r="http://schemas.openxmlformats.org/officeDocument/2006/relationships" xmlns:p="http://schemas.openxmlformats.org/presentationml/2006/main">
+  <p:cSld>
+    <p:spTree>
+      <p:nvGrpSpPr>
+        <p:cNvPr id="1" name=""/>
+        <p:cNvGrpSpPr/>
+        <p:nvPr/>
+      </p:nvGrpSpPr>
+      <p:grpSpPr>
+        <a:xfrm>
+          <a:off x="0" y="0"/>
+          <a:ext cx="0" cy="0"/>
+          <a:chOff x="0" y="0"/>
+          <a:chExt cx="0" cy="0"/>
+        </a:xfrm>
+      </p:grpSpPr>
+      <p:sp>
+        <p:nvSpPr>
+          <p:cNvPr id="3" name="Content Placeholder 2"/>
+          <p:cNvSpPr>
+            <a:spLocks noGrp="1"/>
+          </p:cNvSpPr>
+          <p:nvPr>
+            <p:ph idx="1"/>
+          </p:nvPr>
+        </p:nvSpPr>
+        <p:spPr>
+          <a:xfrm>
+            <a:off x="0" y="0"/>
+            <a:ext cx="12192000" cy="6858000"/>
+          </a:xfrm>
+        </p:spPr>
+        <p:txBody>
+          <a:bodyPr>
+            <a:normAutofit/>
+          </a:bodyPr>
+          <a:lstStyle/>
+          <a:p>
+            <a:r>
+              <a:rPr lang="id-ID" sz="2500" dirty="0" smtClean="0"/>
+              <a:t>Koka dan Daun Koka</a:t>
+            </a:r>
+            <a:endParaRPr lang="id-ID" sz="2500" dirty="0"/>
+          </a:p>
+        </p:txBody>
+      </p:sp>
+      <p:pic>
+        <p:nvPicPr>
+          <p:cNvPr id="1026" name="Picture 2" descr="https://upload.wikimedia.org/wikipedia/commons/thumb/3/37/Folha_de_coca.jpg/220px-Folha_de_coca.jpg"/>
+          <p:cNvPicPr>
+            <a:picLocks noChangeAspect="1" noChangeArrowheads="1"/>
+          </p:cNvPicPr>
+          <p:nvPr/>
+        </p:nvPicPr>
+        <p:blipFill>
+          <a:blip r:embed="rId2">
+            <a:extLst>
+              <a:ext uri="{28A0092B-C50C-407E-A947-70E740481C1C}">
+                <a14:useLocalDpi xmlns:a14="http://schemas.microsoft.com/office/drawing/2010/main" val="0"/>
+              </a:ext>
+            </a:extLst>
+          </a:blip>
+          <a:srcRect/>
+          <a:stretch>
+            <a:fillRect/>
+          </a:stretch>
+        </p:blipFill>
+        <p:spPr bwMode="auto">
+          <a:xfrm>
+            <a:off x="155575" y="932516"/>
+            <a:ext cx="2095500" cy="1476375"/>
+          </a:xfrm>
+          <a:prstGeom prst="rect">
+            <a:avLst/>
+          </a:prstGeom>
+          <a:noFill/>
+          <a:extLst>
+            <a:ext uri="{909E8E84-426E-40DD-AFC4-6F175D3DCCD1}">
+              <a14:hiddenFill xmlns:a14="http://schemas.microsoft.com/office/drawing/2010/main">
+                <a:solidFill>
+                  <a:srgbClr val="FFFFFF"/>
+                </a:solidFill>
+              </a14:hiddenFill>
+            </a:ext>
+          </a:extLst>
+        </p:spPr>
+      </p:pic>
+      <p:sp>
+        <p:nvSpPr>
+          <p:cNvPr id="2" name="TextBox 1"/>
+          <p:cNvSpPr txBox="1"/>
+          <p:nvPr/>
+        </p:nvSpPr>
+        <p:spPr>
+          <a:xfrm>
+            <a:off x="155575" y="2408891"/>
+            <a:ext cx="2095500" cy="461665"/>
+          </a:xfrm>
+          <a:prstGeom prst="rect">
+            <a:avLst/>
+          </a:prstGeom>
+          <a:noFill/>
+        </p:spPr>
+        <p:txBody>
+          <a:bodyPr wrap="square" rtlCol="0">
+            <a:spAutoFit/>
+          </a:bodyPr>
+          <a:lstStyle/>
+          <a:p>
+            <a:pPr algn="ctr"/>
+            <a:r>
+              <a:rPr lang="en-US" sz="1200" dirty="0" err="1" smtClean="0"/>
+              <a:t>Daun</a:t>
+            </a:r>
+            <a:r>
+              <a:rPr lang="en-US" sz="1200" dirty="0" smtClean="0"/>
+              <a:t> </a:t>
+            </a:r>
+            <a:r>
+              <a:rPr lang="en-US" sz="1200" dirty="0" err="1" smtClean="0"/>
+              <a:t>koka</a:t>
+            </a:r>
+            <a:r>
+              <a:rPr lang="en-US" sz="1200" dirty="0" smtClean="0"/>
+              <a:t> di Bolivia</a:t>
+            </a:r>
+            <a:br>
+              <a:rPr lang="en-US" sz="1200" dirty="0" smtClean="0"/>
+            </a:br>
+            <a:r>
+              <a:rPr lang="en-US" sz="1200" dirty="0" err="1" smtClean="0"/>
+              <a:t>src:wikipedia</a:t>
+            </a:r>
+            <a:endParaRPr lang="en-US" sz="1200" dirty="0"/>
+          </a:p>
+        </p:txBody>
+      </p:sp>
+      <p:pic>
+        <p:nvPicPr>
+          <p:cNvPr id="1028" name="Picture 4" descr="https://upload.wikimedia.org/wikipedia/commons/thumb/b/b9/Cocaine_hydrochloride_CII_for_medicinal_use.jpg/170px-Cocaine_hydrochloride_CII_for_medicinal_use.jpg"/>
+          <p:cNvPicPr>
+            <a:picLocks noChangeAspect="1" noChangeArrowheads="1"/>
+          </p:cNvPicPr>
+          <p:nvPr/>
+        </p:nvPicPr>
+        <p:blipFill>
+          <a:blip r:embed="rId3">
+            <a:extLst>
+              <a:ext uri="{28A0092B-C50C-407E-A947-70E740481C1C}">
+                <a14:useLocalDpi xmlns:a14="http://schemas.microsoft.com/office/drawing/2010/main" val="0"/>
+              </a:ext>
+            </a:extLst>
+          </a:blip>
+          <a:srcRect/>
+          <a:stretch>
+            <a:fillRect/>
+          </a:stretch>
+        </p:blipFill>
+        <p:spPr bwMode="auto">
+          <a:xfrm>
+            <a:off x="393700" y="3364193"/>
+            <a:ext cx="1619250" cy="2838450"/>
+          </a:xfrm>
+          <a:prstGeom prst="rect">
+            <a:avLst/>
+          </a:prstGeom>
+          <a:noFill/>
+          <a:extLst>
+            <a:ext uri="{909E8E84-426E-40DD-AFC4-6F175D3DCCD1}">
+              <a14:hiddenFill xmlns:a14="http://schemas.microsoft.com/office/drawing/2010/main">
+                <a:solidFill>
+                  <a:srgbClr val="FFFFFF"/>
+                </a:solidFill>
+              </a14:hiddenFill>
+            </a:ext>
+          </a:extLst>
+        </p:spPr>
+      </p:pic>
+      <p:pic>
+        <p:nvPicPr>
+          <p:cNvPr id="1030" name="Picture 6" descr="https://upload.wikimedia.org/wikipedia/commons/thumb/6/6d/Cocaine_for_kids.png/220px-Cocaine_for_kids.png"/>
+          <p:cNvPicPr>
+            <a:picLocks noChangeAspect="1" noChangeArrowheads="1"/>
+          </p:cNvPicPr>
+          <p:nvPr/>
+        </p:nvPicPr>
+        <p:blipFill>
+          <a:blip r:embed="rId4">
+            <a:extLst>
+              <a:ext uri="{28A0092B-C50C-407E-A947-70E740481C1C}">
+                <a14:useLocalDpi xmlns:a14="http://schemas.microsoft.com/office/drawing/2010/main" val="0"/>
+              </a:ext>
+            </a:extLst>
+          </a:blip>
+          <a:srcRect/>
+          <a:stretch>
+            <a:fillRect/>
+          </a:stretch>
+        </p:blipFill>
+        <p:spPr bwMode="auto">
+          <a:xfrm>
+            <a:off x="2651125" y="3364193"/>
+            <a:ext cx="2095500" cy="1285876"/>
+          </a:xfrm>
+          <a:prstGeom prst="rect">
+            <a:avLst/>
+          </a:prstGeom>
+          <a:noFill/>
+          <a:extLst>
+            <a:ext uri="{909E8E84-426E-40DD-AFC4-6F175D3DCCD1}">
+              <a14:hiddenFill xmlns:a14="http://schemas.microsoft.com/office/drawing/2010/main">
+                <a:solidFill>
+                  <a:srgbClr val="FFFFFF"/>
+                </a:solidFill>
+              </a14:hiddenFill>
+            </a:ext>
+          </a:extLst>
+        </p:spPr>
+      </p:pic>
+      <p:sp>
+        <p:nvSpPr>
+          <p:cNvPr id="4" name="TextBox 3"/>
+          <p:cNvSpPr txBox="1"/>
+          <p:nvPr/>
+        </p:nvSpPr>
+        <p:spPr>
+          <a:xfrm>
+            <a:off x="2651125" y="4650069"/>
+            <a:ext cx="2095500" cy="830997"/>
+          </a:xfrm>
+          <a:prstGeom prst="rect">
+            <a:avLst/>
+          </a:prstGeom>
+          <a:noFill/>
+        </p:spPr>
+        <p:txBody>
+          <a:bodyPr wrap="square" rtlCol="0">
+            <a:spAutoFit/>
+          </a:bodyPr>
+          <a:lstStyle/>
+          <a:p>
+            <a:r>
+              <a:rPr lang="en-US" sz="1200" dirty="0" err="1" smtClean="0"/>
+              <a:t>Iklan</a:t>
+            </a:r>
+            <a:r>
+              <a:rPr lang="en-US" sz="1200" dirty="0" smtClean="0"/>
+              <a:t> </a:t>
+            </a:r>
+            <a:r>
+              <a:rPr lang="en-US" sz="1200" dirty="0" err="1" smtClean="0"/>
+              <a:t>tentang</a:t>
+            </a:r>
+            <a:r>
+              <a:rPr lang="en-US" sz="1200" dirty="0" smtClean="0"/>
+              <a:t> </a:t>
+            </a:r>
+            <a:r>
+              <a:rPr lang="en-US" sz="1200" dirty="0" err="1" smtClean="0"/>
+              <a:t>kokain</a:t>
+            </a:r>
+            <a:r>
+              <a:rPr lang="en-US" sz="1200" dirty="0" smtClean="0"/>
+              <a:t> yang </a:t>
+            </a:r>
+            <a:r>
+              <a:rPr lang="en-US" sz="1200" dirty="0" err="1" smtClean="0"/>
+              <a:t>digunakan</a:t>
+            </a:r>
+            <a:r>
+              <a:rPr lang="en-US" sz="1200" dirty="0" smtClean="0"/>
+              <a:t> </a:t>
+            </a:r>
+            <a:r>
+              <a:rPr lang="en-US" sz="1200" dirty="0" err="1" smtClean="0"/>
+              <a:t>sebagai</a:t>
+            </a:r>
+            <a:r>
+              <a:rPr lang="en-US" sz="1200" dirty="0" smtClean="0"/>
+              <a:t> </a:t>
+            </a:r>
+            <a:r>
+              <a:rPr lang="en-US" sz="1200" dirty="0" err="1" smtClean="0"/>
+              <a:t>obat</a:t>
+            </a:r>
+            <a:r>
+              <a:rPr lang="en-US" sz="1200" dirty="0" smtClean="0"/>
+              <a:t> </a:t>
+            </a:r>
+            <a:r>
+              <a:rPr lang="en-US" sz="1200" dirty="0" err="1" smtClean="0"/>
+              <a:t>sakit</a:t>
+            </a:r>
+            <a:r>
+              <a:rPr lang="en-US" sz="1200" dirty="0" smtClean="0"/>
+              <a:t> </a:t>
+            </a:r>
+            <a:r>
+              <a:rPr lang="en-US" sz="1200" dirty="0" err="1" smtClean="0"/>
+              <a:t>gigi</a:t>
+            </a:r>
+            <a:r>
+              <a:rPr lang="en-US" sz="1200" dirty="0" smtClean="0"/>
+              <a:t> </a:t>
+            </a:r>
+            <a:r>
+              <a:rPr lang="en-US" sz="1200" dirty="0" err="1" smtClean="0"/>
+              <a:t>pada</a:t>
+            </a:r>
+            <a:r>
+              <a:rPr lang="en-US" sz="1200" dirty="0" smtClean="0"/>
+              <a:t> </a:t>
+            </a:r>
+            <a:r>
+              <a:rPr lang="en-US" sz="1200" dirty="0" err="1" smtClean="0"/>
+              <a:t>anak</a:t>
+            </a:r>
+            <a:r>
+              <a:rPr lang="en-US" sz="1200" dirty="0" smtClean="0"/>
+              <a:t> di </a:t>
+            </a:r>
+            <a:r>
+              <a:rPr lang="en-US" sz="1200" dirty="0" err="1" smtClean="0"/>
+              <a:t>tahun</a:t>
+            </a:r>
+            <a:r>
+              <a:rPr lang="en-US" sz="1200" dirty="0" smtClean="0"/>
+              <a:t> 1885</a:t>
+            </a:r>
+          </a:p>
+          <a:p>
+            <a:r>
+              <a:rPr lang="en-US" sz="1200" dirty="0" err="1" smtClean="0"/>
+              <a:t>Src:wikipedia</a:t>
+            </a:r>
+            <a:endParaRPr lang="en-US" sz="1200" dirty="0"/>
+          </a:p>
+        </p:txBody>
+      </p:sp>
+      <p:pic>
+        <p:nvPicPr>
+          <p:cNvPr id="1032" name="Picture 8" descr="https://upload.wikimedia.org/wikipedia/commons/thumb/6/64/Flavcocaine.jpg/220px-Flavcocaine.jpg"/>
+          <p:cNvPicPr>
+            <a:picLocks noChangeAspect="1" noChangeArrowheads="1"/>
+          </p:cNvPicPr>
+          <p:nvPr/>
+        </p:nvPicPr>
+        <p:blipFill>
+          <a:blip r:embed="rId5">
+            <a:extLst>
+              <a:ext uri="{28A0092B-C50C-407E-A947-70E740481C1C}">
+                <a14:useLocalDpi xmlns:a14="http://schemas.microsoft.com/office/drawing/2010/main" val="0"/>
+              </a:ext>
+            </a:extLst>
+          </a:blip>
+          <a:srcRect/>
+          <a:stretch>
+            <a:fillRect/>
+          </a:stretch>
+        </p:blipFill>
+        <p:spPr bwMode="auto">
+          <a:xfrm>
+            <a:off x="2574925" y="932516"/>
+            <a:ext cx="2095500" cy="952500"/>
+          </a:xfrm>
+          <a:prstGeom prst="rect">
+            <a:avLst/>
+          </a:prstGeom>
+          <a:noFill/>
+          <a:extLst>
+            <a:ext uri="{909E8E84-426E-40DD-AFC4-6F175D3DCCD1}">
+              <a14:hiddenFill xmlns:a14="http://schemas.microsoft.com/office/drawing/2010/main">
+                <a:solidFill>
+                  <a:srgbClr val="FFFFFF"/>
+                </a:solidFill>
+              </a14:hiddenFill>
+            </a:ext>
+          </a:extLst>
+        </p:spPr>
+      </p:pic>
+      <p:sp>
+        <p:nvSpPr>
+          <p:cNvPr id="5" name="TextBox 4"/>
+          <p:cNvSpPr txBox="1"/>
+          <p:nvPr/>
+        </p:nvSpPr>
+        <p:spPr>
+          <a:xfrm>
+            <a:off x="2574925" y="1885016"/>
+            <a:ext cx="2095500" cy="461665"/>
+          </a:xfrm>
+          <a:prstGeom prst="rect">
+            <a:avLst/>
+          </a:prstGeom>
+          <a:noFill/>
+        </p:spPr>
+        <p:txBody>
+          <a:bodyPr wrap="square" rtlCol="0">
+            <a:spAutoFit/>
+          </a:bodyPr>
+          <a:lstStyle/>
+          <a:p>
+            <a:r>
+              <a:rPr lang="en-US" sz="1200" dirty="0" err="1" smtClean="0"/>
+              <a:t>Kokain</a:t>
+            </a:r>
+            <a:r>
+              <a:rPr lang="en-US" sz="1200" dirty="0" smtClean="0"/>
+              <a:t> </a:t>
+            </a:r>
+            <a:r>
+              <a:rPr lang="en-US" sz="1200" dirty="0" err="1" smtClean="0"/>
+              <a:t>dengan</a:t>
+            </a:r>
+            <a:r>
+              <a:rPr lang="en-US" sz="1200" dirty="0" smtClean="0"/>
+              <a:t> rasa </a:t>
+            </a:r>
+            <a:r>
+              <a:rPr lang="en-US" sz="1200" dirty="0" err="1" smtClean="0"/>
+              <a:t>buah-buahan</a:t>
+            </a:r>
+            <a:r>
+              <a:rPr lang="en-US" sz="1200" dirty="0" smtClean="0"/>
+              <a:t>. </a:t>
+            </a:r>
+            <a:r>
+              <a:rPr lang="en-US" sz="1200" dirty="0" err="1" smtClean="0"/>
+              <a:t>Src:wikipedia</a:t>
+            </a:r>
+            <a:endParaRPr lang="en-US" sz="1200" dirty="0"/>
+          </a:p>
+        </p:txBody>
+      </p:sp>
+      <p:pic>
+        <p:nvPicPr>
+          <p:cNvPr id="1034" name="Picture 10" descr="https://upload.wikimedia.org/wikipedia/commons/thumb/c/c7/Rocks_of_crack_cocaine.jpg/200px-Rocks_of_crack_cocaine.jpg"/>
+          <p:cNvPicPr>
+            <a:picLocks noChangeAspect="1" noChangeArrowheads="1"/>
+          </p:cNvPicPr>
+          <p:nvPr/>
+        </p:nvPicPr>
+        <p:blipFill>
+          <a:blip r:embed="rId6">
+            <a:extLst>
+              <a:ext uri="{28A0092B-C50C-407E-A947-70E740481C1C}">
+                <a14:useLocalDpi xmlns:a14="http://schemas.microsoft.com/office/drawing/2010/main" val="0"/>
+              </a:ext>
+            </a:extLst>
+          </a:blip>
+          <a:srcRect/>
+          <a:stretch>
+            <a:fillRect/>
+          </a:stretch>
+        </p:blipFill>
+        <p:spPr bwMode="auto">
+          <a:xfrm>
+            <a:off x="4937125" y="651528"/>
+            <a:ext cx="1905000" cy="2038350"/>
+          </a:xfrm>
+          <a:prstGeom prst="rect">
+            <a:avLst/>
+          </a:prstGeom>
+          <a:noFill/>
+          <a:extLst>
+            <a:ext uri="{909E8E84-426E-40DD-AFC4-6F175D3DCCD1}">
+              <a14:hiddenFill xmlns:a14="http://schemas.microsoft.com/office/drawing/2010/main">
+                <a:solidFill>
+                  <a:srgbClr val="FFFFFF"/>
+                </a:solidFill>
+              </a14:hiddenFill>
+            </a:ext>
+          </a:extLst>
+        </p:spPr>
+      </p:pic>
+      <p:sp>
+        <p:nvSpPr>
+          <p:cNvPr id="6" name="TextBox 5"/>
+          <p:cNvSpPr txBox="1"/>
+          <p:nvPr/>
+        </p:nvSpPr>
+        <p:spPr>
+          <a:xfrm>
+            <a:off x="6842124" y="857250"/>
+            <a:ext cx="835025" cy="830997"/>
+          </a:xfrm>
+          <a:prstGeom prst="rect">
+            <a:avLst/>
+          </a:prstGeom>
+          <a:noFill/>
+        </p:spPr>
+        <p:txBody>
+          <a:bodyPr wrap="square" rtlCol="0">
+            <a:spAutoFit/>
+          </a:bodyPr>
+          <a:lstStyle/>
+          <a:p>
+            <a:r>
+              <a:rPr lang="en-US" sz="1200" dirty="0" smtClean="0"/>
+              <a:t>“</a:t>
+            </a:r>
+            <a:r>
+              <a:rPr lang="en-US" sz="1200" dirty="0" err="1" smtClean="0"/>
+              <a:t>Batuan</a:t>
+            </a:r>
+            <a:r>
+              <a:rPr lang="en-US" sz="1200" dirty="0" smtClean="0"/>
+              <a:t>” </a:t>
+            </a:r>
+            <a:r>
+              <a:rPr lang="en-US" sz="1200" dirty="0" err="1" smtClean="0"/>
+              <a:t>kokain</a:t>
+            </a:r>
+            <a:endParaRPr lang="en-US" sz="1200" dirty="0" smtClean="0"/>
+          </a:p>
+          <a:p>
+            <a:r>
+              <a:rPr lang="en-US" sz="1200" dirty="0" err="1" smtClean="0"/>
+              <a:t>Src</a:t>
+            </a:r>
+            <a:r>
+              <a:rPr lang="en-US" sz="1200" dirty="0" smtClean="0"/>
+              <a:t>:</a:t>
+            </a:r>
+            <a:br>
+              <a:rPr lang="en-US" sz="1200" dirty="0" smtClean="0"/>
+            </a:br>
+            <a:r>
+              <a:rPr lang="en-US" sz="1200" dirty="0" err="1" smtClean="0"/>
+              <a:t>wikipedia</a:t>
+            </a:r>
+            <a:endParaRPr lang="en-US" sz="1200" dirty="0"/>
+          </a:p>
+        </p:txBody>
+      </p:sp>
+    </p:spTree>
+    <p:extLst>
+      <p:ext uri="{BB962C8B-B14F-4D97-AF65-F5344CB8AC3E}">
+        <p14:creationId xmlns:p14="http://schemas.microsoft.com/office/powerpoint/2010/main" val="4063286416"/>
+      </p:ext>
+    </p:extLst>
+  </p:cSld>
+  <p:clrMapOvr>
+    <a:masterClrMapping/>
+  </p:clrMapOvr>
+  <p:timing>
+    <p:tnLst>
+      <p:par>
+        <p:cTn id="1" dur="indefinite" restart="never" nodeType="tmRoot"/>
+      </p:par>
+    </p:tnLst>
+  </p:timing>
+</p:sld>
+</file>
+
+<file path=ppt/slides/slide9.xml><?xml version="1.0" encoding="utf-8"?>
+<p:sld xmlns:a="http://schemas.openxmlformats.org/drawingml/2006/main" xmlns:r="http://schemas.openxmlformats.org/officeDocument/2006/relationships" xmlns:p="http://schemas.openxmlformats.org/presentationml/2006/main">
+  <p:cSld>
+    <p:spTree>
+      <p:nvGrpSpPr>
+        <p:cNvPr id="1" name=""/>
+        <p:cNvGrpSpPr/>
+        <p:nvPr/>
+      </p:nvGrpSpPr>
+      <p:grpSpPr>
+        <a:xfrm>
+          <a:off x="0" y="0"/>
+          <a:ext cx="0" cy="0"/>
+          <a:chOff x="0" y="0"/>
+          <a:chExt cx="0" cy="0"/>
+        </a:xfrm>
+      </p:grpSpPr>
+      <p:sp>
+        <p:nvSpPr>
+          <p:cNvPr id="3" name="Content Placeholder 2"/>
+          <p:cNvSpPr>
+            <a:spLocks noGrp="1"/>
+          </p:cNvSpPr>
+          <p:nvPr>
+            <p:ph idx="1"/>
+          </p:nvPr>
+        </p:nvSpPr>
+        <p:spPr>
+          <a:xfrm>
+            <a:off x="838200" y="88900"/>
+            <a:ext cx="10515600" cy="6604000"/>
+          </a:xfrm>
+        </p:spPr>
+        <p:txBody>
+          <a:bodyPr>
+            <a:normAutofit/>
+          </a:bodyPr>
+          <a:lstStyle/>
+          <a:p>
+            <a:r>
+              <a:rPr lang="en-US" sz="1800" dirty="0" err="1" smtClean="0"/>
+              <a:t>Psikotropika</a:t>
+            </a:r>
+            <a:r>
+              <a:rPr lang="en-US" sz="1800" dirty="0" smtClean="0"/>
+              <a:t> </a:t>
+            </a:r>
+            <a:r>
+              <a:rPr lang="en-US" sz="1800" dirty="0" err="1" smtClean="0"/>
+              <a:t>Golongan</a:t>
+            </a:r>
+            <a:r>
+              <a:rPr lang="en-US" sz="1800" dirty="0" smtClean="0"/>
+              <a:t> 1</a:t>
+            </a:r>
+            <a:endParaRPr lang="en-US" sz="800" dirty="0"/>
+          </a:p>
+          <a:p>
+            <a:pPr marL="0" indent="0">
+              <a:buNone/>
+            </a:pPr>
+            <a:r>
+              <a:rPr lang="en-US" sz="1800" dirty="0"/>
+              <a:t> </a:t>
+            </a:r>
+            <a:r>
+              <a:rPr lang="en-US" sz="1800" dirty="0" smtClean="0"/>
+              <a:t>                         </a:t>
+            </a:r>
+            <a:endParaRPr lang="en-US" sz="1200" i="1" dirty="0" smtClean="0"/>
+          </a:p>
+          <a:p>
+            <a:pPr marL="0" indent="0">
+              <a:buNone/>
+            </a:pPr>
+            <a:r>
+              <a:rPr lang="en-US" sz="1800" dirty="0" smtClean="0"/>
+              <a:t/>
+            </a:r>
+            <a:br>
+              <a:rPr lang="en-US" sz="1800" dirty="0" smtClean="0"/>
+            </a:br>
+            <a:endParaRPr lang="en-US" sz="1800" dirty="0" smtClean="0"/>
+          </a:p>
+          <a:p>
+            <a:pPr marL="0" indent="0">
+              <a:buNone/>
+            </a:pPr>
+            <a:r>
+              <a:rPr lang="en-US" sz="1200" dirty="0" err="1"/>
+              <a:t>Berbagai</a:t>
+            </a:r>
+            <a:r>
+              <a:rPr lang="en-US" sz="1200" dirty="0"/>
+              <a:t> </a:t>
+            </a:r>
+            <a:r>
+              <a:rPr lang="en-US" sz="1200" dirty="0" err="1"/>
+              <a:t>pil</a:t>
+            </a:r>
+            <a:r>
+              <a:rPr lang="en-US" sz="1200" dirty="0"/>
+              <a:t> </a:t>
+            </a:r>
+            <a:r>
+              <a:rPr lang="en-US" sz="1200" i="1" dirty="0" err="1"/>
+              <a:t>ectasy</a:t>
+            </a:r>
+            <a:r>
+              <a:rPr lang="en-US" sz="1200" i="1" dirty="0"/>
+              <a:t>(</a:t>
+            </a:r>
+            <a:r>
+              <a:rPr lang="en-US" sz="1200" i="1" dirty="0" err="1"/>
+              <a:t>wikipedia</a:t>
+            </a:r>
+            <a:r>
+              <a:rPr lang="en-US" sz="1200" i="1" dirty="0"/>
+              <a:t>)</a:t>
+            </a:r>
+            <a:endParaRPr lang="en-US" sz="1200" dirty="0" smtClean="0"/>
+          </a:p>
+          <a:p>
+            <a:r>
+              <a:rPr lang="en-US" sz="1800" dirty="0" err="1" smtClean="0"/>
+              <a:t>Psikotropika</a:t>
+            </a:r>
+            <a:r>
+              <a:rPr lang="en-US" sz="1800" dirty="0" smtClean="0"/>
+              <a:t> </a:t>
+            </a:r>
+            <a:r>
+              <a:rPr lang="en-US" sz="1800" dirty="0" err="1" smtClean="0"/>
+              <a:t>Golongan</a:t>
+            </a:r>
+            <a:r>
+              <a:rPr lang="en-US" sz="1800" dirty="0" smtClean="0"/>
+              <a:t> 2</a:t>
+            </a:r>
+          </a:p>
+          <a:p>
+            <a:pPr marL="0" indent="0">
+              <a:buNone/>
+            </a:pPr>
+            <a:r>
+              <a:rPr lang="en-US" sz="1800" dirty="0" smtClean="0"/>
+              <a:t>                          </a:t>
+            </a:r>
+            <a:r>
+              <a:rPr lang="en-US" sz="1200" dirty="0" err="1" smtClean="0"/>
+              <a:t>Sabu</a:t>
+            </a:r>
+            <a:r>
+              <a:rPr lang="en-US" sz="1200" dirty="0" smtClean="0"/>
+              <a:t> </a:t>
+            </a:r>
+            <a:r>
+              <a:rPr lang="en-US" sz="1200" dirty="0" err="1" smtClean="0"/>
+              <a:t>kristal</a:t>
+            </a:r>
+            <a:r>
+              <a:rPr lang="en-US" sz="1200" dirty="0" smtClean="0"/>
+              <a:t>	</a:t>
+            </a:r>
+            <a:endParaRPr lang="en-US" sz="1800" dirty="0" smtClean="0"/>
+          </a:p>
+          <a:p>
+            <a:pPr marL="0" indent="0">
+              <a:buNone/>
+            </a:pPr>
+            <a:r>
+              <a:rPr lang="en-US" sz="1800" dirty="0" smtClean="0"/>
+              <a:t/>
+            </a:r>
+            <a:br>
+              <a:rPr lang="en-US" sz="1800" dirty="0" smtClean="0"/>
+            </a:br>
+            <a:endParaRPr lang="en-US" sz="1800" dirty="0" smtClean="0"/>
+          </a:p>
+          <a:p>
+            <a:r>
+              <a:rPr lang="en-US" sz="1800" dirty="0" err="1" smtClean="0"/>
+              <a:t>Psikotropika</a:t>
+            </a:r>
+            <a:r>
+              <a:rPr lang="en-US" sz="1800" dirty="0" smtClean="0"/>
+              <a:t> </a:t>
+            </a:r>
+            <a:r>
+              <a:rPr lang="en-US" sz="1800" dirty="0" err="1" smtClean="0"/>
+              <a:t>Golongan</a:t>
+            </a:r>
+            <a:r>
+              <a:rPr lang="en-US" sz="1800" dirty="0" smtClean="0"/>
+              <a:t> 3</a:t>
+            </a:r>
+          </a:p>
+          <a:p>
+            <a:pPr marL="0" indent="0">
+              <a:buNone/>
+            </a:pPr>
+            <a:endParaRPr lang="en-US" sz="1800" dirty="0" smtClean="0"/>
+          </a:p>
+          <a:p>
+            <a:pPr marL="0" indent="0">
+              <a:buNone/>
+            </a:pPr>
+            <a:r>
+              <a:rPr lang="en-US" sz="1800" dirty="0" smtClean="0"/>
+              <a:t/>
+            </a:r>
+            <a:br>
+              <a:rPr lang="en-US" sz="1800" dirty="0" smtClean="0"/>
+            </a:br>
+            <a:r>
+              <a:rPr lang="en-US" sz="1800" dirty="0" smtClean="0"/>
+              <a:t/>
+            </a:r>
+            <a:br>
+              <a:rPr lang="en-US" sz="1800" dirty="0" smtClean="0"/>
+            </a:br>
+            <a:endParaRPr lang="en-US" sz="1800" dirty="0" smtClean="0"/>
+          </a:p>
+          <a:p>
+            <a:r>
+              <a:rPr lang="en-US" sz="1800" dirty="0" err="1" smtClean="0"/>
+              <a:t>Psikotropika</a:t>
+            </a:r>
+            <a:r>
+              <a:rPr lang="en-US" sz="1800" dirty="0" smtClean="0"/>
+              <a:t> </a:t>
+            </a:r>
+            <a:r>
+              <a:rPr lang="en-US" sz="1800" dirty="0" err="1" smtClean="0"/>
+              <a:t>Golongan</a:t>
+            </a:r>
+            <a:r>
+              <a:rPr lang="en-US" sz="1800" dirty="0" smtClean="0"/>
+              <a:t> 4</a:t>
+            </a:r>
+            <a:endParaRPr lang="en-US" sz="1800" dirty="0"/>
+          </a:p>
+          <a:p>
+            <a:endParaRPr lang="en-US" sz="1800" dirty="0" smtClean="0"/>
+          </a:p>
+          <a:p>
+            <a:endParaRPr lang="en-US" sz="1800" dirty="0"/>
+          </a:p>
+        </p:txBody>
+      </p:sp>
+      <p:pic>
+        <p:nvPicPr>
+          <p:cNvPr id="2050" name="Picture 2" descr="https://upload.wikimedia.org/wikipedia/commons/thumb/7/7e/Ecstasy_monogram.jpg/120px-Ecstasy_monogram.jpg"/>
+          <p:cNvPicPr>
+            <a:picLocks noChangeAspect="1" noChangeArrowheads="1"/>
+          </p:cNvPicPr>
+          <p:nvPr/>
+        </p:nvPicPr>
+        <p:blipFill>
+          <a:blip r:embed="rId2">
+            <a:extLst>
+              <a:ext uri="{28A0092B-C50C-407E-A947-70E740481C1C}">
+                <a14:useLocalDpi xmlns:a14="http://schemas.microsoft.com/office/drawing/2010/main" val="0"/>
+              </a:ext>
+            </a:extLst>
+          </a:blip>
+          <a:srcRect/>
+          <a:stretch>
+            <a:fillRect/>
+          </a:stretch>
+        </p:blipFill>
+        <p:spPr bwMode="auto">
+          <a:xfrm>
+            <a:off x="1120775" y="406400"/>
+            <a:ext cx="1143000" cy="1114425"/>
+          </a:xfrm>
+          <a:prstGeom prst="rect">
+            <a:avLst/>
+          </a:prstGeom>
+          <a:noFill/>
+          <a:extLst>
+            <a:ext uri="{909E8E84-426E-40DD-AFC4-6F175D3DCCD1}">
+              <a14:hiddenFill xmlns:a14="http://schemas.microsoft.com/office/drawing/2010/main">
+                <a:solidFill>
+                  <a:srgbClr val="FFFFFF"/>
+                </a:solidFill>
+              </a14:hiddenFill>
+            </a:ext>
+          </a:extLst>
+        </p:spPr>
+      </p:pic>
+      <p:pic>
+        <p:nvPicPr>
+          <p:cNvPr id="2053" name="Picture 5"/>
+          <p:cNvPicPr>
+            <a:picLocks noChangeAspect="1" noChangeArrowheads="1"/>
+          </p:cNvPicPr>
+          <p:nvPr/>
+        </p:nvPicPr>
+        <p:blipFill>
+          <a:blip r:embed="rId3">
+            <a:extLst>
+              <a:ext uri="{28A0092B-C50C-407E-A947-70E740481C1C}">
+                <a14:useLocalDpi xmlns:a14="http://schemas.microsoft.com/office/drawing/2010/main" val="0"/>
+              </a:ext>
+            </a:extLst>
+          </a:blip>
+          <a:srcRect/>
+          <a:stretch>
+            <a:fillRect/>
+          </a:stretch>
+        </p:blipFill>
+        <p:spPr bwMode="auto">
+          <a:xfrm>
+            <a:off x="1120775" y="2017713"/>
+            <a:ext cx="1171575" cy="866775"/>
+          </a:xfrm>
+          <a:prstGeom prst="rect">
+            <a:avLst/>
+          </a:prstGeom>
+          <a:noFill/>
+          <a:ln>
+            <a:noFill/>
+          </a:ln>
+          <a:effectLst/>
+          <a:extLst>
+            <a:ext uri="{909E8E84-426E-40DD-AFC4-6F175D3DCCD1}">
+              <a14:hiddenFill xmlns:a14="http://schemas.microsoft.com/office/drawing/2010/main">
+                <a:solidFill>
+                  <a:schemeClr val="accent1"/>
+                </a:solidFill>
+              </a14:hiddenFill>
+            </a:ext>
+            <a:ext uri="{91240B29-F687-4F45-9708-019B960494DF}">
+              <a14:hiddenLine xmlns:a14="http://schemas.microsoft.com/office/drawing/2010/main" w="9525">
+                <a:solidFill>
+                  <a:schemeClr val="tx1"/>
+                </a:solidFill>
+                <a:miter lim="800000"/>
+                <a:headEnd/>
+                <a:tailEnd/>
+              </a14:hiddenLine>
+            </a:ext>
+            <a:ext uri="{AF507438-7753-43E0-B8FC-AC1667EBCBE1}">
+              <a14:hiddenEffects xmlns:a14="http://schemas.microsoft.com/office/drawing/2010/main">
+                <a:effectLst>
+                  <a:outerShdw dist="35921" dir="2700000" algn="ctr" rotWithShape="0">
+                    <a:schemeClr val="bg2"/>
+                  </a:outerShdw>
+                </a:effectLst>
+              </a14:hiddenEffects>
+            </a:ext>
+          </a:extLst>
+        </p:spPr>
+      </p:pic>
+      <p:pic>
+        <p:nvPicPr>
+          <p:cNvPr id="2054" name="Picture 6"/>
+          <p:cNvPicPr>
+            <a:picLocks noChangeAspect="1" noChangeArrowheads="1"/>
+          </p:cNvPicPr>
+          <p:nvPr/>
+        </p:nvPicPr>
+        <p:blipFill>
+          <a:blip r:embed="rId4">
+            <a:extLst>
+              <a:ext uri="{28A0092B-C50C-407E-A947-70E740481C1C}">
+                <a14:useLocalDpi xmlns:a14="http://schemas.microsoft.com/office/drawing/2010/main" val="0"/>
+              </a:ext>
+            </a:extLst>
+          </a:blip>
+          <a:srcRect/>
+          <a:stretch>
+            <a:fillRect/>
+          </a:stretch>
+        </p:blipFill>
+        <p:spPr bwMode="auto">
+          <a:xfrm>
+            <a:off x="3487738" y="2114550"/>
+            <a:ext cx="2143125" cy="876300"/>
+          </a:xfrm>
+          <a:prstGeom prst="rect">
+            <a:avLst/>
+          </a:prstGeom>
+          <a:noFill/>
+          <a:ln>
+            <a:noFill/>
+          </a:ln>
+          <a:effectLst/>
+          <a:extLst>
+            <a:ext uri="{909E8E84-426E-40DD-AFC4-6F175D3DCCD1}">
+              <a14:hiddenFill xmlns:a14="http://schemas.microsoft.com/office/drawing/2010/main">
+                <a:solidFill>
+                  <a:schemeClr val="accent1"/>
+                </a:solidFill>
+              </a14:hiddenFill>
+            </a:ext>
+            <a:ext uri="{91240B29-F687-4F45-9708-019B960494DF}">
+              <a14:hiddenLine xmlns:a14="http://schemas.microsoft.com/office/drawing/2010/main" w="9525">
+                <a:solidFill>
+                  <a:schemeClr val="tx1"/>
+                </a:solidFill>
+                <a:miter lim="800000"/>
+                <a:headEnd/>
+                <a:tailEnd/>
+              </a14:hiddenLine>
+            </a:ext>
+            <a:ext uri="{AF507438-7753-43E0-B8FC-AC1667EBCBE1}">
+              <a14:hiddenEffects xmlns:a14="http://schemas.microsoft.com/office/drawing/2010/main">
+                <a:effectLst>
+                  <a:outerShdw dist="35921" dir="2700000" algn="ctr" rotWithShape="0">
+                    <a:schemeClr val="bg2"/>
+                  </a:outerShdw>
+                </a:effectLst>
+              </a14:hiddenEffects>
+            </a:ext>
+          </a:extLst>
+        </p:spPr>
+      </p:pic>
+      <p:sp>
+        <p:nvSpPr>
+          <p:cNvPr id="2" name="TextBox 1"/>
+          <p:cNvSpPr txBox="1"/>
+          <p:nvPr/>
+        </p:nvSpPr>
+        <p:spPr>
+          <a:xfrm>
+            <a:off x="5630863" y="2114550"/>
+            <a:ext cx="1354137" cy="276999"/>
+          </a:xfrm>
+          <a:prstGeom prst="rect">
+            <a:avLst/>
+          </a:prstGeom>
+          <a:noFill/>
+        </p:spPr>
+        <p:txBody>
+          <a:bodyPr wrap="square" rtlCol="0">
+            <a:spAutoFit/>
+          </a:bodyPr>
+          <a:lstStyle/>
+          <a:p>
+            <a:r>
+              <a:rPr lang="en-US" sz="1200" dirty="0" err="1" smtClean="0"/>
+              <a:t>Pil</a:t>
+            </a:r>
+            <a:r>
+              <a:rPr lang="en-US" sz="1200" dirty="0" smtClean="0"/>
+              <a:t> </a:t>
+            </a:r>
+            <a:r>
+              <a:rPr lang="en-US" sz="1200" dirty="0" err="1" smtClean="0"/>
+              <a:t>sabu</a:t>
+            </a:r>
+            <a:endParaRPr lang="en-US" sz="1200" dirty="0"/>
+          </a:p>
+        </p:txBody>
+      </p:sp>
+      <p:pic>
+        <p:nvPicPr>
+          <p:cNvPr id="2055" name="Picture 7"/>
+          <p:cNvPicPr>
+            <a:picLocks noChangeAspect="1" noChangeArrowheads="1"/>
+          </p:cNvPicPr>
+          <p:nvPr/>
+        </p:nvPicPr>
+        <p:blipFill>
+          <a:blip r:embed="rId5">
+            <a:extLst>
+              <a:ext uri="{28A0092B-C50C-407E-A947-70E740481C1C}">
+                <a14:useLocalDpi xmlns:a14="http://schemas.microsoft.com/office/drawing/2010/main" val="0"/>
+              </a:ext>
+            </a:extLst>
+          </a:blip>
+          <a:srcRect/>
+          <a:stretch>
+            <a:fillRect/>
+          </a:stretch>
+        </p:blipFill>
+        <p:spPr bwMode="auto">
+          <a:xfrm>
+            <a:off x="6563428" y="2114550"/>
+            <a:ext cx="843143" cy="876300"/>
+          </a:xfrm>
+          <a:prstGeom prst="rect">
+            <a:avLst/>
+          </a:prstGeom>
+          <a:noFill/>
+          <a:ln>
+            <a:noFill/>
+          </a:ln>
+          <a:effectLst/>
+          <a:extLst>
+            <a:ext uri="{909E8E84-426E-40DD-AFC4-6F175D3DCCD1}">
+              <a14:hiddenFill xmlns:a14="http://schemas.microsoft.com/office/drawing/2010/main">
+                <a:solidFill>
+                  <a:schemeClr val="accent1"/>
+                </a:solidFill>
+              </a14:hiddenFill>
+            </a:ext>
+            <a:ext uri="{91240B29-F687-4F45-9708-019B960494DF}">
+              <a14:hiddenLine xmlns:a14="http://schemas.microsoft.com/office/drawing/2010/main" w="9525">
+                <a:solidFill>
+                  <a:schemeClr val="tx1"/>
+                </a:solidFill>
+                <a:miter lim="800000"/>
+                <a:headEnd/>
+                <a:tailEnd/>
+              </a14:hiddenLine>
+            </a:ext>
+            <a:ext uri="{AF507438-7753-43E0-B8FC-AC1667EBCBE1}">
+              <a14:hiddenEffects xmlns:a14="http://schemas.microsoft.com/office/drawing/2010/main">
+                <a:effectLst>
+                  <a:outerShdw dist="35921" dir="2700000" algn="ctr" rotWithShape="0">
+                    <a:schemeClr val="bg2"/>
+                  </a:outerShdw>
+                </a:effectLst>
+              </a14:hiddenEffects>
+            </a:ext>
+          </a:extLst>
+        </p:spPr>
+      </p:pic>
+      <p:sp>
+        <p:nvSpPr>
+          <p:cNvPr id="4" name="TextBox 3"/>
+          <p:cNvSpPr txBox="1"/>
+          <p:nvPr/>
+        </p:nvSpPr>
+        <p:spPr>
+          <a:xfrm>
+            <a:off x="7406571" y="2114550"/>
+            <a:ext cx="988129" cy="461665"/>
+          </a:xfrm>
+          <a:prstGeom prst="rect">
+            <a:avLst/>
+          </a:prstGeom>
+          <a:noFill/>
+        </p:spPr>
+        <p:txBody>
+          <a:bodyPr wrap="square" rtlCol="0">
+            <a:spAutoFit/>
+          </a:bodyPr>
+          <a:lstStyle/>
+          <a:p>
+            <a:r>
+              <a:rPr lang="en-US" sz="1200" dirty="0" err="1" smtClean="0"/>
+              <a:t>Amfetamina</a:t>
+            </a:r>
+            <a:r>
+              <a:rPr lang="en-US" sz="1200" dirty="0" smtClean="0"/>
+              <a:t> </a:t>
+            </a:r>
+            <a:r>
+              <a:rPr lang="en-US" sz="1200" dirty="0" err="1" smtClean="0"/>
+              <a:t>Hidroklorida</a:t>
+            </a:r>
+            <a:endParaRPr lang="en-US" sz="1200" dirty="0"/>
+          </a:p>
+        </p:txBody>
+      </p:sp>
+      <p:pic>
+        <p:nvPicPr>
+          <p:cNvPr id="2056" name="Picture 8"/>
+          <p:cNvPicPr>
+            <a:picLocks noChangeAspect="1" noChangeArrowheads="1"/>
+          </p:cNvPicPr>
+          <p:nvPr/>
+        </p:nvPicPr>
+        <p:blipFill>
+          <a:blip r:embed="rId6">
+            <a:extLst>
+              <a:ext uri="{28A0092B-C50C-407E-A947-70E740481C1C}">
+                <a14:useLocalDpi xmlns:a14="http://schemas.microsoft.com/office/drawing/2010/main" val="0"/>
+              </a:ext>
+            </a:extLst>
+          </a:blip>
+          <a:srcRect/>
+          <a:stretch>
+            <a:fillRect/>
+          </a:stretch>
+        </p:blipFill>
+        <p:spPr bwMode="auto">
+          <a:xfrm>
+            <a:off x="8529638" y="2114550"/>
+            <a:ext cx="847725" cy="847725"/>
+          </a:xfrm>
+          <a:prstGeom prst="rect">
+            <a:avLst/>
+          </a:prstGeom>
+          <a:noFill/>
+          <a:ln>
+            <a:noFill/>
+          </a:ln>
+          <a:effectLst/>
+          <a:extLst>
+            <a:ext uri="{909E8E84-426E-40DD-AFC4-6F175D3DCCD1}">
+              <a14:hiddenFill xmlns:a14="http://schemas.microsoft.com/office/drawing/2010/main">
+                <a:solidFill>
+                  <a:schemeClr val="accent1"/>
+                </a:solidFill>
+              </a14:hiddenFill>
+            </a:ext>
+            <a:ext uri="{91240B29-F687-4F45-9708-019B960494DF}">
+              <a14:hiddenLine xmlns:a14="http://schemas.microsoft.com/office/drawing/2010/main" w="9525">
+                <a:solidFill>
+                  <a:schemeClr val="tx1"/>
+                </a:solidFill>
+                <a:miter lim="800000"/>
+                <a:headEnd/>
+                <a:tailEnd/>
+              </a14:hiddenLine>
+            </a:ext>
+            <a:ext uri="{AF507438-7753-43E0-B8FC-AC1667EBCBE1}">
+              <a14:hiddenEffects xmlns:a14="http://schemas.microsoft.com/office/drawing/2010/main">
+                <a:effectLst>
+                  <a:outerShdw dist="35921" dir="2700000" algn="ctr" rotWithShape="0">
+                    <a:schemeClr val="bg2"/>
+                  </a:outerShdw>
+                </a:effectLst>
+              </a14:hiddenEffects>
+            </a:ext>
+          </a:extLst>
+        </p:spPr>
+      </p:pic>
+      <p:sp>
+        <p:nvSpPr>
+          <p:cNvPr id="5" name="TextBox 4"/>
+          <p:cNvSpPr txBox="1"/>
+          <p:nvPr/>
+        </p:nvSpPr>
+        <p:spPr>
+          <a:xfrm>
+            <a:off x="9377363" y="2114550"/>
+            <a:ext cx="1392237" cy="461665"/>
+          </a:xfrm>
+          <a:prstGeom prst="rect">
+            <a:avLst/>
+          </a:prstGeom>
+          <a:noFill/>
+        </p:spPr>
+        <p:txBody>
+          <a:bodyPr wrap="square" rtlCol="0">
+            <a:spAutoFit/>
+          </a:bodyPr>
+          <a:lstStyle/>
+          <a:p>
+            <a:r>
+              <a:rPr lang="en-US" sz="1200" dirty="0"/>
+              <a:t>Phenyl-2-nitropropene</a:t>
+            </a:r>
+          </a:p>
+        </p:txBody>
+      </p:sp>
+    </p:spTree>
+    <p:extLst>
+      <p:ext uri="{BB962C8B-B14F-4D97-AF65-F5344CB8AC3E}">
+        <p14:creationId xmlns:p14="http://schemas.microsoft.com/office/powerpoint/2010/main" val="602346412"/>
+      </p:ext>
+    </p:extLst>
+  </p:cSld>
+  <p:clrMapOvr>
+    <a:masterClrMapping/>
+  </p:clrMapOvr>
+  <p:timing>
+    <p:tnLst>
+      <p:par>
+        <p:cTn id="1" dur="indefinite" restart="never" nodeType="tmRoot"/>
+      </p:par>
+    </p:tnLst>
+  </p:timing>
 </p:sld>
 </file>
 
@@ -3625,7 +9841,7 @@
     </a:clrScheme>
     <a:fontScheme name="Office">
       <a:majorFont>
-        <a:latin typeface="Calibri Light" panose="020F0302020204030204"/>
+        <a:latin typeface="Calibri Light"/>
         <a:ea typeface=""/>
         <a:cs typeface=""/>
         <a:font script="Jpan" typeface="ＭＳ Ｐゴシック"/>
@@ -3660,7 +9876,7 @@
         <a:font script="Geor" typeface="Sylfaen"/>
       </a:majorFont>
       <a:minorFont>
-        <a:latin typeface="Calibri" panose="020F0502020204030204"/>
+        <a:latin typeface="Calibri"/>
         <a:ea typeface=""/>
         <a:cs typeface=""/>
         <a:font script="Jpan" typeface="ＭＳ Ｐゴシック"/>
@@ -3837,7 +10053,7 @@
   <a:extraClrSchemeLst/>
   <a:extLst>
     <a:ext uri="{05A4C25C-085E-4340-85A3-A5531E510DB2}">
-      <thm15:themeFamily xmlns:thm15="http://schemas.microsoft.com/office/thememl/2012/main" name="Office Theme" id="{62F939B6-93AF-4DB8-9C6B-D6C7DFDC589F}" vid="{4A3C46E8-61CC-4603-A589-7422A47A8E4A}"/>
+      <thm15:themeFamily xmlns:thm15="http://schemas.microsoft.com/office/thememl/2012/main" xmlns="" name="Office Theme" id="{62F939B6-93AF-4DB8-9C6B-D6C7DFDC589F}" vid="{4A3C46E8-61CC-4603-A589-7422A47A8E4A}"/>
     </a:ext>
   </a:extLst>
 </a:theme>

--- a/tugas-sekolah/olahraga/NAPZA.pptx
+++ b/tugas-sekolah/olahraga/NAPZA.pptx
@@ -4,6 +4,9 @@
   <p:sldMasterIdLst>
     <p:sldMasterId id="2147483648" r:id="rId1"/>
   </p:sldMasterIdLst>
+  <p:handoutMasterIdLst>
+    <p:handoutMasterId r:id="rId19"/>
+  </p:handoutMasterIdLst>
   <p:sldIdLst>
     <p:sldId id="256" r:id="rId2"/>
     <p:sldId id="257" r:id="rId3"/>
@@ -24,7 +27,7 @@
     <p:sldId id="273" r:id="rId18"/>
   </p:sldIdLst>
   <p:sldSz cx="12192000" cy="6858000"/>
-  <p:notesSz cx="6858000" cy="9144000"/>
+  <p:notesSz cx="6889750" cy="9607550"/>
   <p:defaultTextStyle>
     <a:defPPr>
       <a:defRPr lang="en-US"/>
@@ -126,6 +129,171 @@
     </p:ext>
   </p:extLst>
 </p:presentation>
+</file>
+
+<file path=ppt/handoutMasters/handoutMaster1.xml><?xml version="1.0" encoding="utf-8"?>
+<p:handoutMaster xmlns:a="http://schemas.openxmlformats.org/drawingml/2006/main" xmlns:r="http://schemas.openxmlformats.org/officeDocument/2006/relationships" xmlns:p="http://schemas.openxmlformats.org/presentationml/2006/main">
+  <p:cSld>
+    <p:bg>
+      <p:bgRef idx="1001">
+        <a:schemeClr val="bg1"/>
+      </p:bgRef>
+    </p:bg>
+    <p:spTree>
+      <p:nvGrpSpPr>
+        <p:cNvPr id="1" name=""/>
+        <p:cNvGrpSpPr/>
+        <p:nvPr/>
+      </p:nvGrpSpPr>
+      <p:grpSpPr>
+        <a:xfrm>
+          <a:off x="0" y="0"/>
+          <a:ext cx="0" cy="0"/>
+          <a:chOff x="0" y="0"/>
+          <a:chExt cx="0" cy="0"/>
+        </a:xfrm>
+      </p:grpSpPr>
+      <p:sp>
+        <p:nvSpPr>
+          <p:cNvPr id="2" name="Header Placeholder 1"/>
+          <p:cNvSpPr>
+            <a:spLocks noGrp="1"/>
+          </p:cNvSpPr>
+          <p:nvPr>
+            <p:ph type="hdr" sz="quarter"/>
+          </p:nvPr>
+        </p:nvSpPr>
+        <p:spPr>
+          <a:xfrm>
+            <a:off x="0" y="0"/>
+            <a:ext cx="2985558" cy="480378"/>
+          </a:xfrm>
+          <a:prstGeom prst="rect">
+            <a:avLst/>
+          </a:prstGeom>
+        </p:spPr>
+        <p:txBody>
+          <a:bodyPr vert="horz" lIns="94265" tIns="47133" rIns="94265" bIns="47133" rtlCol="0"/>
+          <a:lstStyle>
+            <a:lvl1pPr algn="l">
+              <a:defRPr sz="1200"/>
+            </a:lvl1pPr>
+          </a:lstStyle>
+          <a:p>
+            <a:endParaRPr lang="en-US"/>
+          </a:p>
+        </p:txBody>
+      </p:sp>
+      <p:sp>
+        <p:nvSpPr>
+          <p:cNvPr id="3" name="Date Placeholder 2"/>
+          <p:cNvSpPr>
+            <a:spLocks noGrp="1"/>
+          </p:cNvSpPr>
+          <p:nvPr>
+            <p:ph type="dt" sz="quarter" idx="1"/>
+          </p:nvPr>
+        </p:nvSpPr>
+        <p:spPr>
+          <a:xfrm>
+            <a:off x="3902597" y="0"/>
+            <a:ext cx="2985558" cy="480378"/>
+          </a:xfrm>
+          <a:prstGeom prst="rect">
+            <a:avLst/>
+          </a:prstGeom>
+        </p:spPr>
+        <p:txBody>
+          <a:bodyPr vert="horz" lIns="94265" tIns="47133" rIns="94265" bIns="47133" rtlCol="0"/>
+          <a:lstStyle>
+            <a:lvl1pPr algn="r">
+              <a:defRPr sz="1200"/>
+            </a:lvl1pPr>
+          </a:lstStyle>
+          <a:p>
+            <a:fld id="{96C2376E-CE06-4ABA-BDD7-541D93A2FBBC}" type="datetimeFigureOut">
+              <a:rPr lang="en-US" smtClean="0"/>
+              <a:t>12/8/2016</a:t>
+            </a:fld>
+            <a:endParaRPr lang="en-US"/>
+          </a:p>
+        </p:txBody>
+      </p:sp>
+      <p:sp>
+        <p:nvSpPr>
+          <p:cNvPr id="4" name="Footer Placeholder 3"/>
+          <p:cNvSpPr>
+            <a:spLocks noGrp="1"/>
+          </p:cNvSpPr>
+          <p:nvPr>
+            <p:ph type="ftr" sz="quarter" idx="2"/>
+          </p:nvPr>
+        </p:nvSpPr>
+        <p:spPr>
+          <a:xfrm>
+            <a:off x="0" y="9125505"/>
+            <a:ext cx="2985558" cy="480378"/>
+          </a:xfrm>
+          <a:prstGeom prst="rect">
+            <a:avLst/>
+          </a:prstGeom>
+        </p:spPr>
+        <p:txBody>
+          <a:bodyPr vert="horz" lIns="94265" tIns="47133" rIns="94265" bIns="47133" rtlCol="0" anchor="b"/>
+          <a:lstStyle>
+            <a:lvl1pPr algn="l">
+              <a:defRPr sz="1200"/>
+            </a:lvl1pPr>
+          </a:lstStyle>
+          <a:p>
+            <a:endParaRPr lang="en-US"/>
+          </a:p>
+        </p:txBody>
+      </p:sp>
+      <p:sp>
+        <p:nvSpPr>
+          <p:cNvPr id="5" name="Slide Number Placeholder 4"/>
+          <p:cNvSpPr>
+            <a:spLocks noGrp="1"/>
+          </p:cNvSpPr>
+          <p:nvPr>
+            <p:ph type="sldNum" sz="quarter" idx="3"/>
+          </p:nvPr>
+        </p:nvSpPr>
+        <p:spPr>
+          <a:xfrm>
+            <a:off x="3902597" y="9125505"/>
+            <a:ext cx="2985558" cy="480378"/>
+          </a:xfrm>
+          <a:prstGeom prst="rect">
+            <a:avLst/>
+          </a:prstGeom>
+        </p:spPr>
+        <p:txBody>
+          <a:bodyPr vert="horz" lIns="94265" tIns="47133" rIns="94265" bIns="47133" rtlCol="0" anchor="b"/>
+          <a:lstStyle>
+            <a:lvl1pPr algn="r">
+              <a:defRPr sz="1200"/>
+            </a:lvl1pPr>
+          </a:lstStyle>
+          <a:p>
+            <a:fld id="{85B66728-4BF0-45A6-89B9-4E84387C55B7}" type="slidenum">
+              <a:rPr lang="en-US" smtClean="0"/>
+              <a:t>‹#›</a:t>
+            </a:fld>
+            <a:endParaRPr lang="en-US"/>
+          </a:p>
+        </p:txBody>
+      </p:sp>
+    </p:spTree>
+    <p:extLst>
+      <p:ext uri="{BB962C8B-B14F-4D97-AF65-F5344CB8AC3E}">
+        <p14:creationId xmlns:p14="http://schemas.microsoft.com/office/powerpoint/2010/main" val="1127244326"/>
+      </p:ext>
+    </p:extLst>
+  </p:cSld>
+  <p:clrMap bg1="lt1" tx1="dk1" bg2="lt2" tx2="dk2" accent1="accent1" accent2="accent2" accent3="accent3" accent4="accent4" accent5="accent5" accent6="accent6" hlink="hlink" folHlink="folHlink"/>
+</p:handoutMaster>
 </file>
 
 <file path=ppt/slideLayouts/slideLayout1.xml><?xml version="1.0" encoding="utf-8"?>
@@ -9372,6 +9540,9 @@
             <a:endParaRPr lang="en-US" sz="1800" dirty="0" smtClean="0"/>
           </a:p>
           <a:p>
+            <a:pPr marL="0" indent="0">
+              <a:buNone/>
+            </a:pPr>
             <a:endParaRPr lang="en-US" sz="1800" dirty="0"/>
           </a:p>
         </p:txBody>
@@ -9775,6 +9946,486 @@
               <a:rPr lang="en-US" sz="1200" dirty="0"/>
               <a:t>Phenyl-2-nitropropene</a:t>
             </a:r>
+          </a:p>
+        </p:txBody>
+      </p:sp>
+      <p:pic>
+        <p:nvPicPr>
+          <p:cNvPr id="1027" name="Picture 3"/>
+          <p:cNvPicPr>
+            <a:picLocks noChangeAspect="1" noChangeArrowheads="1"/>
+          </p:cNvPicPr>
+          <p:nvPr/>
+        </p:nvPicPr>
+        <p:blipFill>
+          <a:blip r:embed="rId7">
+            <a:extLst>
+              <a:ext uri="{28A0092B-C50C-407E-A947-70E740481C1C}">
+                <a14:useLocalDpi xmlns:a14="http://schemas.microsoft.com/office/drawing/2010/main" val="0"/>
+              </a:ext>
+            </a:extLst>
+          </a:blip>
+          <a:srcRect/>
+          <a:stretch>
+            <a:fillRect/>
+          </a:stretch>
+        </p:blipFill>
+        <p:spPr bwMode="auto">
+          <a:xfrm>
+            <a:off x="1133475" y="3614738"/>
+            <a:ext cx="1828800" cy="847725"/>
+          </a:xfrm>
+          <a:prstGeom prst="rect">
+            <a:avLst/>
+          </a:prstGeom>
+          <a:noFill/>
+          <a:ln>
+            <a:noFill/>
+          </a:ln>
+          <a:effectLst/>
+          <a:extLst>
+            <a:ext uri="{909E8E84-426E-40DD-AFC4-6F175D3DCCD1}">
+              <a14:hiddenFill xmlns:a14="http://schemas.microsoft.com/office/drawing/2010/main">
+                <a:solidFill>
+                  <a:schemeClr val="accent1"/>
+                </a:solidFill>
+              </a14:hiddenFill>
+            </a:ext>
+            <a:ext uri="{91240B29-F687-4F45-9708-019B960494DF}">
+              <a14:hiddenLine xmlns:a14="http://schemas.microsoft.com/office/drawing/2010/main" w="9525">
+                <a:solidFill>
+                  <a:schemeClr val="tx1"/>
+                </a:solidFill>
+                <a:miter lim="800000"/>
+                <a:headEnd/>
+                <a:tailEnd/>
+              </a14:hiddenLine>
+            </a:ext>
+            <a:ext uri="{AF507438-7753-43E0-B8FC-AC1667EBCBE1}">
+              <a14:hiddenEffects xmlns:a14="http://schemas.microsoft.com/office/drawing/2010/main">
+                <a:effectLst>
+                  <a:outerShdw dist="35921" dir="2700000" algn="ctr" rotWithShape="0">
+                    <a:schemeClr val="bg2"/>
+                  </a:outerShdw>
+                </a:effectLst>
+              </a14:hiddenEffects>
+            </a:ext>
+          </a:extLst>
+        </p:spPr>
+      </p:pic>
+      <p:pic>
+        <p:nvPicPr>
+          <p:cNvPr id="1028" name="Picture 4"/>
+          <p:cNvPicPr>
+            <a:picLocks noChangeAspect="1" noChangeArrowheads="1"/>
+          </p:cNvPicPr>
+          <p:nvPr/>
+        </p:nvPicPr>
+        <p:blipFill>
+          <a:blip r:embed="rId8">
+            <a:extLst>
+              <a:ext uri="{28A0092B-C50C-407E-A947-70E740481C1C}">
+                <a14:useLocalDpi xmlns:a14="http://schemas.microsoft.com/office/drawing/2010/main" val="0"/>
+              </a:ext>
+            </a:extLst>
+          </a:blip>
+          <a:srcRect/>
+          <a:stretch>
+            <a:fillRect/>
+          </a:stretch>
+        </p:blipFill>
+        <p:spPr bwMode="auto">
+          <a:xfrm>
+            <a:off x="3487738" y="3762375"/>
+            <a:ext cx="1371600" cy="552450"/>
+          </a:xfrm>
+          <a:prstGeom prst="rect">
+            <a:avLst/>
+          </a:prstGeom>
+          <a:noFill/>
+          <a:ln>
+            <a:noFill/>
+          </a:ln>
+          <a:effectLst/>
+          <a:extLst>
+            <a:ext uri="{909E8E84-426E-40DD-AFC4-6F175D3DCCD1}">
+              <a14:hiddenFill xmlns:a14="http://schemas.microsoft.com/office/drawing/2010/main">
+                <a:solidFill>
+                  <a:schemeClr val="accent1"/>
+                </a:solidFill>
+              </a14:hiddenFill>
+            </a:ext>
+            <a:ext uri="{91240B29-F687-4F45-9708-019B960494DF}">
+              <a14:hiddenLine xmlns:a14="http://schemas.microsoft.com/office/drawing/2010/main" w="9525">
+                <a:solidFill>
+                  <a:schemeClr val="tx1"/>
+                </a:solidFill>
+                <a:miter lim="800000"/>
+                <a:headEnd/>
+                <a:tailEnd/>
+              </a14:hiddenLine>
+            </a:ext>
+            <a:ext uri="{AF507438-7753-43E0-B8FC-AC1667EBCBE1}">
+              <a14:hiddenEffects xmlns:a14="http://schemas.microsoft.com/office/drawing/2010/main">
+                <a:effectLst>
+                  <a:outerShdw dist="35921" dir="2700000" algn="ctr" rotWithShape="0">
+                    <a:schemeClr val="bg2"/>
+                  </a:outerShdw>
+                </a:effectLst>
+              </a14:hiddenEffects>
+            </a:ext>
+          </a:extLst>
+        </p:spPr>
+      </p:pic>
+      <p:sp>
+        <p:nvSpPr>
+          <p:cNvPr id="6" name="TextBox 5"/>
+          <p:cNvSpPr txBox="1"/>
+          <p:nvPr/>
+        </p:nvSpPr>
+        <p:spPr>
+          <a:xfrm>
+            <a:off x="5010150" y="3791466"/>
+            <a:ext cx="2724150" cy="461665"/>
+          </a:xfrm>
+          <a:prstGeom prst="rect">
+            <a:avLst/>
+          </a:prstGeom>
+          <a:noFill/>
+        </p:spPr>
+        <p:txBody>
+          <a:bodyPr wrap="square" rtlCol="0">
+            <a:spAutoFit/>
+          </a:bodyPr>
+          <a:lstStyle/>
+          <a:p>
+            <a:r>
+              <a:rPr lang="en-US" sz="1200" dirty="0" smtClean="0"/>
+              <a:t>Dari </a:t>
+            </a:r>
+            <a:r>
+              <a:rPr lang="en-US" sz="1200" dirty="0" err="1" smtClean="0"/>
+              <a:t>kiri</a:t>
+            </a:r>
+            <a:r>
+              <a:rPr lang="en-US" sz="1200" dirty="0" smtClean="0"/>
+              <a:t> </a:t>
+            </a:r>
+            <a:r>
+              <a:rPr lang="en-US" sz="1200" dirty="0" err="1" smtClean="0"/>
+              <a:t>ke</a:t>
+            </a:r>
+            <a:r>
+              <a:rPr lang="en-US" sz="1200" dirty="0" smtClean="0"/>
+              <a:t> </a:t>
+            </a:r>
+            <a:r>
+              <a:rPr lang="en-US" sz="1200" dirty="0" err="1" smtClean="0"/>
+              <a:t>kanan</a:t>
+            </a:r>
+            <a:r>
+              <a:rPr lang="en-US" sz="1200" dirty="0" smtClean="0"/>
+              <a:t>:</a:t>
+            </a:r>
+          </a:p>
+          <a:p>
+            <a:r>
+              <a:rPr lang="en-US" sz="1200" dirty="0" err="1" smtClean="0"/>
+              <a:t>Sekobarbital</a:t>
+            </a:r>
+            <a:r>
+              <a:rPr lang="en-US" sz="1200" dirty="0" smtClean="0"/>
+              <a:t> </a:t>
+            </a:r>
+            <a:r>
+              <a:rPr lang="en-US" sz="1200" dirty="0" err="1" smtClean="0"/>
+              <a:t>dan</a:t>
+            </a:r>
+            <a:r>
+              <a:rPr lang="en-US" sz="1200" dirty="0" smtClean="0"/>
+              <a:t> </a:t>
+            </a:r>
+            <a:r>
+              <a:rPr lang="en-US" sz="1200" dirty="0" err="1" smtClean="0"/>
+              <a:t>Amobarbital</a:t>
+            </a:r>
+            <a:endParaRPr lang="en-US" sz="1200" dirty="0"/>
+          </a:p>
+        </p:txBody>
+      </p:sp>
+      <p:pic>
+        <p:nvPicPr>
+          <p:cNvPr id="1029" name="Picture 5"/>
+          <p:cNvPicPr>
+            <a:picLocks noChangeAspect="1" noChangeArrowheads="1"/>
+          </p:cNvPicPr>
+          <p:nvPr/>
+        </p:nvPicPr>
+        <p:blipFill>
+          <a:blip r:embed="rId9">
+            <a:extLst>
+              <a:ext uri="{28A0092B-C50C-407E-A947-70E740481C1C}">
+                <a14:useLocalDpi xmlns:a14="http://schemas.microsoft.com/office/drawing/2010/main" val="0"/>
+              </a:ext>
+            </a:extLst>
+          </a:blip>
+          <a:srcRect/>
+          <a:stretch>
+            <a:fillRect/>
+          </a:stretch>
+        </p:blipFill>
+        <p:spPr bwMode="auto">
+          <a:xfrm>
+            <a:off x="1138239" y="5158632"/>
+            <a:ext cx="1935162" cy="847001"/>
+          </a:xfrm>
+          <a:prstGeom prst="rect">
+            <a:avLst/>
+          </a:prstGeom>
+          <a:noFill/>
+          <a:ln>
+            <a:noFill/>
+          </a:ln>
+          <a:effectLst/>
+          <a:extLst>
+            <a:ext uri="{909E8E84-426E-40DD-AFC4-6F175D3DCCD1}">
+              <a14:hiddenFill xmlns:a14="http://schemas.microsoft.com/office/drawing/2010/main">
+                <a:solidFill>
+                  <a:schemeClr val="accent1"/>
+                </a:solidFill>
+              </a14:hiddenFill>
+            </a:ext>
+            <a:ext uri="{91240B29-F687-4F45-9708-019B960494DF}">
+              <a14:hiddenLine xmlns:a14="http://schemas.microsoft.com/office/drawing/2010/main" w="9525">
+                <a:solidFill>
+                  <a:schemeClr val="tx1"/>
+                </a:solidFill>
+                <a:miter lim="800000"/>
+                <a:headEnd/>
+                <a:tailEnd/>
+              </a14:hiddenLine>
+            </a:ext>
+            <a:ext uri="{AF507438-7753-43E0-B8FC-AC1667EBCBE1}">
+              <a14:hiddenEffects xmlns:a14="http://schemas.microsoft.com/office/drawing/2010/main">
+                <a:effectLst>
+                  <a:outerShdw dist="35921" dir="2700000" algn="ctr" rotWithShape="0">
+                    <a:schemeClr val="bg2"/>
+                  </a:outerShdw>
+                </a:effectLst>
+              </a14:hiddenEffects>
+            </a:ext>
+          </a:extLst>
+        </p:spPr>
+      </p:pic>
+      <p:pic>
+        <p:nvPicPr>
+          <p:cNvPr id="1030" name="Picture 6"/>
+          <p:cNvPicPr>
+            <a:picLocks noChangeAspect="1" noChangeArrowheads="1"/>
+          </p:cNvPicPr>
+          <p:nvPr/>
+        </p:nvPicPr>
+        <p:blipFill>
+          <a:blip r:embed="rId10">
+            <a:extLst>
+              <a:ext uri="{28A0092B-C50C-407E-A947-70E740481C1C}">
+                <a14:useLocalDpi xmlns:a14="http://schemas.microsoft.com/office/drawing/2010/main" val="0"/>
+              </a:ext>
+            </a:extLst>
+          </a:blip>
+          <a:srcRect/>
+          <a:stretch>
+            <a:fillRect/>
+          </a:stretch>
+        </p:blipFill>
+        <p:spPr bwMode="auto">
+          <a:xfrm>
+            <a:off x="3271838" y="5256333"/>
+            <a:ext cx="1152525" cy="647700"/>
+          </a:xfrm>
+          <a:prstGeom prst="rect">
+            <a:avLst/>
+          </a:prstGeom>
+          <a:noFill/>
+          <a:ln>
+            <a:noFill/>
+          </a:ln>
+          <a:effectLst/>
+          <a:extLst>
+            <a:ext uri="{909E8E84-426E-40DD-AFC4-6F175D3DCCD1}">
+              <a14:hiddenFill xmlns:a14="http://schemas.microsoft.com/office/drawing/2010/main">
+                <a:solidFill>
+                  <a:schemeClr val="accent1"/>
+                </a:solidFill>
+              </a14:hiddenFill>
+            </a:ext>
+            <a:ext uri="{91240B29-F687-4F45-9708-019B960494DF}">
+              <a14:hiddenLine xmlns:a14="http://schemas.microsoft.com/office/drawing/2010/main" w="9525">
+                <a:solidFill>
+                  <a:schemeClr val="tx1"/>
+                </a:solidFill>
+                <a:miter lim="800000"/>
+                <a:headEnd/>
+                <a:tailEnd/>
+              </a14:hiddenLine>
+            </a:ext>
+            <a:ext uri="{AF507438-7753-43E0-B8FC-AC1667EBCBE1}">
+              <a14:hiddenEffects xmlns:a14="http://schemas.microsoft.com/office/drawing/2010/main">
+                <a:effectLst>
+                  <a:outerShdw dist="35921" dir="2700000" algn="ctr" rotWithShape="0">
+                    <a:schemeClr val="bg2"/>
+                  </a:outerShdw>
+                </a:effectLst>
+              </a14:hiddenEffects>
+            </a:ext>
+          </a:extLst>
+        </p:spPr>
+      </p:pic>
+      <p:pic>
+        <p:nvPicPr>
+          <p:cNvPr id="1031" name="Picture 7"/>
+          <p:cNvPicPr>
+            <a:picLocks noChangeAspect="1" noChangeArrowheads="1"/>
+          </p:cNvPicPr>
+          <p:nvPr/>
+        </p:nvPicPr>
+        <p:blipFill>
+          <a:blip r:embed="rId11">
+            <a:extLst>
+              <a:ext uri="{28A0092B-C50C-407E-A947-70E740481C1C}">
+                <a14:useLocalDpi xmlns:a14="http://schemas.microsoft.com/office/drawing/2010/main" val="0"/>
+              </a:ext>
+            </a:extLst>
+          </a:blip>
+          <a:srcRect/>
+          <a:stretch>
+            <a:fillRect/>
+          </a:stretch>
+        </p:blipFill>
+        <p:spPr bwMode="auto">
+          <a:xfrm>
+            <a:off x="4654550" y="5005869"/>
+            <a:ext cx="1524000" cy="1152525"/>
+          </a:xfrm>
+          <a:prstGeom prst="rect">
+            <a:avLst/>
+          </a:prstGeom>
+          <a:noFill/>
+          <a:ln>
+            <a:noFill/>
+          </a:ln>
+          <a:effectLst/>
+          <a:extLst>
+            <a:ext uri="{909E8E84-426E-40DD-AFC4-6F175D3DCCD1}">
+              <a14:hiddenFill xmlns:a14="http://schemas.microsoft.com/office/drawing/2010/main">
+                <a:solidFill>
+                  <a:schemeClr val="accent1"/>
+                </a:solidFill>
+              </a14:hiddenFill>
+            </a:ext>
+            <a:ext uri="{91240B29-F687-4F45-9708-019B960494DF}">
+              <a14:hiddenLine xmlns:a14="http://schemas.microsoft.com/office/drawing/2010/main" w="9525">
+                <a:solidFill>
+                  <a:schemeClr val="tx1"/>
+                </a:solidFill>
+                <a:miter lim="800000"/>
+                <a:headEnd/>
+                <a:tailEnd/>
+              </a14:hiddenLine>
+            </a:ext>
+            <a:ext uri="{AF507438-7753-43E0-B8FC-AC1667EBCBE1}">
+              <a14:hiddenEffects xmlns:a14="http://schemas.microsoft.com/office/drawing/2010/main">
+                <a:effectLst>
+                  <a:outerShdw dist="35921" dir="2700000" algn="ctr" rotWithShape="0">
+                    <a:schemeClr val="bg2"/>
+                  </a:outerShdw>
+                </a:effectLst>
+              </a14:hiddenEffects>
+            </a:ext>
+          </a:extLst>
+        </p:spPr>
+      </p:pic>
+      <p:sp>
+        <p:nvSpPr>
+          <p:cNvPr id="7" name="TextBox 6"/>
+          <p:cNvSpPr txBox="1"/>
+          <p:nvPr/>
+        </p:nvSpPr>
+        <p:spPr>
+          <a:xfrm>
+            <a:off x="6307931" y="5005869"/>
+            <a:ext cx="1592704" cy="830997"/>
+          </a:xfrm>
+          <a:prstGeom prst="rect">
+            <a:avLst/>
+          </a:prstGeom>
+          <a:noFill/>
+        </p:spPr>
+        <p:txBody>
+          <a:bodyPr wrap="square" rtlCol="0">
+            <a:spAutoFit/>
+          </a:bodyPr>
+          <a:lstStyle/>
+          <a:p>
+            <a:r>
+              <a:rPr lang="en-US" sz="1200" dirty="0" smtClean="0"/>
+              <a:t>Dari </a:t>
+            </a:r>
+            <a:r>
+              <a:rPr lang="en-US" sz="1200" dirty="0" err="1" smtClean="0"/>
+              <a:t>kiri</a:t>
+            </a:r>
+            <a:r>
+              <a:rPr lang="en-US" sz="1200" dirty="0" smtClean="0"/>
+              <a:t> </a:t>
+            </a:r>
+            <a:r>
+              <a:rPr lang="en-US" sz="1200" dirty="0" err="1" smtClean="0"/>
+              <a:t>ke</a:t>
+            </a:r>
+            <a:r>
+              <a:rPr lang="en-US" sz="1200" dirty="0" smtClean="0"/>
+              <a:t> </a:t>
+            </a:r>
+            <a:r>
+              <a:rPr lang="en-US" sz="1200" dirty="0" err="1" smtClean="0"/>
+              <a:t>kanan</a:t>
+            </a:r>
+            <a:r>
+              <a:rPr lang="en-US" sz="1200" dirty="0" smtClean="0"/>
+              <a:t>:</a:t>
+            </a:r>
+          </a:p>
+          <a:p>
+            <a:r>
+              <a:rPr lang="en-US" sz="1200" i="1" dirty="0" err="1" smtClean="0"/>
+              <a:t>Lexotan</a:t>
+            </a:r>
+            <a:r>
+              <a:rPr lang="en-US" sz="1200" i="1" dirty="0" smtClean="0"/>
+              <a:t> </a:t>
+            </a:r>
+            <a:r>
+              <a:rPr lang="en-US" sz="1200" i="1" dirty="0" err="1" smtClean="0"/>
+              <a:t>bromazepam</a:t>
+            </a:r>
+            <a:r>
+              <a:rPr lang="en-US" sz="1200" i="1" dirty="0" smtClean="0"/>
+              <a:t>, </a:t>
+            </a:r>
+            <a:r>
+              <a:rPr lang="en-US" sz="1200" i="1" dirty="0" err="1" smtClean="0"/>
+              <a:t>Nitrazepam</a:t>
+            </a:r>
+            <a:r>
+              <a:rPr lang="en-US" sz="1200" i="1" dirty="0" smtClean="0"/>
+              <a:t>, </a:t>
+            </a:r>
+            <a:r>
+              <a:rPr lang="en-US" sz="1200" i="1" dirty="0" err="1" smtClean="0"/>
+              <a:t>Fenobarbital</a:t>
+            </a:r>
+            <a:endParaRPr lang="en-US" sz="1200" i="1" dirty="0"/>
           </a:p>
         </p:txBody>
       </p:sp>
@@ -10057,4 +10708,289 @@
     </a:ext>
   </a:extLst>
 </a:theme>
+</file>
+
+<file path=ppt/theme/theme2.xml><?xml version="1.0" encoding="utf-8"?>
+<a:theme xmlns:a="http://schemas.openxmlformats.org/drawingml/2006/main" name="Office Theme">
+  <a:themeElements>
+    <a:clrScheme name="Office">
+      <a:dk1>
+        <a:sysClr val="windowText" lastClr="000000"/>
+      </a:dk1>
+      <a:lt1>
+        <a:sysClr val="window" lastClr="FFFFFF"/>
+      </a:lt1>
+      <a:dk2>
+        <a:srgbClr val="1F497D"/>
+      </a:dk2>
+      <a:lt2>
+        <a:srgbClr val="EEECE1"/>
+      </a:lt2>
+      <a:accent1>
+        <a:srgbClr val="4F81BD"/>
+      </a:accent1>
+      <a:accent2>
+        <a:srgbClr val="C0504D"/>
+      </a:accent2>
+      <a:accent3>
+        <a:srgbClr val="9BBB59"/>
+      </a:accent3>
+      <a:accent4>
+        <a:srgbClr val="8064A2"/>
+      </a:accent4>
+      <a:accent5>
+        <a:srgbClr val="4BACC6"/>
+      </a:accent5>
+      <a:accent6>
+        <a:srgbClr val="F79646"/>
+      </a:accent6>
+      <a:hlink>
+        <a:srgbClr val="0000FF"/>
+      </a:hlink>
+      <a:folHlink>
+        <a:srgbClr val="800080"/>
+      </a:folHlink>
+    </a:clrScheme>
+    <a:fontScheme name="Office">
+      <a:majorFont>
+        <a:latin typeface="Calibri"/>
+        <a:ea typeface=""/>
+        <a:cs typeface=""/>
+        <a:font script="Jpan" typeface="ＭＳ Ｐゴシック"/>
+        <a:font script="Hang" typeface="맑은 고딕"/>
+        <a:font script="Hans" typeface="宋体"/>
+        <a:font script="Hant" typeface="新細明體"/>
+        <a:font script="Arab" typeface="Times New Roman"/>
+        <a:font script="Hebr" typeface="Times New Roman"/>
+        <a:font script="Thai" typeface="Angsana New"/>
+        <a:font script="Ethi" typeface="Nyala"/>
+        <a:font script="Beng" typeface="Vrinda"/>
+        <a:font script="Gujr" typeface="Shruti"/>
+        <a:font script="Khmr" typeface="MoolBoran"/>
+        <a:font script="Knda" typeface="Tunga"/>
+        <a:font script="Guru" typeface="Raavi"/>
+        <a:font script="Cans" typeface="Euphemia"/>
+        <a:font script="Cher" typeface="Plantagenet Cherokee"/>
+        <a:font script="Yiii" typeface="Microsoft Yi Baiti"/>
+        <a:font script="Tibt" typeface="Microsoft Himalaya"/>
+        <a:font script="Thaa" typeface="MV Boli"/>
+        <a:font script="Deva" typeface="Mangal"/>
+        <a:font script="Telu" typeface="Gautami"/>
+        <a:font script="Taml" typeface="Latha"/>
+        <a:font script="Syrc" typeface="Estrangelo Edessa"/>
+        <a:font script="Orya" typeface="Kalinga"/>
+        <a:font script="Mlym" typeface="Kartika"/>
+        <a:font script="Laoo" typeface="DokChampa"/>
+        <a:font script="Sinh" typeface="Iskoola Pota"/>
+        <a:font script="Mong" typeface="Mongolian Baiti"/>
+        <a:font script="Viet" typeface="Times New Roman"/>
+        <a:font script="Uigh" typeface="Microsoft Uighur"/>
+        <a:font script="Geor" typeface="Sylfaen"/>
+      </a:majorFont>
+      <a:minorFont>
+        <a:latin typeface="Calibri"/>
+        <a:ea typeface=""/>
+        <a:cs typeface=""/>
+        <a:font script="Jpan" typeface="ＭＳ Ｐゴシック"/>
+        <a:font script="Hang" typeface="맑은 고딕"/>
+        <a:font script="Hans" typeface="宋体"/>
+        <a:font script="Hant" typeface="新細明體"/>
+        <a:font script="Arab" typeface="Arial"/>
+        <a:font script="Hebr" typeface="Arial"/>
+        <a:font script="Thai" typeface="Cordia New"/>
+        <a:font script="Ethi" typeface="Nyala"/>
+        <a:font script="Beng" typeface="Vrinda"/>
+        <a:font script="Gujr" typeface="Shruti"/>
+        <a:font script="Khmr" typeface="DaunPenh"/>
+        <a:font script="Knda" typeface="Tunga"/>
+        <a:font script="Guru" typeface="Raavi"/>
+        <a:font script="Cans" typeface="Euphemia"/>
+        <a:font script="Cher" typeface="Plantagenet Cherokee"/>
+        <a:font script="Yiii" typeface="Microsoft Yi Baiti"/>
+        <a:font script="Tibt" typeface="Microsoft Himalaya"/>
+        <a:font script="Thaa" typeface="MV Boli"/>
+        <a:font script="Deva" typeface="Mangal"/>
+        <a:font script="Telu" typeface="Gautami"/>
+        <a:font script="Taml" typeface="Latha"/>
+        <a:font script="Syrc" typeface="Estrangelo Edessa"/>
+        <a:font script="Orya" typeface="Kalinga"/>
+        <a:font script="Mlym" typeface="Kartika"/>
+        <a:font script="Laoo" typeface="DokChampa"/>
+        <a:font script="Sinh" typeface="Iskoola Pota"/>
+        <a:font script="Mong" typeface="Mongolian Baiti"/>
+        <a:font script="Viet" typeface="Arial"/>
+        <a:font script="Uigh" typeface="Microsoft Uighur"/>
+        <a:font script="Geor" typeface="Sylfaen"/>
+      </a:minorFont>
+    </a:fontScheme>
+    <a:fmtScheme name="Office">
+      <a:fillStyleLst>
+        <a:solidFill>
+          <a:schemeClr val="phClr"/>
+        </a:solidFill>
+        <a:gradFill rotWithShape="1">
+          <a:gsLst>
+            <a:gs pos="0">
+              <a:schemeClr val="phClr">
+                <a:tint val="50000"/>
+                <a:satMod val="300000"/>
+              </a:schemeClr>
+            </a:gs>
+            <a:gs pos="35000">
+              <a:schemeClr val="phClr">
+                <a:tint val="37000"/>
+                <a:satMod val="300000"/>
+              </a:schemeClr>
+            </a:gs>
+            <a:gs pos="100000">
+              <a:schemeClr val="phClr">
+                <a:tint val="15000"/>
+                <a:satMod val="350000"/>
+              </a:schemeClr>
+            </a:gs>
+          </a:gsLst>
+          <a:lin ang="16200000" scaled="1"/>
+        </a:gradFill>
+        <a:gradFill rotWithShape="1">
+          <a:gsLst>
+            <a:gs pos="0">
+              <a:schemeClr val="phClr">
+                <a:shade val="51000"/>
+                <a:satMod val="130000"/>
+              </a:schemeClr>
+            </a:gs>
+            <a:gs pos="80000">
+              <a:schemeClr val="phClr">
+                <a:shade val="93000"/>
+                <a:satMod val="130000"/>
+              </a:schemeClr>
+            </a:gs>
+            <a:gs pos="100000">
+              <a:schemeClr val="phClr">
+                <a:shade val="94000"/>
+                <a:satMod val="135000"/>
+              </a:schemeClr>
+            </a:gs>
+          </a:gsLst>
+          <a:lin ang="16200000" scaled="0"/>
+        </a:gradFill>
+      </a:fillStyleLst>
+      <a:lnStyleLst>
+        <a:ln w="9525" cap="flat" cmpd="sng" algn="ctr">
+          <a:solidFill>
+            <a:schemeClr val="phClr">
+              <a:shade val="95000"/>
+              <a:satMod val="105000"/>
+            </a:schemeClr>
+          </a:solidFill>
+          <a:prstDash val="solid"/>
+        </a:ln>
+        <a:ln w="25400" cap="flat" cmpd="sng" algn="ctr">
+          <a:solidFill>
+            <a:schemeClr val="phClr"/>
+          </a:solidFill>
+          <a:prstDash val="solid"/>
+        </a:ln>
+        <a:ln w="38100" cap="flat" cmpd="sng" algn="ctr">
+          <a:solidFill>
+            <a:schemeClr val="phClr"/>
+          </a:solidFill>
+          <a:prstDash val="solid"/>
+        </a:ln>
+      </a:lnStyleLst>
+      <a:effectStyleLst>
+        <a:effectStyle>
+          <a:effectLst>
+            <a:outerShdw blurRad="40000" dist="20000" dir="5400000" rotWithShape="0">
+              <a:srgbClr val="000000">
+                <a:alpha val="38000"/>
+              </a:srgbClr>
+            </a:outerShdw>
+          </a:effectLst>
+        </a:effectStyle>
+        <a:effectStyle>
+          <a:effectLst>
+            <a:outerShdw blurRad="40000" dist="23000" dir="5400000" rotWithShape="0">
+              <a:srgbClr val="000000">
+                <a:alpha val="35000"/>
+              </a:srgbClr>
+            </a:outerShdw>
+          </a:effectLst>
+        </a:effectStyle>
+        <a:effectStyle>
+          <a:effectLst>
+            <a:outerShdw blurRad="40000" dist="23000" dir="5400000" rotWithShape="0">
+              <a:srgbClr val="000000">
+                <a:alpha val="35000"/>
+              </a:srgbClr>
+            </a:outerShdw>
+          </a:effectLst>
+          <a:scene3d>
+            <a:camera prst="orthographicFront">
+              <a:rot lat="0" lon="0" rev="0"/>
+            </a:camera>
+            <a:lightRig rig="threePt" dir="t">
+              <a:rot lat="0" lon="0" rev="1200000"/>
+            </a:lightRig>
+          </a:scene3d>
+          <a:sp3d>
+            <a:bevelT w="63500" h="25400"/>
+          </a:sp3d>
+        </a:effectStyle>
+      </a:effectStyleLst>
+      <a:bgFillStyleLst>
+        <a:solidFill>
+          <a:schemeClr val="phClr"/>
+        </a:solidFill>
+        <a:gradFill rotWithShape="1">
+          <a:gsLst>
+            <a:gs pos="0">
+              <a:schemeClr val="phClr">
+                <a:tint val="40000"/>
+                <a:satMod val="350000"/>
+              </a:schemeClr>
+            </a:gs>
+            <a:gs pos="40000">
+              <a:schemeClr val="phClr">
+                <a:tint val="45000"/>
+                <a:shade val="99000"/>
+                <a:satMod val="350000"/>
+              </a:schemeClr>
+            </a:gs>
+            <a:gs pos="100000">
+              <a:schemeClr val="phClr">
+                <a:shade val="20000"/>
+                <a:satMod val="255000"/>
+              </a:schemeClr>
+            </a:gs>
+          </a:gsLst>
+          <a:path path="circle">
+            <a:fillToRect l="50000" t="-80000" r="50000" b="180000"/>
+          </a:path>
+        </a:gradFill>
+        <a:gradFill rotWithShape="1">
+          <a:gsLst>
+            <a:gs pos="0">
+              <a:schemeClr val="phClr">
+                <a:tint val="80000"/>
+                <a:satMod val="300000"/>
+              </a:schemeClr>
+            </a:gs>
+            <a:gs pos="100000">
+              <a:schemeClr val="phClr">
+                <a:shade val="30000"/>
+                <a:satMod val="200000"/>
+              </a:schemeClr>
+            </a:gs>
+          </a:gsLst>
+          <a:path path="circle">
+            <a:fillToRect l="50000" t="50000" r="50000" b="50000"/>
+          </a:path>
+        </a:gradFill>
+      </a:bgFillStyleLst>
+    </a:fmtScheme>
+  </a:themeElements>
+  <a:objectDefaults/>
+  <a:extraClrSchemeLst/>
+</a:theme>
 </file>